--- a/02_Regions/02_Cumulatives/figures/01_Prezygotics.pptx
+++ b/02_Regions/02_Cumulatives/figures/01_Prezygotics.pptx
@@ -3091,7 +3091,7 @@
           </p:nvSpPr>
           <p:spPr>
             <a:xfrm>
-              <a:off x="585250" y="1685268"/>
+              <a:off x="585250" y="1633758"/>
               <a:ext cx="2842154" cy="0"/>
             </a:xfrm>
             <a:custGeom>
@@ -3134,7 +3134,7 @@
           </p:nvSpPr>
           <p:spPr>
             <a:xfrm>
-              <a:off x="585250" y="1420226"/>
+              <a:off x="585250" y="1315333"/>
               <a:ext cx="2842154" cy="0"/>
             </a:xfrm>
             <a:custGeom>
@@ -3177,7 +3177,7 @@
           </p:nvSpPr>
           <p:spPr>
             <a:xfrm>
-              <a:off x="585250" y="1155184"/>
+              <a:off x="585250" y="996909"/>
               <a:ext cx="2842154" cy="0"/>
             </a:xfrm>
             <a:custGeom>
@@ -3220,7 +3220,7 @@
           </p:nvSpPr>
           <p:spPr>
             <a:xfrm>
-              <a:off x="585250" y="890143"/>
+              <a:off x="585250" y="678484"/>
               <a:ext cx="2842154" cy="0"/>
             </a:xfrm>
             <a:custGeom>
@@ -3263,7 +3263,7 @@
           </p:nvSpPr>
           <p:spPr>
             <a:xfrm>
-              <a:off x="585250" y="625101"/>
+              <a:off x="585250" y="360060"/>
               <a:ext cx="2842154" cy="0"/>
             </a:xfrm>
             <a:custGeom>
@@ -3306,7 +3306,7 @@
           </p:nvSpPr>
           <p:spPr>
             <a:xfrm>
-              <a:off x="585250" y="360060"/>
+              <a:off x="585250" y="1633758"/>
               <a:ext cx="2842154" cy="0"/>
             </a:xfrm>
             <a:custGeom>
@@ -3327,7 +3327,7 @@
             </a:custGeom>
             <a:ln w="13550" cap="flat">
               <a:solidFill>
-                <a:srgbClr val="BEBEBE">
+                <a:srgbClr val="000000">
                   <a:alpha val="100000"/>
                 </a:srgbClr>
               </a:solidFill>
@@ -3349,28 +3349,34 @@
           </p:nvSpPr>
           <p:spPr>
             <a:xfrm>
-              <a:off x="585250" y="1685268"/>
-              <a:ext cx="2842154" cy="0"/>
+              <a:off x="913191" y="1535683"/>
+              <a:ext cx="2186272" cy="266202"/>
             </a:xfrm>
             <a:custGeom>
               <a:avLst/>
               <a:pathLst>
-                <a:path w="2842154" h="0">
+                <a:path w="2186272" h="266202">
                   <a:moveTo>
-                    <a:pt x="0" y="0"/>
+                    <a:pt x="0" y="91706"/>
                   </a:moveTo>
                   <a:lnTo>
-                    <a:pt x="2842154" y="0"/>
-                  </a:lnTo>
-                  <a:lnTo>
-                    <a:pt x="2842154" y="0"/>
+                    <a:pt x="546568" y="48400"/>
+                  </a:lnTo>
+                  <a:lnTo>
+                    <a:pt x="1093136" y="0"/>
+                  </a:lnTo>
+                  <a:lnTo>
+                    <a:pt x="1639704" y="266202"/>
+                  </a:lnTo>
+                  <a:lnTo>
+                    <a:pt x="2186272" y="230539"/>
                   </a:lnTo>
                 </a:path>
               </a:pathLst>
             </a:custGeom>
             <a:ln w="13550" cap="flat">
               <a:solidFill>
-                <a:srgbClr val="000000">
+                <a:srgbClr val="7570B3">
                   <a:alpha val="100000"/>
                 </a:srgbClr>
               </a:solidFill>
@@ -3392,82 +3398,33 @@
           </p:nvSpPr>
           <p:spPr>
             <a:xfrm>
-              <a:off x="913191" y="1611056"/>
-              <a:ext cx="2186272" cy="140472"/>
+              <a:off x="913191" y="781654"/>
+              <a:ext cx="2186272" cy="650859"/>
             </a:xfrm>
             <a:custGeom>
               <a:avLst/>
               <a:pathLst>
-                <a:path w="2186272" h="140472">
+                <a:path w="2186272" h="650859">
                   <a:moveTo>
-                    <a:pt x="0" y="76862"/>
+                    <a:pt x="0" y="650859"/>
                   </a:moveTo>
                   <a:lnTo>
-                    <a:pt x="546568" y="22528"/>
-                  </a:lnTo>
-                  <a:lnTo>
-                    <a:pt x="1093136" y="0"/>
-                  </a:lnTo>
-                  <a:lnTo>
-                    <a:pt x="1639704" y="140472"/>
-                  </a:lnTo>
-                  <a:lnTo>
-                    <a:pt x="2186272" y="26504"/>
+                    <a:pt x="546568" y="454710"/>
+                  </a:lnTo>
+                  <a:lnTo>
+                    <a:pt x="1093136" y="403762"/>
+                  </a:lnTo>
+                  <a:lnTo>
+                    <a:pt x="1639704" y="0"/>
+                  </a:lnTo>
+                  <a:lnTo>
+                    <a:pt x="2186272" y="21652"/>
                   </a:lnTo>
                 </a:path>
               </a:pathLst>
             </a:custGeom>
             <a:ln w="13550" cap="flat">
               <a:solidFill>
-                <a:srgbClr val="7570B3">
-                  <a:alpha val="100000"/>
-                </a:srgbClr>
-              </a:solidFill>
-              <a:prstDash val="solid"/>
-              <a:round/>
-            </a:ln>
-          </p:spPr>
-          <p:txBody>
-            <a:bodyPr/>
-            <a:lstStyle/>
-            <a:p/>
-          </p:txBody>
-        </p:sp>
-        <p:sp>
-          <p:nvSpPr>
-            <p:cNvPr id="14" name="pl14"/>
-            <p:cNvSpPr/>
-            <p:nvPr/>
-          </p:nvSpPr>
-          <p:spPr>
-            <a:xfrm>
-              <a:off x="913191" y="864964"/>
-              <a:ext cx="2186272" cy="614896"/>
-            </a:xfrm>
-            <a:custGeom>
-              <a:avLst/>
-              <a:pathLst>
-                <a:path w="2186272" h="614896">
-                  <a:moveTo>
-                    <a:pt x="0" y="614896"/>
-                  </a:moveTo>
-                  <a:lnTo>
-                    <a:pt x="546568" y="429367"/>
-                  </a:lnTo>
-                  <a:lnTo>
-                    <a:pt x="1093136" y="357806"/>
-                  </a:lnTo>
-                  <a:lnTo>
-                    <a:pt x="1639704" y="0"/>
-                  </a:lnTo>
-                  <a:lnTo>
-                    <a:pt x="2186272" y="56983"/>
-                  </a:lnTo>
-                </a:path>
-              </a:pathLst>
-            </a:custGeom>
-            <a:ln w="13550" cap="flat">
-              <a:solidFill>
                 <a:srgbClr val="E7298A">
                   <a:alpha val="100000"/>
                 </a:srgbClr>
@@ -3484,13 +3441,13 @@
         </p:sp>
         <p:sp>
           <p:nvSpPr>
-            <p:cNvPr id="15" name="pt15"/>
-            <p:cNvSpPr/>
-            <p:nvPr/>
-          </p:nvSpPr>
-          <p:spPr>
-            <a:xfrm>
-              <a:off x="888365" y="1663092"/>
+            <p:cNvPr id="14" name="pt14"/>
+            <p:cNvSpPr/>
+            <p:nvPr/>
+          </p:nvSpPr>
+          <p:spPr>
+            <a:xfrm>
+              <a:off x="888365" y="1602563"/>
               <a:ext cx="49651" cy="49651"/>
             </a:xfrm>
             <a:prstGeom prst="ellipse">
@@ -3519,13 +3476,13 @@
         </p:sp>
         <p:sp>
           <p:nvSpPr>
-            <p:cNvPr id="16" name="pt16"/>
-            <p:cNvSpPr/>
-            <p:nvPr/>
-          </p:nvSpPr>
-          <p:spPr>
-            <a:xfrm>
-              <a:off x="888365" y="1455034"/>
+            <p:cNvPr id="15" name="pt15"/>
+            <p:cNvSpPr/>
+            <p:nvPr/>
+          </p:nvSpPr>
+          <p:spPr>
+            <a:xfrm>
+              <a:off x="888365" y="1407687"/>
               <a:ext cx="49651" cy="49651"/>
             </a:xfrm>
             <a:prstGeom prst="ellipse">
@@ -3554,13 +3511,13 @@
         </p:sp>
         <p:sp>
           <p:nvSpPr>
-            <p:cNvPr id="17" name="pt17"/>
-            <p:cNvSpPr/>
-            <p:nvPr/>
-          </p:nvSpPr>
-          <p:spPr>
-            <a:xfrm>
-              <a:off x="1434933" y="1608758"/>
+            <p:cNvPr id="16" name="pt16"/>
+            <p:cNvSpPr/>
+            <p:nvPr/>
+          </p:nvSpPr>
+          <p:spPr>
+            <a:xfrm>
+              <a:off x="1434933" y="1559258"/>
               <a:ext cx="49651" cy="49651"/>
             </a:xfrm>
             <a:prstGeom prst="ellipse">
@@ -3589,13 +3546,13 @@
         </p:sp>
         <p:sp>
           <p:nvSpPr>
-            <p:cNvPr id="18" name="pt18"/>
-            <p:cNvSpPr/>
-            <p:nvPr/>
-          </p:nvSpPr>
-          <p:spPr>
-            <a:xfrm>
-              <a:off x="1434933" y="1269505"/>
+            <p:cNvPr id="17" name="pt17"/>
+            <p:cNvSpPr/>
+            <p:nvPr/>
+          </p:nvSpPr>
+          <p:spPr>
+            <a:xfrm>
+              <a:off x="1434933" y="1211538"/>
               <a:ext cx="49651" cy="49651"/>
             </a:xfrm>
             <a:prstGeom prst="ellipse">
@@ -3624,13 +3581,13 @@
         </p:sp>
         <p:sp>
           <p:nvSpPr>
-            <p:cNvPr id="19" name="pt19"/>
-            <p:cNvSpPr/>
-            <p:nvPr/>
-          </p:nvSpPr>
-          <p:spPr>
-            <a:xfrm>
-              <a:off x="1981501" y="1586230"/>
+            <p:cNvPr id="18" name="pt18"/>
+            <p:cNvSpPr/>
+            <p:nvPr/>
+          </p:nvSpPr>
+          <p:spPr>
+            <a:xfrm>
+              <a:off x="1981501" y="1510857"/>
               <a:ext cx="49651" cy="49651"/>
             </a:xfrm>
             <a:prstGeom prst="ellipse">
@@ -3659,13 +3616,13 @@
         </p:sp>
         <p:sp>
           <p:nvSpPr>
-            <p:cNvPr id="20" name="pt20"/>
-            <p:cNvSpPr/>
-            <p:nvPr/>
-          </p:nvSpPr>
-          <p:spPr>
-            <a:xfrm>
-              <a:off x="1981501" y="1197944"/>
+            <p:cNvPr id="19" name="pt19"/>
+            <p:cNvSpPr/>
+            <p:nvPr/>
+          </p:nvSpPr>
+          <p:spPr>
+            <a:xfrm>
+              <a:off x="1981501" y="1160590"/>
               <a:ext cx="49651" cy="49651"/>
             </a:xfrm>
             <a:prstGeom prst="ellipse">
@@ -3694,13 +3651,13 @@
         </p:sp>
         <p:sp>
           <p:nvSpPr>
-            <p:cNvPr id="21" name="pt21"/>
-            <p:cNvSpPr/>
-            <p:nvPr/>
-          </p:nvSpPr>
-          <p:spPr>
-            <a:xfrm>
-              <a:off x="2528070" y="1726702"/>
+            <p:cNvPr id="20" name="pt20"/>
+            <p:cNvSpPr/>
+            <p:nvPr/>
+          </p:nvSpPr>
+          <p:spPr>
+            <a:xfrm>
+              <a:off x="2528070" y="1777060"/>
               <a:ext cx="49651" cy="49651"/>
             </a:xfrm>
             <a:prstGeom prst="ellipse">
@@ -3729,13 +3686,13 @@
         </p:sp>
         <p:sp>
           <p:nvSpPr>
-            <p:cNvPr id="22" name="pt22"/>
-            <p:cNvSpPr/>
-            <p:nvPr/>
-          </p:nvSpPr>
-          <p:spPr>
-            <a:xfrm>
-              <a:off x="2528070" y="840138"/>
+            <p:cNvPr id="21" name="pt21"/>
+            <p:cNvSpPr/>
+            <p:nvPr/>
+          </p:nvSpPr>
+          <p:spPr>
+            <a:xfrm>
+              <a:off x="2528070" y="756828"/>
               <a:ext cx="49651" cy="49651"/>
             </a:xfrm>
             <a:prstGeom prst="ellipse">
@@ -3764,13 +3721,13 @@
         </p:sp>
         <p:sp>
           <p:nvSpPr>
-            <p:cNvPr id="23" name="pt23"/>
-            <p:cNvSpPr/>
-            <p:nvPr/>
-          </p:nvSpPr>
-          <p:spPr>
-            <a:xfrm>
-              <a:off x="3074638" y="1612734"/>
+            <p:cNvPr id="22" name="pt22"/>
+            <p:cNvSpPr/>
+            <p:nvPr/>
+          </p:nvSpPr>
+          <p:spPr>
+            <a:xfrm>
+              <a:off x="3074638" y="1741396"/>
               <a:ext cx="49651" cy="49651"/>
             </a:xfrm>
             <a:prstGeom prst="ellipse">
@@ -3799,13 +3756,13 @@
         </p:sp>
         <p:sp>
           <p:nvSpPr>
-            <p:cNvPr id="24" name="pt24"/>
-            <p:cNvSpPr/>
-            <p:nvPr/>
-          </p:nvSpPr>
-          <p:spPr>
-            <a:xfrm>
-              <a:off x="3074638" y="897122"/>
+            <p:cNvPr id="23" name="pt23"/>
+            <p:cNvSpPr/>
+            <p:nvPr/>
+          </p:nvSpPr>
+          <p:spPr>
+            <a:xfrm>
+              <a:off x="3074638" y="778481"/>
               <a:ext cx="49651" cy="49651"/>
             </a:xfrm>
             <a:prstGeom prst="ellipse">
@@ -3834,7 +3791,7 @@
         </p:sp>
         <p:sp>
           <p:nvSpPr>
-            <p:cNvPr id="25" name="rc25"/>
+            <p:cNvPr id="24" name="rc24"/>
             <p:cNvSpPr/>
             <p:nvPr/>
           </p:nvSpPr>
@@ -3860,13 +3817,13 @@
         </p:sp>
         <p:sp>
           <p:nvSpPr>
-            <p:cNvPr id="26" name="pl26"/>
-            <p:cNvSpPr/>
-            <p:nvPr/>
-          </p:nvSpPr>
-          <p:spPr>
-            <a:xfrm>
-              <a:off x="3496994" y="1685268"/>
+            <p:cNvPr id="25" name="pl25"/>
+            <p:cNvSpPr/>
+            <p:nvPr/>
+          </p:nvSpPr>
+          <p:spPr>
+            <a:xfrm>
+              <a:off x="3496994" y="1633758"/>
               <a:ext cx="2842154" cy="0"/>
             </a:xfrm>
             <a:custGeom>
@@ -3903,13 +3860,13 @@
         </p:sp>
         <p:sp>
           <p:nvSpPr>
-            <p:cNvPr id="27" name="pl27"/>
-            <p:cNvSpPr/>
-            <p:nvPr/>
-          </p:nvSpPr>
-          <p:spPr>
-            <a:xfrm>
-              <a:off x="3496994" y="1420226"/>
+            <p:cNvPr id="26" name="pl26"/>
+            <p:cNvSpPr/>
+            <p:nvPr/>
+          </p:nvSpPr>
+          <p:spPr>
+            <a:xfrm>
+              <a:off x="3496994" y="1315333"/>
               <a:ext cx="2842154" cy="0"/>
             </a:xfrm>
             <a:custGeom>
@@ -3946,13 +3903,13 @@
         </p:sp>
         <p:sp>
           <p:nvSpPr>
-            <p:cNvPr id="28" name="pl28"/>
-            <p:cNvSpPr/>
-            <p:nvPr/>
-          </p:nvSpPr>
-          <p:spPr>
-            <a:xfrm>
-              <a:off x="3496994" y="1155184"/>
+            <p:cNvPr id="27" name="pl27"/>
+            <p:cNvSpPr/>
+            <p:nvPr/>
+          </p:nvSpPr>
+          <p:spPr>
+            <a:xfrm>
+              <a:off x="3496994" y="996909"/>
               <a:ext cx="2842154" cy="0"/>
             </a:xfrm>
             <a:custGeom>
@@ -3989,13 +3946,13 @@
         </p:sp>
         <p:sp>
           <p:nvSpPr>
-            <p:cNvPr id="29" name="pl29"/>
-            <p:cNvSpPr/>
-            <p:nvPr/>
-          </p:nvSpPr>
-          <p:spPr>
-            <a:xfrm>
-              <a:off x="3496994" y="890143"/>
+            <p:cNvPr id="28" name="pl28"/>
+            <p:cNvSpPr/>
+            <p:nvPr/>
+          </p:nvSpPr>
+          <p:spPr>
+            <a:xfrm>
+              <a:off x="3496994" y="678484"/>
               <a:ext cx="2842154" cy="0"/>
             </a:xfrm>
             <a:custGeom>
@@ -4032,13 +3989,13 @@
         </p:sp>
         <p:sp>
           <p:nvSpPr>
-            <p:cNvPr id="30" name="pl30"/>
-            <p:cNvSpPr/>
-            <p:nvPr/>
-          </p:nvSpPr>
-          <p:spPr>
-            <a:xfrm>
-              <a:off x="3496994" y="625101"/>
+            <p:cNvPr id="29" name="pl29"/>
+            <p:cNvSpPr/>
+            <p:nvPr/>
+          </p:nvSpPr>
+          <p:spPr>
+            <a:xfrm>
+              <a:off x="3496994" y="360060"/>
               <a:ext cx="2842154" cy="0"/>
             </a:xfrm>
             <a:custGeom>
@@ -4075,13 +4032,13 @@
         </p:sp>
         <p:sp>
           <p:nvSpPr>
-            <p:cNvPr id="31" name="pl31"/>
-            <p:cNvSpPr/>
-            <p:nvPr/>
-          </p:nvSpPr>
-          <p:spPr>
-            <a:xfrm>
-              <a:off x="3496994" y="360060"/>
+            <p:cNvPr id="30" name="pl30"/>
+            <p:cNvSpPr/>
+            <p:nvPr/>
+          </p:nvSpPr>
+          <p:spPr>
+            <a:xfrm>
+              <a:off x="3496994" y="1633758"/>
               <a:ext cx="2842154" cy="0"/>
             </a:xfrm>
             <a:custGeom>
@@ -4102,147 +4059,104 @@
             </a:custGeom>
             <a:ln w="13550" cap="flat">
               <a:solidFill>
-                <a:srgbClr val="BEBEBE">
-                  <a:alpha val="100000"/>
-                </a:srgbClr>
-              </a:solidFill>
-              <a:prstDash val="solid"/>
-              <a:round/>
-            </a:ln>
-          </p:spPr>
-          <p:txBody>
-            <a:bodyPr/>
-            <a:lstStyle/>
-            <a:p/>
-          </p:txBody>
-        </p:sp>
-        <p:sp>
-          <p:nvSpPr>
-            <p:cNvPr id="32" name="pl32"/>
-            <p:cNvSpPr/>
-            <p:nvPr/>
-          </p:nvSpPr>
-          <p:spPr>
-            <a:xfrm>
-              <a:off x="3496994" y="1685268"/>
-              <a:ext cx="2842154" cy="0"/>
+                <a:srgbClr val="000000">
+                  <a:alpha val="100000"/>
+                </a:srgbClr>
+              </a:solidFill>
+              <a:prstDash val="solid"/>
+              <a:round/>
+            </a:ln>
+          </p:spPr>
+          <p:txBody>
+            <a:bodyPr/>
+            <a:lstStyle/>
+            <a:p/>
+          </p:txBody>
+        </p:sp>
+        <p:sp>
+          <p:nvSpPr>
+            <p:cNvPr id="31" name="pl31"/>
+            <p:cNvSpPr/>
+            <p:nvPr/>
+          </p:nvSpPr>
+          <p:spPr>
+            <a:xfrm>
+              <a:off x="3824935" y="1424871"/>
+              <a:ext cx="2186272" cy="312056"/>
             </a:xfrm>
             <a:custGeom>
               <a:avLst/>
               <a:pathLst>
-                <a:path w="2842154" h="0">
+                <a:path w="2186272" h="312056">
                   <a:moveTo>
-                    <a:pt x="0" y="0"/>
+                    <a:pt x="0" y="215254"/>
                   </a:moveTo>
                   <a:lnTo>
-                    <a:pt x="2842154" y="0"/>
-                  </a:lnTo>
-                  <a:lnTo>
-                    <a:pt x="2842154" y="0"/>
+                    <a:pt x="546568" y="259834"/>
+                  </a:lnTo>
+                  <a:lnTo>
+                    <a:pt x="1093136" y="312056"/>
+                  </a:lnTo>
+                  <a:lnTo>
+                    <a:pt x="1639704" y="0"/>
+                  </a:lnTo>
+                  <a:lnTo>
+                    <a:pt x="2186272" y="26747"/>
                   </a:lnTo>
                 </a:path>
               </a:pathLst>
             </a:custGeom>
             <a:ln w="13550" cap="flat">
               <a:solidFill>
-                <a:srgbClr val="000000">
-                  <a:alpha val="100000"/>
-                </a:srgbClr>
-              </a:solidFill>
-              <a:prstDash val="solid"/>
-              <a:round/>
-            </a:ln>
-          </p:spPr>
-          <p:txBody>
-            <a:bodyPr/>
-            <a:lstStyle/>
-            <a:p/>
-          </p:txBody>
-        </p:sp>
-        <p:sp>
-          <p:nvSpPr>
-            <p:cNvPr id="33" name="pl33"/>
-            <p:cNvSpPr/>
-            <p:nvPr/>
-          </p:nvSpPr>
-          <p:spPr>
-            <a:xfrm>
-              <a:off x="3824935" y="1604430"/>
-              <a:ext cx="2186272" cy="156374"/>
+                <a:srgbClr val="7570B3">
+                  <a:alpha val="100000"/>
+                </a:srgbClr>
+              </a:solidFill>
+              <a:prstDash val="solid"/>
+              <a:round/>
+            </a:ln>
+          </p:spPr>
+          <p:txBody>
+            <a:bodyPr/>
+            <a:lstStyle/>
+            <a:p/>
+          </p:txBody>
+        </p:sp>
+        <p:sp>
+          <p:nvSpPr>
+            <p:cNvPr id="32" name="pl32"/>
+            <p:cNvSpPr/>
+            <p:nvPr/>
+          </p:nvSpPr>
+          <p:spPr>
+            <a:xfrm>
+              <a:off x="3824935" y="917939"/>
+              <a:ext cx="2186272" cy="775682"/>
             </a:xfrm>
             <a:custGeom>
               <a:avLst/>
               <a:pathLst>
-                <a:path w="2186272" h="156374">
+                <a:path w="2186272" h="775682">
                   <a:moveTo>
-                    <a:pt x="0" y="78187"/>
+                    <a:pt x="0" y="775682"/>
                   </a:moveTo>
                   <a:lnTo>
-                    <a:pt x="546568" y="131195"/>
-                  </a:lnTo>
-                  <a:lnTo>
-                    <a:pt x="1093136" y="156374"/>
-                  </a:lnTo>
-                  <a:lnTo>
-                    <a:pt x="1639704" y="0"/>
-                  </a:lnTo>
-                  <a:lnTo>
-                    <a:pt x="2186272" y="100715"/>
+                    <a:pt x="546568" y="641943"/>
+                  </a:lnTo>
+                  <a:lnTo>
+                    <a:pt x="1093136" y="742566"/>
+                  </a:lnTo>
+                  <a:lnTo>
+                    <a:pt x="1639704" y="15284"/>
+                  </a:lnTo>
+                  <a:lnTo>
+                    <a:pt x="2186272" y="0"/>
                   </a:lnTo>
                 </a:path>
               </a:pathLst>
             </a:custGeom>
             <a:ln w="13550" cap="flat">
               <a:solidFill>
-                <a:srgbClr val="7570B3">
-                  <a:alpha val="100000"/>
-                </a:srgbClr>
-              </a:solidFill>
-              <a:prstDash val="solid"/>
-              <a:round/>
-            </a:ln>
-          </p:spPr>
-          <p:txBody>
-            <a:bodyPr/>
-            <a:lstStyle/>
-            <a:p/>
-          </p:txBody>
-        </p:sp>
-        <p:sp>
-          <p:nvSpPr>
-            <p:cNvPr id="34" name="pl34"/>
-            <p:cNvSpPr/>
-            <p:nvPr/>
-          </p:nvSpPr>
-          <p:spPr>
-            <a:xfrm>
-              <a:off x="3824935" y="1029290"/>
-              <a:ext cx="2186272" cy="708986"/>
-            </a:xfrm>
-            <a:custGeom>
-              <a:avLst/>
-              <a:pathLst>
-                <a:path w="2186272" h="708986">
-                  <a:moveTo>
-                    <a:pt x="0" y="708986"/>
-                  </a:moveTo>
-                  <a:lnTo>
-                    <a:pt x="546568" y="577790"/>
-                  </a:lnTo>
-                  <a:lnTo>
-                    <a:pt x="1093136" y="654652"/>
-                  </a:lnTo>
-                  <a:lnTo>
-                    <a:pt x="1639704" y="0"/>
-                  </a:lnTo>
-                  <a:lnTo>
-                    <a:pt x="2186272" y="19878"/>
-                  </a:lnTo>
-                </a:path>
-              </a:pathLst>
-            </a:custGeom>
-            <a:ln w="13550" cap="flat">
-              <a:solidFill>
                 <a:srgbClr val="E7298A">
                   <a:alpha val="100000"/>
                 </a:srgbClr>
@@ -4259,13 +4173,13 @@
         </p:sp>
         <p:sp>
           <p:nvSpPr>
-            <p:cNvPr id="35" name="pt35"/>
-            <p:cNvSpPr/>
-            <p:nvPr/>
-          </p:nvSpPr>
-          <p:spPr>
-            <a:xfrm>
-              <a:off x="3800109" y="1657791"/>
+            <p:cNvPr id="33" name="pt33"/>
+            <p:cNvSpPr/>
+            <p:nvPr/>
+          </p:nvSpPr>
+          <p:spPr>
+            <a:xfrm>
+              <a:off x="3800109" y="1615300"/>
               <a:ext cx="49651" cy="49651"/>
             </a:xfrm>
             <a:prstGeom prst="ellipse">
@@ -4294,13 +4208,13 @@
         </p:sp>
         <p:sp>
           <p:nvSpPr>
-            <p:cNvPr id="36" name="pt36"/>
-            <p:cNvSpPr/>
-            <p:nvPr/>
-          </p:nvSpPr>
-          <p:spPr>
-            <a:xfrm>
-              <a:off x="3800109" y="1713450"/>
+            <p:cNvPr id="34" name="pt34"/>
+            <p:cNvSpPr/>
+            <p:nvPr/>
+          </p:nvSpPr>
+          <p:spPr>
+            <a:xfrm>
+              <a:off x="3800109" y="1668796"/>
               <a:ext cx="49651" cy="49651"/>
             </a:xfrm>
             <a:prstGeom prst="ellipse">
@@ -4329,13 +4243,13 @@
         </p:sp>
         <p:sp>
           <p:nvSpPr>
-            <p:cNvPr id="37" name="pt37"/>
-            <p:cNvSpPr/>
-            <p:nvPr/>
-          </p:nvSpPr>
-          <p:spPr>
-            <a:xfrm>
-              <a:off x="4346677" y="1710799"/>
+            <p:cNvPr id="35" name="pt35"/>
+            <p:cNvSpPr/>
+            <p:nvPr/>
+          </p:nvSpPr>
+          <p:spPr>
+            <a:xfrm>
+              <a:off x="4346677" y="1659880"/>
               <a:ext cx="49651" cy="49651"/>
             </a:xfrm>
             <a:prstGeom prst="ellipse">
@@ -4364,13 +4278,13 @@
         </p:sp>
         <p:sp>
           <p:nvSpPr>
-            <p:cNvPr id="38" name="pt38"/>
-            <p:cNvSpPr/>
-            <p:nvPr/>
-          </p:nvSpPr>
-          <p:spPr>
-            <a:xfrm>
-              <a:off x="4346677" y="1582254"/>
+            <p:cNvPr id="36" name="pt36"/>
+            <p:cNvSpPr/>
+            <p:nvPr/>
+          </p:nvSpPr>
+          <p:spPr>
+            <a:xfrm>
+              <a:off x="4346677" y="1535057"/>
               <a:ext cx="49651" cy="49651"/>
             </a:xfrm>
             <a:prstGeom prst="ellipse">
@@ -4399,13 +4313,13 @@
         </p:sp>
         <p:sp>
           <p:nvSpPr>
-            <p:cNvPr id="39" name="pt39"/>
-            <p:cNvSpPr/>
-            <p:nvPr/>
-          </p:nvSpPr>
-          <p:spPr>
-            <a:xfrm>
-              <a:off x="4893245" y="1735978"/>
+            <p:cNvPr id="37" name="pt37"/>
+            <p:cNvSpPr/>
+            <p:nvPr/>
+          </p:nvSpPr>
+          <p:spPr>
+            <a:xfrm>
+              <a:off x="4893245" y="1712101"/>
               <a:ext cx="49651" cy="49651"/>
             </a:xfrm>
             <a:prstGeom prst="ellipse">
@@ -4434,13 +4348,13 @@
         </p:sp>
         <p:sp>
           <p:nvSpPr>
-            <p:cNvPr id="40" name="pt40"/>
-            <p:cNvSpPr/>
-            <p:nvPr/>
-          </p:nvSpPr>
-          <p:spPr>
-            <a:xfrm>
-              <a:off x="4893245" y="1659116"/>
+            <p:cNvPr id="38" name="pt38"/>
+            <p:cNvSpPr/>
+            <p:nvPr/>
+          </p:nvSpPr>
+          <p:spPr>
+            <a:xfrm>
+              <a:off x="4893245" y="1635679"/>
               <a:ext cx="49651" cy="49651"/>
             </a:xfrm>
             <a:prstGeom prst="ellipse">
@@ -4469,13 +4383,13 @@
         </p:sp>
         <p:sp>
           <p:nvSpPr>
-            <p:cNvPr id="41" name="pt41"/>
-            <p:cNvSpPr/>
-            <p:nvPr/>
-          </p:nvSpPr>
-          <p:spPr>
-            <a:xfrm>
-              <a:off x="5439813" y="1579604"/>
+            <p:cNvPr id="39" name="pt39"/>
+            <p:cNvSpPr/>
+            <p:nvPr/>
+          </p:nvSpPr>
+          <p:spPr>
+            <a:xfrm>
+              <a:off x="5439813" y="1400045"/>
               <a:ext cx="49651" cy="49651"/>
             </a:xfrm>
             <a:prstGeom prst="ellipse">
@@ -4504,13 +4418,13 @@
         </p:sp>
         <p:sp>
           <p:nvSpPr>
-            <p:cNvPr id="42" name="pt42"/>
-            <p:cNvSpPr/>
-            <p:nvPr/>
-          </p:nvSpPr>
-          <p:spPr>
-            <a:xfrm>
-              <a:off x="5439813" y="1004464"/>
+            <p:cNvPr id="40" name="pt40"/>
+            <p:cNvSpPr/>
+            <p:nvPr/>
+          </p:nvSpPr>
+          <p:spPr>
+            <a:xfrm>
+              <a:off x="5439813" y="908398"/>
               <a:ext cx="49651" cy="49651"/>
             </a:xfrm>
             <a:prstGeom prst="ellipse">
@@ -4539,13 +4453,13 @@
         </p:sp>
         <p:sp>
           <p:nvSpPr>
-            <p:cNvPr id="43" name="pt43"/>
-            <p:cNvSpPr/>
-            <p:nvPr/>
-          </p:nvSpPr>
-          <p:spPr>
-            <a:xfrm>
-              <a:off x="5986382" y="1680320"/>
+            <p:cNvPr id="41" name="pt41"/>
+            <p:cNvSpPr/>
+            <p:nvPr/>
+          </p:nvSpPr>
+          <p:spPr>
+            <a:xfrm>
+              <a:off x="5986382" y="1426793"/>
               <a:ext cx="49651" cy="49651"/>
             </a:xfrm>
             <a:prstGeom prst="ellipse">
@@ -4574,13 +4488,13 @@
         </p:sp>
         <p:sp>
           <p:nvSpPr>
-            <p:cNvPr id="44" name="pt44"/>
-            <p:cNvSpPr/>
-            <p:nvPr/>
-          </p:nvSpPr>
-          <p:spPr>
-            <a:xfrm>
-              <a:off x="5986382" y="1024342"/>
+            <p:cNvPr id="42" name="pt42"/>
+            <p:cNvSpPr/>
+            <p:nvPr/>
+          </p:nvSpPr>
+          <p:spPr>
+            <a:xfrm>
+              <a:off x="5986382" y="893113"/>
               <a:ext cx="49651" cy="49651"/>
             </a:xfrm>
             <a:prstGeom prst="ellipse">
@@ -4609,7 +4523,7 @@
         </p:sp>
         <p:sp>
           <p:nvSpPr>
-            <p:cNvPr id="45" name="rc45"/>
+            <p:cNvPr id="43" name="rc43"/>
             <p:cNvSpPr/>
             <p:nvPr/>
           </p:nvSpPr>
@@ -4635,13 +4549,13 @@
         </p:sp>
         <p:sp>
           <p:nvSpPr>
-            <p:cNvPr id="46" name="pl46"/>
-            <p:cNvSpPr/>
-            <p:nvPr/>
-          </p:nvSpPr>
-          <p:spPr>
-            <a:xfrm>
-              <a:off x="585250" y="3559245"/>
+            <p:cNvPr id="44" name="pl44"/>
+            <p:cNvSpPr/>
+            <p:nvPr/>
+          </p:nvSpPr>
+          <p:spPr>
+            <a:xfrm>
+              <a:off x="585250" y="3507735"/>
               <a:ext cx="2842154" cy="0"/>
             </a:xfrm>
             <a:custGeom>
@@ -4678,13 +4592,13 @@
         </p:sp>
         <p:sp>
           <p:nvSpPr>
-            <p:cNvPr id="47" name="pl47"/>
-            <p:cNvSpPr/>
-            <p:nvPr/>
-          </p:nvSpPr>
-          <p:spPr>
-            <a:xfrm>
-              <a:off x="585250" y="3294204"/>
+            <p:cNvPr id="45" name="pl45"/>
+            <p:cNvSpPr/>
+            <p:nvPr/>
+          </p:nvSpPr>
+          <p:spPr>
+            <a:xfrm>
+              <a:off x="585250" y="3189311"/>
               <a:ext cx="2842154" cy="0"/>
             </a:xfrm>
             <a:custGeom>
@@ -4721,13 +4635,13 @@
         </p:sp>
         <p:sp>
           <p:nvSpPr>
-            <p:cNvPr id="48" name="pl48"/>
-            <p:cNvSpPr/>
-            <p:nvPr/>
-          </p:nvSpPr>
-          <p:spPr>
-            <a:xfrm>
-              <a:off x="585250" y="3029162"/>
+            <p:cNvPr id="46" name="pl46"/>
+            <p:cNvSpPr/>
+            <p:nvPr/>
+          </p:nvSpPr>
+          <p:spPr>
+            <a:xfrm>
+              <a:off x="585250" y="2870886"/>
               <a:ext cx="2842154" cy="0"/>
             </a:xfrm>
             <a:custGeom>
@@ -4764,13 +4678,13 @@
         </p:sp>
         <p:sp>
           <p:nvSpPr>
-            <p:cNvPr id="49" name="pl49"/>
-            <p:cNvSpPr/>
-            <p:nvPr/>
-          </p:nvSpPr>
-          <p:spPr>
-            <a:xfrm>
-              <a:off x="585250" y="2764120"/>
+            <p:cNvPr id="47" name="pl47"/>
+            <p:cNvSpPr/>
+            <p:nvPr/>
+          </p:nvSpPr>
+          <p:spPr>
+            <a:xfrm>
+              <a:off x="585250" y="2552462"/>
               <a:ext cx="2842154" cy="0"/>
             </a:xfrm>
             <a:custGeom>
@@ -4807,13 +4721,13 @@
         </p:sp>
         <p:sp>
           <p:nvSpPr>
-            <p:cNvPr id="50" name="pl50"/>
-            <p:cNvSpPr/>
-            <p:nvPr/>
-          </p:nvSpPr>
-          <p:spPr>
-            <a:xfrm>
-              <a:off x="585250" y="2499079"/>
+            <p:cNvPr id="48" name="pl48"/>
+            <p:cNvSpPr/>
+            <p:nvPr/>
+          </p:nvSpPr>
+          <p:spPr>
+            <a:xfrm>
+              <a:off x="585250" y="2234037"/>
               <a:ext cx="2842154" cy="0"/>
             </a:xfrm>
             <a:custGeom>
@@ -4850,13 +4764,13 @@
         </p:sp>
         <p:sp>
           <p:nvSpPr>
-            <p:cNvPr id="51" name="pl51"/>
-            <p:cNvSpPr/>
-            <p:nvPr/>
-          </p:nvSpPr>
-          <p:spPr>
-            <a:xfrm>
-              <a:off x="585250" y="2234037"/>
+            <p:cNvPr id="49" name="pl49"/>
+            <p:cNvSpPr/>
+            <p:nvPr/>
+          </p:nvSpPr>
+          <p:spPr>
+            <a:xfrm>
+              <a:off x="585250" y="3507735"/>
               <a:ext cx="2842154" cy="0"/>
             </a:xfrm>
             <a:custGeom>
@@ -4877,89 +4791,95 @@
             </a:custGeom>
             <a:ln w="13550" cap="flat">
               <a:solidFill>
-                <a:srgbClr val="BEBEBE">
-                  <a:alpha val="100000"/>
-                </a:srgbClr>
-              </a:solidFill>
-              <a:prstDash val="solid"/>
-              <a:round/>
-            </a:ln>
-          </p:spPr>
-          <p:txBody>
-            <a:bodyPr/>
-            <a:lstStyle/>
-            <a:p/>
-          </p:txBody>
-        </p:sp>
-        <p:sp>
-          <p:nvSpPr>
-            <p:cNvPr id="52" name="pl52"/>
-            <p:cNvSpPr/>
-            <p:nvPr/>
-          </p:nvSpPr>
-          <p:spPr>
-            <a:xfrm>
-              <a:off x="585250" y="3559245"/>
-              <a:ext cx="2842154" cy="0"/>
+                <a:srgbClr val="000000">
+                  <a:alpha val="100000"/>
+                </a:srgbClr>
+              </a:solidFill>
+              <a:prstDash val="solid"/>
+              <a:round/>
+            </a:ln>
+          </p:spPr>
+          <p:txBody>
+            <a:bodyPr/>
+            <a:lstStyle/>
+            <a:p/>
+          </p:txBody>
+        </p:sp>
+        <p:sp>
+          <p:nvSpPr>
+            <p:cNvPr id="50" name="pl50"/>
+            <p:cNvSpPr/>
+            <p:nvPr/>
+          </p:nvSpPr>
+          <p:spPr>
+            <a:xfrm>
+              <a:off x="913191" y="2234037"/>
+              <a:ext cx="2186272" cy="1105570"/>
             </a:xfrm>
             <a:custGeom>
               <a:avLst/>
               <a:pathLst>
-                <a:path w="2842154" h="0">
+                <a:path w="2186272" h="1105570">
                   <a:moveTo>
-                    <a:pt x="0" y="0"/>
+                    <a:pt x="0" y="1105570"/>
                   </a:moveTo>
                   <a:lnTo>
-                    <a:pt x="2842154" y="0"/>
-                  </a:lnTo>
-                  <a:lnTo>
-                    <a:pt x="2842154" y="0"/>
+                    <a:pt x="546568" y="946357"/>
+                  </a:lnTo>
+                  <a:lnTo>
+                    <a:pt x="1093136" y="649586"/>
+                  </a:lnTo>
+                  <a:lnTo>
+                    <a:pt x="1639704" y="61137"/>
+                  </a:lnTo>
+                  <a:lnTo>
+                    <a:pt x="2186272" y="0"/>
                   </a:lnTo>
                 </a:path>
               </a:pathLst>
             </a:custGeom>
             <a:ln w="13550" cap="flat">
               <a:solidFill>
-                <a:srgbClr val="000000">
-                  <a:alpha val="100000"/>
-                </a:srgbClr>
-              </a:solidFill>
-              <a:prstDash val="solid"/>
-              <a:round/>
-            </a:ln>
-          </p:spPr>
-          <p:txBody>
-            <a:bodyPr/>
-            <a:lstStyle/>
-            <a:p/>
-          </p:txBody>
-        </p:sp>
-        <p:sp>
-          <p:nvSpPr>
-            <p:cNvPr id="53" name="pl53"/>
-            <p:cNvSpPr/>
-            <p:nvPr/>
-          </p:nvSpPr>
-          <p:spPr>
-            <a:xfrm>
-              <a:off x="913191" y="2234037"/>
-              <a:ext cx="2186272" cy="1142329"/>
+                <a:srgbClr val="7570B3">
+                  <a:alpha val="100000"/>
+                </a:srgbClr>
+              </a:solidFill>
+              <a:prstDash val="solid"/>
+              <a:round/>
+            </a:ln>
+          </p:spPr>
+          <p:txBody>
+            <a:bodyPr/>
+            <a:lstStyle/>
+            <a:p/>
+          </p:txBody>
+        </p:sp>
+        <p:sp>
+          <p:nvSpPr>
+            <p:cNvPr id="51" name="pl51"/>
+            <p:cNvSpPr/>
+            <p:nvPr/>
+          </p:nvSpPr>
+          <p:spPr>
+            <a:xfrm>
+              <a:off x="913191" y="2506609"/>
+              <a:ext cx="2186272" cy="782050"/>
             </a:xfrm>
             <a:custGeom>
               <a:avLst/>
               <a:pathLst>
-                <a:path w="2186272" h="1142329">
+                <a:path w="2186272" h="782050">
                   <a:moveTo>
-                    <a:pt x="0" y="1142329"/>
+                    <a:pt x="0" y="782050"/>
                   </a:moveTo>
                   <a:lnTo>
-                    <a:pt x="546568" y="983304"/>
-                  </a:lnTo>
-                  <a:lnTo>
-                    <a:pt x="1093136" y="661278"/>
-                  </a:lnTo>
-                  <a:lnTo>
-                    <a:pt x="1639704" y="71561"/>
+                    <a:pt x="546568" y="605006"/>
+                  </a:lnTo>
+                  <a:lnTo>
+                    <a:pt x="1093136" y="597364"/>
+                  </a:lnTo>
+                  <a:lnTo>
+                    <a:pt x="1639704" y="67506"/>
                   </a:lnTo>
                   <a:lnTo>
                     <a:pt x="2186272" y="0"/>
@@ -4969,55 +4889,6 @@
             </a:custGeom>
             <a:ln w="13550" cap="flat">
               <a:solidFill>
-                <a:srgbClr val="7570B3">
-                  <a:alpha val="100000"/>
-                </a:srgbClr>
-              </a:solidFill>
-              <a:prstDash val="solid"/>
-              <a:round/>
-            </a:ln>
-          </p:spPr>
-          <p:txBody>
-            <a:bodyPr/>
-            <a:lstStyle/>
-            <a:p/>
-          </p:txBody>
-        </p:sp>
-        <p:sp>
-          <p:nvSpPr>
-            <p:cNvPr id="54" name="pl54"/>
-            <p:cNvSpPr/>
-            <p:nvPr/>
-          </p:nvSpPr>
-          <p:spPr>
-            <a:xfrm>
-              <a:off x="913191" y="2562689"/>
-              <a:ext cx="2186272" cy="760669"/>
-            </a:xfrm>
-            <a:custGeom>
-              <a:avLst/>
-              <a:pathLst>
-                <a:path w="2186272" h="760669">
-                  <a:moveTo>
-                    <a:pt x="0" y="760669"/>
-                  </a:moveTo>
-                  <a:lnTo>
-                    <a:pt x="546568" y="583091"/>
-                  </a:lnTo>
-                  <a:lnTo>
-                    <a:pt x="1093136" y="535384"/>
-                  </a:lnTo>
-                  <a:lnTo>
-                    <a:pt x="1639704" y="59634"/>
-                  </a:lnTo>
-                  <a:lnTo>
-                    <a:pt x="2186272" y="0"/>
-                  </a:lnTo>
-                </a:path>
-              </a:pathLst>
-            </a:custGeom>
-            <a:ln w="13550" cap="flat">
-              <a:solidFill>
                 <a:srgbClr val="E7298A">
                   <a:alpha val="100000"/>
                 </a:srgbClr>
@@ -5034,13 +4905,13 @@
         </p:sp>
         <p:sp>
           <p:nvSpPr>
-            <p:cNvPr id="55" name="pt55"/>
-            <p:cNvSpPr/>
-            <p:nvPr/>
-          </p:nvSpPr>
-          <p:spPr>
-            <a:xfrm>
-              <a:off x="888365" y="3351541"/>
+            <p:cNvPr id="52" name="pt52"/>
+            <p:cNvSpPr/>
+            <p:nvPr/>
+          </p:nvSpPr>
+          <p:spPr>
+            <a:xfrm>
+              <a:off x="888365" y="3314781"/>
               <a:ext cx="49651" cy="49651"/>
             </a:xfrm>
             <a:prstGeom prst="ellipse">
@@ -5069,13 +4940,13 @@
         </p:sp>
         <p:sp>
           <p:nvSpPr>
-            <p:cNvPr id="56" name="pt56"/>
-            <p:cNvSpPr/>
-            <p:nvPr/>
-          </p:nvSpPr>
-          <p:spPr>
-            <a:xfrm>
-              <a:off x="888365" y="3298532"/>
+            <p:cNvPr id="53" name="pt53"/>
+            <p:cNvSpPr/>
+            <p:nvPr/>
+          </p:nvSpPr>
+          <p:spPr>
+            <a:xfrm>
+              <a:off x="888365" y="3263833"/>
               <a:ext cx="49651" cy="49651"/>
             </a:xfrm>
             <a:prstGeom prst="ellipse">
@@ -5104,13 +4975,13 @@
         </p:sp>
         <p:sp>
           <p:nvSpPr>
-            <p:cNvPr id="57" name="pt57"/>
-            <p:cNvSpPr/>
-            <p:nvPr/>
-          </p:nvSpPr>
-          <p:spPr>
-            <a:xfrm>
-              <a:off x="1434933" y="3192516"/>
+            <p:cNvPr id="54" name="pt54"/>
+            <p:cNvSpPr/>
+            <p:nvPr/>
+          </p:nvSpPr>
+          <p:spPr>
+            <a:xfrm>
+              <a:off x="1434933" y="3155569"/>
               <a:ext cx="49651" cy="49651"/>
             </a:xfrm>
             <a:prstGeom prst="ellipse">
@@ -5139,13 +5010,13 @@
         </p:sp>
         <p:sp>
           <p:nvSpPr>
-            <p:cNvPr id="58" name="pt58"/>
-            <p:cNvSpPr/>
-            <p:nvPr/>
-          </p:nvSpPr>
-          <p:spPr>
-            <a:xfrm>
-              <a:off x="1434933" y="3120954"/>
+            <p:cNvPr id="55" name="pt55"/>
+            <p:cNvSpPr/>
+            <p:nvPr/>
+          </p:nvSpPr>
+          <p:spPr>
+            <a:xfrm>
+              <a:off x="1434933" y="3086789"/>
               <a:ext cx="49651" cy="49651"/>
             </a:xfrm>
             <a:prstGeom prst="ellipse">
@@ -5174,13 +5045,13 @@
         </p:sp>
         <p:sp>
           <p:nvSpPr>
-            <p:cNvPr id="59" name="pt59"/>
-            <p:cNvSpPr/>
-            <p:nvPr/>
-          </p:nvSpPr>
-          <p:spPr>
-            <a:xfrm>
-              <a:off x="1981501" y="2870490"/>
+            <p:cNvPr id="56" name="pt56"/>
+            <p:cNvSpPr/>
+            <p:nvPr/>
+          </p:nvSpPr>
+          <p:spPr>
+            <a:xfrm>
+              <a:off x="1981501" y="2858797"/>
               <a:ext cx="49651" cy="49651"/>
             </a:xfrm>
             <a:prstGeom prst="ellipse">
@@ -5209,13 +5080,13 @@
         </p:sp>
         <p:sp>
           <p:nvSpPr>
-            <p:cNvPr id="60" name="pt60"/>
-            <p:cNvSpPr/>
-            <p:nvPr/>
-          </p:nvSpPr>
-          <p:spPr>
-            <a:xfrm>
-              <a:off x="1981501" y="3073247"/>
+            <p:cNvPr id="57" name="pt57"/>
+            <p:cNvSpPr/>
+            <p:nvPr/>
+          </p:nvSpPr>
+          <p:spPr>
+            <a:xfrm>
+              <a:off x="1981501" y="3079147"/>
               <a:ext cx="49651" cy="49651"/>
             </a:xfrm>
             <a:prstGeom prst="ellipse">
@@ -5244,13 +5115,13 @@
         </p:sp>
         <p:sp>
           <p:nvSpPr>
-            <p:cNvPr id="61" name="pt61"/>
-            <p:cNvSpPr/>
-            <p:nvPr/>
-          </p:nvSpPr>
-          <p:spPr>
-            <a:xfrm>
-              <a:off x="2528070" y="2280772"/>
+            <p:cNvPr id="58" name="pt58"/>
+            <p:cNvSpPr/>
+            <p:nvPr/>
+          </p:nvSpPr>
+          <p:spPr>
+            <a:xfrm>
+              <a:off x="2528070" y="2270349"/>
               <a:ext cx="49651" cy="49651"/>
             </a:xfrm>
             <a:prstGeom prst="ellipse">
@@ -5279,13 +5150,13 @@
         </p:sp>
         <p:sp>
           <p:nvSpPr>
-            <p:cNvPr id="62" name="pt62"/>
-            <p:cNvSpPr/>
-            <p:nvPr/>
-          </p:nvSpPr>
-          <p:spPr>
-            <a:xfrm>
-              <a:off x="2528070" y="2597497"/>
+            <p:cNvPr id="59" name="pt59"/>
+            <p:cNvSpPr/>
+            <p:nvPr/>
+          </p:nvSpPr>
+          <p:spPr>
+            <a:xfrm>
+              <a:off x="2528070" y="2549289"/>
               <a:ext cx="49651" cy="49651"/>
             </a:xfrm>
             <a:prstGeom prst="ellipse">
@@ -5314,7 +5185,7 @@
         </p:sp>
         <p:sp>
           <p:nvSpPr>
-            <p:cNvPr id="63" name="pt63"/>
+            <p:cNvPr id="60" name="pt60"/>
             <p:cNvSpPr/>
             <p:nvPr/>
           </p:nvSpPr>
@@ -5349,13 +5220,13 @@
         </p:sp>
         <p:sp>
           <p:nvSpPr>
-            <p:cNvPr id="64" name="pt64"/>
-            <p:cNvSpPr/>
-            <p:nvPr/>
-          </p:nvSpPr>
-          <p:spPr>
-            <a:xfrm>
-              <a:off x="3074638" y="2537863"/>
+            <p:cNvPr id="61" name="pt61"/>
+            <p:cNvSpPr/>
+            <p:nvPr/>
+          </p:nvSpPr>
+          <p:spPr>
+            <a:xfrm>
+              <a:off x="3074638" y="2481783"/>
               <a:ext cx="49651" cy="49651"/>
             </a:xfrm>
             <a:prstGeom prst="ellipse">
@@ -5384,7 +5255,7 @@
         </p:sp>
         <p:sp>
           <p:nvSpPr>
-            <p:cNvPr id="65" name="rc65"/>
+            <p:cNvPr id="62" name="rc62"/>
             <p:cNvSpPr/>
             <p:nvPr/>
           </p:nvSpPr>
@@ -5410,13 +5281,13 @@
         </p:sp>
         <p:sp>
           <p:nvSpPr>
-            <p:cNvPr id="66" name="pl66"/>
-            <p:cNvSpPr/>
-            <p:nvPr/>
-          </p:nvSpPr>
-          <p:spPr>
-            <a:xfrm>
-              <a:off x="3496994" y="3559245"/>
+            <p:cNvPr id="63" name="pl63"/>
+            <p:cNvSpPr/>
+            <p:nvPr/>
+          </p:nvSpPr>
+          <p:spPr>
+            <a:xfrm>
+              <a:off x="3496994" y="3507735"/>
               <a:ext cx="2842154" cy="0"/>
             </a:xfrm>
             <a:custGeom>
@@ -5453,13 +5324,13 @@
         </p:sp>
         <p:sp>
           <p:nvSpPr>
-            <p:cNvPr id="67" name="pl67"/>
-            <p:cNvSpPr/>
-            <p:nvPr/>
-          </p:nvSpPr>
-          <p:spPr>
-            <a:xfrm>
-              <a:off x="3496994" y="3294204"/>
+            <p:cNvPr id="64" name="pl64"/>
+            <p:cNvSpPr/>
+            <p:nvPr/>
+          </p:nvSpPr>
+          <p:spPr>
+            <a:xfrm>
+              <a:off x="3496994" y="3189311"/>
               <a:ext cx="2842154" cy="0"/>
             </a:xfrm>
             <a:custGeom>
@@ -5496,13 +5367,13 @@
         </p:sp>
         <p:sp>
           <p:nvSpPr>
-            <p:cNvPr id="68" name="pl68"/>
-            <p:cNvSpPr/>
-            <p:nvPr/>
-          </p:nvSpPr>
-          <p:spPr>
-            <a:xfrm>
-              <a:off x="3496994" y="3029162"/>
+            <p:cNvPr id="65" name="pl65"/>
+            <p:cNvSpPr/>
+            <p:nvPr/>
+          </p:nvSpPr>
+          <p:spPr>
+            <a:xfrm>
+              <a:off x="3496994" y="2870886"/>
               <a:ext cx="2842154" cy="0"/>
             </a:xfrm>
             <a:custGeom>
@@ -5539,13 +5410,13 @@
         </p:sp>
         <p:sp>
           <p:nvSpPr>
-            <p:cNvPr id="69" name="pl69"/>
-            <p:cNvSpPr/>
-            <p:nvPr/>
-          </p:nvSpPr>
-          <p:spPr>
-            <a:xfrm>
-              <a:off x="3496994" y="2764120"/>
+            <p:cNvPr id="66" name="pl66"/>
+            <p:cNvSpPr/>
+            <p:nvPr/>
+          </p:nvSpPr>
+          <p:spPr>
+            <a:xfrm>
+              <a:off x="3496994" y="2552462"/>
               <a:ext cx="2842154" cy="0"/>
             </a:xfrm>
             <a:custGeom>
@@ -5582,13 +5453,13 @@
         </p:sp>
         <p:sp>
           <p:nvSpPr>
-            <p:cNvPr id="70" name="pl70"/>
-            <p:cNvSpPr/>
-            <p:nvPr/>
-          </p:nvSpPr>
-          <p:spPr>
-            <a:xfrm>
-              <a:off x="3496994" y="2499079"/>
+            <p:cNvPr id="67" name="pl67"/>
+            <p:cNvSpPr/>
+            <p:nvPr/>
+          </p:nvSpPr>
+          <p:spPr>
+            <a:xfrm>
+              <a:off x="3496994" y="2234037"/>
               <a:ext cx="2842154" cy="0"/>
             </a:xfrm>
             <a:custGeom>
@@ -5625,13 +5496,13 @@
         </p:sp>
         <p:sp>
           <p:nvSpPr>
-            <p:cNvPr id="71" name="pl71"/>
-            <p:cNvSpPr/>
-            <p:nvPr/>
-          </p:nvSpPr>
-          <p:spPr>
-            <a:xfrm>
-              <a:off x="3496994" y="2234037"/>
+            <p:cNvPr id="68" name="pl68"/>
+            <p:cNvSpPr/>
+            <p:nvPr/>
+          </p:nvSpPr>
+          <p:spPr>
+            <a:xfrm>
+              <a:off x="3496994" y="3507735"/>
               <a:ext cx="2842154" cy="0"/>
             </a:xfrm>
             <a:custGeom>
@@ -5652,147 +5523,104 @@
             </a:custGeom>
             <a:ln w="13550" cap="flat">
               <a:solidFill>
-                <a:srgbClr val="BEBEBE">
-                  <a:alpha val="100000"/>
-                </a:srgbClr>
-              </a:solidFill>
-              <a:prstDash val="solid"/>
-              <a:round/>
-            </a:ln>
-          </p:spPr>
-          <p:txBody>
-            <a:bodyPr/>
-            <a:lstStyle/>
-            <a:p/>
-          </p:txBody>
-        </p:sp>
-        <p:sp>
-          <p:nvSpPr>
-            <p:cNvPr id="72" name="pl72"/>
-            <p:cNvSpPr/>
-            <p:nvPr/>
-          </p:nvSpPr>
-          <p:spPr>
-            <a:xfrm>
-              <a:off x="3496994" y="3559245"/>
-              <a:ext cx="2842154" cy="0"/>
+                <a:srgbClr val="000000">
+                  <a:alpha val="100000"/>
+                </a:srgbClr>
+              </a:solidFill>
+              <a:prstDash val="solid"/>
+              <a:round/>
+            </a:ln>
+          </p:spPr>
+          <p:txBody>
+            <a:bodyPr/>
+            <a:lstStyle/>
+            <a:p/>
+          </p:txBody>
+        </p:sp>
+        <p:sp>
+          <p:nvSpPr>
+            <p:cNvPr id="69" name="pl69"/>
+            <p:cNvSpPr/>
+            <p:nvPr/>
+          </p:nvSpPr>
+          <p:spPr>
+            <a:xfrm>
+              <a:off x="3824935" y="3314133"/>
+              <a:ext cx="2186272" cy="131190"/>
             </a:xfrm>
             <a:custGeom>
               <a:avLst/>
               <a:pathLst>
-                <a:path w="2842154" h="0">
+                <a:path w="2186272" h="131190">
                   <a:moveTo>
-                    <a:pt x="0" y="0"/>
+                    <a:pt x="0" y="31842"/>
                   </a:moveTo>
                   <a:lnTo>
-                    <a:pt x="2842154" y="0"/>
-                  </a:lnTo>
-                  <a:lnTo>
-                    <a:pt x="2842154" y="0"/>
+                    <a:pt x="546568" y="0"/>
+                  </a:lnTo>
+                  <a:lnTo>
+                    <a:pt x="1093136" y="90432"/>
+                  </a:lnTo>
+                  <a:lnTo>
+                    <a:pt x="1639704" y="131190"/>
+                  </a:lnTo>
+                  <a:lnTo>
+                    <a:pt x="2186272" y="89158"/>
                   </a:lnTo>
                 </a:path>
               </a:pathLst>
             </a:custGeom>
             <a:ln w="13550" cap="flat">
               <a:solidFill>
-                <a:srgbClr val="000000">
-                  <a:alpha val="100000"/>
-                </a:srgbClr>
-              </a:solidFill>
-              <a:prstDash val="solid"/>
-              <a:round/>
-            </a:ln>
-          </p:spPr>
-          <p:txBody>
-            <a:bodyPr/>
-            <a:lstStyle/>
-            <a:p/>
-          </p:txBody>
-        </p:sp>
-        <p:sp>
-          <p:nvSpPr>
-            <p:cNvPr id="73" name="pl73"/>
-            <p:cNvSpPr/>
-            <p:nvPr/>
-          </p:nvSpPr>
-          <p:spPr>
-            <a:xfrm>
-              <a:off x="3824935" y="3356488"/>
-              <a:ext cx="2186272" cy="319375"/>
+                <a:srgbClr val="7570B3">
+                  <a:alpha val="100000"/>
+                </a:srgbClr>
+              </a:solidFill>
+              <a:prstDash val="solid"/>
+              <a:round/>
+            </a:ln>
+          </p:spPr>
+          <p:txBody>
+            <a:bodyPr/>
+            <a:lstStyle/>
+            <a:p/>
+          </p:txBody>
+        </p:sp>
+        <p:sp>
+          <p:nvSpPr>
+            <p:cNvPr id="70" name="pl70"/>
+            <p:cNvSpPr/>
+            <p:nvPr/>
+          </p:nvSpPr>
+          <p:spPr>
+            <a:xfrm>
+              <a:off x="3824935" y="2311733"/>
+              <a:ext cx="2186272" cy="92979"/>
             </a:xfrm>
             <a:custGeom>
               <a:avLst/>
               <a:pathLst>
-                <a:path w="2186272" h="319375">
+                <a:path w="2186272" h="92979">
                   <a:moveTo>
-                    <a:pt x="0" y="26504"/>
+                    <a:pt x="0" y="92979"/>
                   </a:moveTo>
                   <a:lnTo>
-                    <a:pt x="546568" y="0"/>
-                  </a:lnTo>
-                  <a:lnTo>
-                    <a:pt x="1093136" y="68910"/>
-                  </a:lnTo>
-                  <a:lnTo>
-                    <a:pt x="1639704" y="292870"/>
-                  </a:lnTo>
-                  <a:lnTo>
-                    <a:pt x="2186272" y="319375"/>
+                    <a:pt x="546568" y="44579"/>
+                  </a:lnTo>
+                  <a:lnTo>
+                    <a:pt x="1093136" y="54769"/>
+                  </a:lnTo>
+                  <a:lnTo>
+                    <a:pt x="1639704" y="0"/>
+                  </a:lnTo>
+                  <a:lnTo>
+                    <a:pt x="2186272" y="2547"/>
                   </a:lnTo>
                 </a:path>
               </a:pathLst>
             </a:custGeom>
             <a:ln w="13550" cap="flat">
               <a:solidFill>
-                <a:srgbClr val="7570B3">
-                  <a:alpha val="100000"/>
-                </a:srgbClr>
-              </a:solidFill>
-              <a:prstDash val="solid"/>
-              <a:round/>
-            </a:ln>
-          </p:spPr>
-          <p:txBody>
-            <a:bodyPr/>
-            <a:lstStyle/>
-            <a:p/>
-          </p:txBody>
-        </p:sp>
-        <p:sp>
-          <p:nvSpPr>
-            <p:cNvPr id="74" name="pl74"/>
-            <p:cNvSpPr/>
-            <p:nvPr/>
-          </p:nvSpPr>
-          <p:spPr>
-            <a:xfrm>
-              <a:off x="3824935" y="2325477"/>
-              <a:ext cx="2186272" cy="84813"/>
-            </a:xfrm>
-            <a:custGeom>
-              <a:avLst/>
-              <a:pathLst>
-                <a:path w="2186272" h="84813">
-                  <a:moveTo>
-                    <a:pt x="0" y="84813"/>
-                  </a:moveTo>
-                  <a:lnTo>
-                    <a:pt x="546568" y="35780"/>
-                  </a:lnTo>
-                  <a:lnTo>
-                    <a:pt x="1093136" y="43731"/>
-                  </a:lnTo>
-                  <a:lnTo>
-                    <a:pt x="1639704" y="0"/>
-                  </a:lnTo>
-                  <a:lnTo>
-                    <a:pt x="2186272" y="7951"/>
-                  </a:lnTo>
-                </a:path>
-              </a:pathLst>
-            </a:custGeom>
-            <a:ln w="13550" cap="flat">
-              <a:solidFill>
                 <a:srgbClr val="E7298A">
                   <a:alpha val="100000"/>
                 </a:srgbClr>
@@ -5809,13 +5637,13 @@
         </p:sp>
         <p:sp>
           <p:nvSpPr>
-            <p:cNvPr id="75" name="pt75"/>
-            <p:cNvSpPr/>
-            <p:nvPr/>
-          </p:nvSpPr>
-          <p:spPr>
-            <a:xfrm>
-              <a:off x="3800109" y="3358167"/>
+            <p:cNvPr id="71" name="pt71"/>
+            <p:cNvSpPr/>
+            <p:nvPr/>
+          </p:nvSpPr>
+          <p:spPr>
+            <a:xfrm>
+              <a:off x="3800109" y="3321150"/>
               <a:ext cx="49651" cy="49651"/>
             </a:xfrm>
             <a:prstGeom prst="ellipse">
@@ -5844,13 +5672,13 @@
         </p:sp>
         <p:sp>
           <p:nvSpPr>
-            <p:cNvPr id="76" name="pt76"/>
-            <p:cNvSpPr/>
-            <p:nvPr/>
-          </p:nvSpPr>
-          <p:spPr>
-            <a:xfrm>
-              <a:off x="3800109" y="2385464"/>
+            <p:cNvPr id="72" name="pt72"/>
+            <p:cNvSpPr/>
+            <p:nvPr/>
+          </p:nvSpPr>
+          <p:spPr>
+            <a:xfrm>
+              <a:off x="3800109" y="2379887"/>
               <a:ext cx="49651" cy="49651"/>
             </a:xfrm>
             <a:prstGeom prst="ellipse">
@@ -5879,13 +5707,13 @@
         </p:sp>
         <p:sp>
           <p:nvSpPr>
-            <p:cNvPr id="77" name="pt77"/>
-            <p:cNvSpPr/>
-            <p:nvPr/>
-          </p:nvSpPr>
-          <p:spPr>
-            <a:xfrm>
-              <a:off x="4346677" y="3331662"/>
+            <p:cNvPr id="73" name="pt73"/>
+            <p:cNvSpPr/>
+            <p:nvPr/>
+          </p:nvSpPr>
+          <p:spPr>
+            <a:xfrm>
+              <a:off x="4346677" y="3289307"/>
               <a:ext cx="49651" cy="49651"/>
             </a:xfrm>
             <a:prstGeom prst="ellipse">
@@ -5914,13 +5742,13 @@
         </p:sp>
         <p:sp>
           <p:nvSpPr>
-            <p:cNvPr id="78" name="pt78"/>
-            <p:cNvSpPr/>
-            <p:nvPr/>
-          </p:nvSpPr>
-          <p:spPr>
-            <a:xfrm>
-              <a:off x="4346677" y="2336431"/>
+            <p:cNvPr id="74" name="pt74"/>
+            <p:cNvSpPr/>
+            <p:nvPr/>
+          </p:nvSpPr>
+          <p:spPr>
+            <a:xfrm>
+              <a:off x="4346677" y="2331486"/>
               <a:ext cx="49651" cy="49651"/>
             </a:xfrm>
             <a:prstGeom prst="ellipse">
@@ -5949,13 +5777,13 @@
         </p:sp>
         <p:sp>
           <p:nvSpPr>
-            <p:cNvPr id="79" name="pt79"/>
-            <p:cNvSpPr/>
-            <p:nvPr/>
-          </p:nvSpPr>
-          <p:spPr>
-            <a:xfrm>
-              <a:off x="4893245" y="3400573"/>
+            <p:cNvPr id="75" name="pt75"/>
+            <p:cNvSpPr/>
+            <p:nvPr/>
+          </p:nvSpPr>
+          <p:spPr>
+            <a:xfrm>
+              <a:off x="4893245" y="3379740"/>
               <a:ext cx="49651" cy="49651"/>
             </a:xfrm>
             <a:prstGeom prst="ellipse">
@@ -5984,13 +5812,13 @@
         </p:sp>
         <p:sp>
           <p:nvSpPr>
-            <p:cNvPr id="80" name="pt80"/>
-            <p:cNvSpPr/>
-            <p:nvPr/>
-          </p:nvSpPr>
-          <p:spPr>
-            <a:xfrm>
-              <a:off x="4893245" y="2344382"/>
+            <p:cNvPr id="76" name="pt76"/>
+            <p:cNvSpPr/>
+            <p:nvPr/>
+          </p:nvSpPr>
+          <p:spPr>
+            <a:xfrm>
+              <a:off x="4893245" y="2341676"/>
               <a:ext cx="49651" cy="49651"/>
             </a:xfrm>
             <a:prstGeom prst="ellipse">
@@ -6019,13 +5847,13 @@
         </p:sp>
         <p:sp>
           <p:nvSpPr>
-            <p:cNvPr id="81" name="pt81"/>
-            <p:cNvSpPr/>
-            <p:nvPr/>
-          </p:nvSpPr>
-          <p:spPr>
-            <a:xfrm>
-              <a:off x="5439813" y="3624533"/>
+            <p:cNvPr id="77" name="pt77"/>
+            <p:cNvSpPr/>
+            <p:nvPr/>
+          </p:nvSpPr>
+          <p:spPr>
+            <a:xfrm>
+              <a:off x="5439813" y="3420498"/>
               <a:ext cx="49651" cy="49651"/>
             </a:xfrm>
             <a:prstGeom prst="ellipse">
@@ -6054,13 +5882,13 @@
         </p:sp>
         <p:sp>
           <p:nvSpPr>
-            <p:cNvPr id="82" name="pt82"/>
-            <p:cNvSpPr/>
-            <p:nvPr/>
-          </p:nvSpPr>
-          <p:spPr>
-            <a:xfrm>
-              <a:off x="5439813" y="2300651"/>
+            <p:cNvPr id="78" name="pt78"/>
+            <p:cNvSpPr/>
+            <p:nvPr/>
+          </p:nvSpPr>
+          <p:spPr>
+            <a:xfrm>
+              <a:off x="5439813" y="2286907"/>
               <a:ext cx="49651" cy="49651"/>
             </a:xfrm>
             <a:prstGeom prst="ellipse">
@@ -6089,13 +5917,13 @@
         </p:sp>
         <p:sp>
           <p:nvSpPr>
-            <p:cNvPr id="83" name="pt83"/>
-            <p:cNvSpPr/>
-            <p:nvPr/>
-          </p:nvSpPr>
-          <p:spPr>
-            <a:xfrm>
-              <a:off x="5986382" y="3651038"/>
+            <p:cNvPr id="79" name="pt79"/>
+            <p:cNvSpPr/>
+            <p:nvPr/>
+          </p:nvSpPr>
+          <p:spPr>
+            <a:xfrm>
+              <a:off x="5986382" y="3378466"/>
               <a:ext cx="49651" cy="49651"/>
             </a:xfrm>
             <a:prstGeom prst="ellipse">
@@ -6124,13 +5952,13 @@
         </p:sp>
         <p:sp>
           <p:nvSpPr>
-            <p:cNvPr id="84" name="pt84"/>
-            <p:cNvSpPr/>
-            <p:nvPr/>
-          </p:nvSpPr>
-          <p:spPr>
-            <a:xfrm>
-              <a:off x="5986382" y="2308602"/>
+            <p:cNvPr id="80" name="pt80"/>
+            <p:cNvSpPr/>
+            <p:nvPr/>
+          </p:nvSpPr>
+          <p:spPr>
+            <a:xfrm>
+              <a:off x="5986382" y="2289454"/>
               <a:ext cx="49651" cy="49651"/>
             </a:xfrm>
             <a:prstGeom prst="ellipse">
@@ -6159,7 +5987,7 @@
         </p:sp>
         <p:sp>
           <p:nvSpPr>
-            <p:cNvPr id="85" name="rc85"/>
+            <p:cNvPr id="81" name="rc81"/>
             <p:cNvSpPr/>
             <p:nvPr/>
           </p:nvSpPr>
@@ -6194,7 +6022,7 @@
         </p:sp>
         <p:sp>
           <p:nvSpPr>
-            <p:cNvPr id="86" name="tx86"/>
+            <p:cNvPr id="82" name="tx82"/>
             <p:cNvSpPr/>
             <p:nvPr/>
           </p:nvSpPr>
@@ -6240,7 +6068,7 @@
         </p:sp>
         <p:sp>
           <p:nvSpPr>
-            <p:cNvPr id="87" name="rc87"/>
+            <p:cNvPr id="83" name="rc83"/>
             <p:cNvSpPr/>
             <p:nvPr/>
           </p:nvSpPr>
@@ -6275,7 +6103,7 @@
         </p:sp>
         <p:sp>
           <p:nvSpPr>
-            <p:cNvPr id="88" name="tx88"/>
+            <p:cNvPr id="84" name="tx84"/>
             <p:cNvSpPr/>
             <p:nvPr/>
           </p:nvSpPr>
@@ -6321,7 +6149,7 @@
         </p:sp>
         <p:sp>
           <p:nvSpPr>
-            <p:cNvPr id="89" name="rc89"/>
+            <p:cNvPr id="85" name="rc85"/>
             <p:cNvSpPr/>
             <p:nvPr/>
           </p:nvSpPr>
@@ -6356,7 +6184,7 @@
         </p:sp>
         <p:sp>
           <p:nvSpPr>
-            <p:cNvPr id="90" name="tx90"/>
+            <p:cNvPr id="86" name="tx86"/>
             <p:cNvSpPr/>
             <p:nvPr/>
           </p:nvSpPr>
@@ -6402,7 +6230,7 @@
         </p:sp>
         <p:sp>
           <p:nvSpPr>
-            <p:cNvPr id="91" name="rc91"/>
+            <p:cNvPr id="87" name="rc87"/>
             <p:cNvSpPr/>
             <p:nvPr/>
           </p:nvSpPr>
@@ -6437,7 +6265,7 @@
         </p:sp>
         <p:sp>
           <p:nvSpPr>
-            <p:cNvPr id="92" name="tx92"/>
+            <p:cNvPr id="88" name="tx88"/>
             <p:cNvSpPr/>
             <p:nvPr/>
           </p:nvSpPr>
@@ -6483,7 +6311,7 @@
         </p:sp>
         <p:sp>
           <p:nvSpPr>
-            <p:cNvPr id="93" name="pl93"/>
+            <p:cNvPr id="89" name="pl89"/>
             <p:cNvSpPr/>
             <p:nvPr/>
           </p:nvSpPr>
@@ -6523,7 +6351,7 @@
         </p:sp>
         <p:sp>
           <p:nvSpPr>
-            <p:cNvPr id="94" name="pl94"/>
+            <p:cNvPr id="90" name="pl90"/>
             <p:cNvSpPr/>
             <p:nvPr/>
           </p:nvSpPr>
@@ -6563,7 +6391,7 @@
         </p:sp>
         <p:sp>
           <p:nvSpPr>
-            <p:cNvPr id="95" name="pl95"/>
+            <p:cNvPr id="91" name="pl91"/>
             <p:cNvSpPr/>
             <p:nvPr/>
           </p:nvSpPr>
@@ -6603,7 +6431,7 @@
         </p:sp>
         <p:sp>
           <p:nvSpPr>
-            <p:cNvPr id="96" name="pl96"/>
+            <p:cNvPr id="92" name="pl92"/>
             <p:cNvSpPr/>
             <p:nvPr/>
           </p:nvSpPr>
@@ -6643,7 +6471,7 @@
         </p:sp>
         <p:sp>
           <p:nvSpPr>
-            <p:cNvPr id="97" name="pl97"/>
+            <p:cNvPr id="93" name="pl93"/>
             <p:cNvSpPr/>
             <p:nvPr/>
           </p:nvSpPr>
@@ -6683,7 +6511,7 @@
         </p:sp>
         <p:sp>
           <p:nvSpPr>
-            <p:cNvPr id="98" name="pl98"/>
+            <p:cNvPr id="94" name="pl94"/>
             <p:cNvSpPr/>
             <p:nvPr/>
           </p:nvSpPr>
@@ -6723,7 +6551,7 @@
         </p:sp>
         <p:sp>
           <p:nvSpPr>
-            <p:cNvPr id="99" name="tx99"/>
+            <p:cNvPr id="95" name="tx95"/>
             <p:cNvSpPr/>
             <p:nvPr/>
           </p:nvSpPr>
@@ -6769,7 +6597,7 @@
         </p:sp>
         <p:sp>
           <p:nvSpPr>
-            <p:cNvPr id="100" name="tx100"/>
+            <p:cNvPr id="96" name="tx96"/>
             <p:cNvSpPr/>
             <p:nvPr/>
           </p:nvSpPr>
@@ -6815,7 +6643,7 @@
         </p:sp>
         <p:sp>
           <p:nvSpPr>
-            <p:cNvPr id="101" name="tx101"/>
+            <p:cNvPr id="97" name="tx97"/>
             <p:cNvSpPr/>
             <p:nvPr/>
           </p:nvSpPr>
@@ -6861,7 +6689,7 @@
         </p:sp>
         <p:sp>
           <p:nvSpPr>
-            <p:cNvPr id="102" name="tx102"/>
+            <p:cNvPr id="98" name="tx98"/>
             <p:cNvSpPr/>
             <p:nvPr/>
           </p:nvSpPr>
@@ -6907,7 +6735,7 @@
         </p:sp>
         <p:sp>
           <p:nvSpPr>
-            <p:cNvPr id="103" name="tx103"/>
+            <p:cNvPr id="99" name="tx99"/>
             <p:cNvSpPr/>
             <p:nvPr/>
           </p:nvSpPr>
@@ -6953,7 +6781,7 @@
         </p:sp>
         <p:sp>
           <p:nvSpPr>
-            <p:cNvPr id="104" name="pl104"/>
+            <p:cNvPr id="100" name="pl100"/>
             <p:cNvSpPr/>
             <p:nvPr/>
           </p:nvSpPr>
@@ -6993,7 +6821,7 @@
         </p:sp>
         <p:sp>
           <p:nvSpPr>
-            <p:cNvPr id="105" name="pl105"/>
+            <p:cNvPr id="101" name="pl101"/>
             <p:cNvSpPr/>
             <p:nvPr/>
           </p:nvSpPr>
@@ -7033,7 +6861,7 @@
         </p:sp>
         <p:sp>
           <p:nvSpPr>
-            <p:cNvPr id="106" name="pl106"/>
+            <p:cNvPr id="102" name="pl102"/>
             <p:cNvSpPr/>
             <p:nvPr/>
           </p:nvSpPr>
@@ -7073,7 +6901,7 @@
         </p:sp>
         <p:sp>
           <p:nvSpPr>
-            <p:cNvPr id="107" name="pl107"/>
+            <p:cNvPr id="103" name="pl103"/>
             <p:cNvSpPr/>
             <p:nvPr/>
           </p:nvSpPr>
@@ -7113,7 +6941,7 @@
         </p:sp>
         <p:sp>
           <p:nvSpPr>
-            <p:cNvPr id="108" name="pl108"/>
+            <p:cNvPr id="104" name="pl104"/>
             <p:cNvSpPr/>
             <p:nvPr/>
           </p:nvSpPr>
@@ -7153,7 +6981,7 @@
         </p:sp>
         <p:sp>
           <p:nvSpPr>
-            <p:cNvPr id="109" name="pl109"/>
+            <p:cNvPr id="105" name="pl105"/>
             <p:cNvSpPr/>
             <p:nvPr/>
           </p:nvSpPr>
@@ -7193,7 +7021,7 @@
         </p:sp>
         <p:sp>
           <p:nvSpPr>
-            <p:cNvPr id="110" name="tx110"/>
+            <p:cNvPr id="106" name="tx106"/>
             <p:cNvSpPr/>
             <p:nvPr/>
           </p:nvSpPr>
@@ -7239,7 +7067,7 @@
         </p:sp>
         <p:sp>
           <p:nvSpPr>
-            <p:cNvPr id="111" name="tx111"/>
+            <p:cNvPr id="107" name="tx107"/>
             <p:cNvSpPr/>
             <p:nvPr/>
           </p:nvSpPr>
@@ -7285,7 +7113,7 @@
         </p:sp>
         <p:sp>
           <p:nvSpPr>
-            <p:cNvPr id="112" name="tx112"/>
+            <p:cNvPr id="108" name="tx108"/>
             <p:cNvSpPr/>
             <p:nvPr/>
           </p:nvSpPr>
@@ -7331,7 +7159,7 @@
         </p:sp>
         <p:sp>
           <p:nvSpPr>
-            <p:cNvPr id="113" name="tx113"/>
+            <p:cNvPr id="109" name="tx109"/>
             <p:cNvSpPr/>
             <p:nvPr/>
           </p:nvSpPr>
@@ -7377,7 +7205,7 @@
         </p:sp>
         <p:sp>
           <p:nvSpPr>
-            <p:cNvPr id="114" name="tx114"/>
+            <p:cNvPr id="110" name="tx110"/>
             <p:cNvSpPr/>
             <p:nvPr/>
           </p:nvSpPr>
@@ -7423,7 +7251,7 @@
         </p:sp>
         <p:sp>
           <p:nvSpPr>
-            <p:cNvPr id="115" name="pl115"/>
+            <p:cNvPr id="111" name="pl111"/>
             <p:cNvSpPr/>
             <p:nvPr/>
           </p:nvSpPr>
@@ -7463,13 +7291,13 @@
         </p:sp>
         <p:sp>
           <p:nvSpPr>
-            <p:cNvPr id="116" name="tx116"/>
-            <p:cNvSpPr/>
-            <p:nvPr/>
-          </p:nvSpPr>
-          <p:spPr>
-            <a:xfrm>
-              <a:off x="360100" y="1639726"/>
+            <p:cNvPr id="112" name="tx112"/>
+            <p:cNvSpPr/>
+            <p:nvPr/>
+          </p:nvSpPr>
+          <p:spPr>
+            <a:xfrm>
+              <a:off x="360100" y="1588216"/>
               <a:ext cx="162520" cy="85903"/>
             </a:xfrm>
             <a:prstGeom prst="rect">
@@ -7509,13 +7337,13 @@
         </p:sp>
         <p:sp>
           <p:nvSpPr>
-            <p:cNvPr id="117" name="tx117"/>
-            <p:cNvSpPr/>
-            <p:nvPr/>
-          </p:nvSpPr>
-          <p:spPr>
-            <a:xfrm>
-              <a:off x="299140" y="1374685"/>
+            <p:cNvPr id="113" name="tx113"/>
+            <p:cNvSpPr/>
+            <p:nvPr/>
+          </p:nvSpPr>
+          <p:spPr>
+            <a:xfrm>
+              <a:off x="299140" y="1269792"/>
               <a:ext cx="223480" cy="85903"/>
             </a:xfrm>
             <a:prstGeom prst="rect">
@@ -7548,20 +7376,20 @@
                   <a:latin typeface="Times New Roman"/>
                   <a:cs typeface="Times New Roman"/>
                 </a:rPr>
-                <a:t>20%</a:t>
+                <a:t>25%</a:t>
               </a:r>
             </a:p>
           </p:txBody>
         </p:sp>
         <p:sp>
           <p:nvSpPr>
-            <p:cNvPr id="118" name="tx118"/>
-            <p:cNvSpPr/>
-            <p:nvPr/>
-          </p:nvSpPr>
-          <p:spPr>
-            <a:xfrm>
-              <a:off x="299140" y="1109643"/>
+            <p:cNvPr id="114" name="tx114"/>
+            <p:cNvSpPr/>
+            <p:nvPr/>
+          </p:nvSpPr>
+          <p:spPr>
+            <a:xfrm>
+              <a:off x="299140" y="951367"/>
               <a:ext cx="223480" cy="85903"/>
             </a:xfrm>
             <a:prstGeom prst="rect">
@@ -7594,20 +7422,20 @@
                   <a:latin typeface="Times New Roman"/>
                   <a:cs typeface="Times New Roman"/>
                 </a:rPr>
-                <a:t>40%</a:t>
+                <a:t>50%</a:t>
               </a:r>
             </a:p>
           </p:txBody>
         </p:sp>
         <p:sp>
           <p:nvSpPr>
-            <p:cNvPr id="119" name="tx119"/>
-            <p:cNvSpPr/>
-            <p:nvPr/>
-          </p:nvSpPr>
-          <p:spPr>
-            <a:xfrm>
-              <a:off x="299140" y="844601"/>
+            <p:cNvPr id="115" name="tx115"/>
+            <p:cNvSpPr/>
+            <p:nvPr/>
+          </p:nvSpPr>
+          <p:spPr>
+            <a:xfrm>
+              <a:off x="299140" y="632943"/>
               <a:ext cx="223480" cy="85903"/>
             </a:xfrm>
             <a:prstGeom prst="rect">
@@ -7640,60 +7468,14 @@
                   <a:latin typeface="Times New Roman"/>
                   <a:cs typeface="Times New Roman"/>
                 </a:rPr>
-                <a:t>60%</a:t>
+                <a:t>75%</a:t>
               </a:r>
             </a:p>
           </p:txBody>
         </p:sp>
         <p:sp>
           <p:nvSpPr>
-            <p:cNvPr id="120" name="tx120"/>
-            <p:cNvSpPr/>
-            <p:nvPr/>
-          </p:nvSpPr>
-          <p:spPr>
-            <a:xfrm>
-              <a:off x="299140" y="579560"/>
-              <a:ext cx="223480" cy="85903"/>
-            </a:xfrm>
-            <a:prstGeom prst="rect">
-              <a:avLst/>
-            </a:prstGeom>
-            <a:noFill/>
-          </p:spPr>
-          <p:txBody>
-            <a:bodyPr lIns="0" rIns="0" tIns="0" bIns="0" anchorCtr="1" anchor="ctr" wrap="none"/>
-            <a:lstStyle/>
-            <a:p>
-              <a:pPr algn="l" marL="0" marR="0" indent="0">
-                <a:lnSpc>
-                  <a:spcPts val="960"/>
-                </a:lnSpc>
-                <a:spcBef>
-                  <a:spcPts val="0"/>
-                </a:spcBef>
-                <a:spcAft>
-                  <a:spcPts val="0"/>
-                </a:spcAft>
-              </a:pPr>
-              <a:r>
-                <a:rPr sz="960">
-                  <a:solidFill>
-                    <a:srgbClr val="4D4D4D">
-                      <a:alpha val="100000"/>
-                    </a:srgbClr>
-                  </a:solidFill>
-                  <a:latin typeface="Times New Roman"/>
-                  <a:cs typeface="Times New Roman"/>
-                </a:rPr>
-                <a:t>80%</a:t>
-              </a:r>
-            </a:p>
-          </p:txBody>
-        </p:sp>
-        <p:sp>
-          <p:nvSpPr>
-            <p:cNvPr id="121" name="tx121"/>
+            <p:cNvPr id="116" name="tx116"/>
             <p:cNvSpPr/>
             <p:nvPr/>
           </p:nvSpPr>
@@ -7739,13 +7521,13 @@
         </p:sp>
         <p:sp>
           <p:nvSpPr>
-            <p:cNvPr id="122" name="pl122"/>
-            <p:cNvSpPr/>
-            <p:nvPr/>
-          </p:nvSpPr>
-          <p:spPr>
-            <a:xfrm>
-              <a:off x="550455" y="1685268"/>
+            <p:cNvPr id="117" name="pl117"/>
+            <p:cNvSpPr/>
+            <p:nvPr/>
+          </p:nvSpPr>
+          <p:spPr>
+            <a:xfrm>
+              <a:off x="550455" y="1633758"/>
               <a:ext cx="34794" cy="0"/>
             </a:xfrm>
             <a:custGeom>
@@ -7779,13 +7561,13 @@
         </p:sp>
         <p:sp>
           <p:nvSpPr>
-            <p:cNvPr id="123" name="pl123"/>
-            <p:cNvSpPr/>
-            <p:nvPr/>
-          </p:nvSpPr>
-          <p:spPr>
-            <a:xfrm>
-              <a:off x="550455" y="1420226"/>
+            <p:cNvPr id="118" name="pl118"/>
+            <p:cNvSpPr/>
+            <p:nvPr/>
+          </p:nvSpPr>
+          <p:spPr>
+            <a:xfrm>
+              <a:off x="550455" y="1315333"/>
               <a:ext cx="34794" cy="0"/>
             </a:xfrm>
             <a:custGeom>
@@ -7819,13 +7601,13 @@
         </p:sp>
         <p:sp>
           <p:nvSpPr>
-            <p:cNvPr id="124" name="pl124"/>
-            <p:cNvSpPr/>
-            <p:nvPr/>
-          </p:nvSpPr>
-          <p:spPr>
-            <a:xfrm>
-              <a:off x="550455" y="1155184"/>
+            <p:cNvPr id="119" name="pl119"/>
+            <p:cNvSpPr/>
+            <p:nvPr/>
+          </p:nvSpPr>
+          <p:spPr>
+            <a:xfrm>
+              <a:off x="550455" y="996909"/>
               <a:ext cx="34794" cy="0"/>
             </a:xfrm>
             <a:custGeom>
@@ -7859,13 +7641,13 @@
         </p:sp>
         <p:sp>
           <p:nvSpPr>
-            <p:cNvPr id="125" name="pl125"/>
-            <p:cNvSpPr/>
-            <p:nvPr/>
-          </p:nvSpPr>
-          <p:spPr>
-            <a:xfrm>
-              <a:off x="550455" y="890143"/>
+            <p:cNvPr id="120" name="pl120"/>
+            <p:cNvSpPr/>
+            <p:nvPr/>
+          </p:nvSpPr>
+          <p:spPr>
+            <a:xfrm>
+              <a:off x="550455" y="678484"/>
               <a:ext cx="34794" cy="0"/>
             </a:xfrm>
             <a:custGeom>
@@ -7899,13 +7681,13 @@
         </p:sp>
         <p:sp>
           <p:nvSpPr>
-            <p:cNvPr id="126" name="pl126"/>
-            <p:cNvSpPr/>
-            <p:nvPr/>
-          </p:nvSpPr>
-          <p:spPr>
-            <a:xfrm>
-              <a:off x="550455" y="625101"/>
+            <p:cNvPr id="121" name="pl121"/>
+            <p:cNvSpPr/>
+            <p:nvPr/>
+          </p:nvSpPr>
+          <p:spPr>
+            <a:xfrm>
+              <a:off x="550455" y="360060"/>
               <a:ext cx="34794" cy="0"/>
             </a:xfrm>
             <a:custGeom>
@@ -7939,47 +7721,7 @@
         </p:sp>
         <p:sp>
           <p:nvSpPr>
-            <p:cNvPr id="127" name="pl127"/>
-            <p:cNvSpPr/>
-            <p:nvPr/>
-          </p:nvSpPr>
-          <p:spPr>
-            <a:xfrm>
-              <a:off x="550455" y="360060"/>
-              <a:ext cx="34794" cy="0"/>
-            </a:xfrm>
-            <a:custGeom>
-              <a:avLst/>
-              <a:pathLst>
-                <a:path w="34794" h="0">
-                  <a:moveTo>
-                    <a:pt x="0" y="0"/>
-                  </a:moveTo>
-                  <a:lnTo>
-                    <a:pt x="34794" y="0"/>
-                  </a:lnTo>
-                </a:path>
-              </a:pathLst>
-            </a:custGeom>
-            <a:ln w="13550" cap="flat">
-              <a:solidFill>
-                <a:srgbClr val="333333">
-                  <a:alpha val="100000"/>
-                </a:srgbClr>
-              </a:solidFill>
-              <a:prstDash val="solid"/>
-              <a:round/>
-            </a:ln>
-          </p:spPr>
-          <p:txBody>
-            <a:bodyPr/>
-            <a:lstStyle/>
-            <a:p/>
-          </p:txBody>
-        </p:sp>
-        <p:sp>
-          <p:nvSpPr>
-            <p:cNvPr id="128" name="pl128"/>
+            <p:cNvPr id="122" name="pl122"/>
             <p:cNvSpPr/>
             <p:nvPr/>
           </p:nvSpPr>
@@ -8019,13 +7761,13 @@
         </p:sp>
         <p:sp>
           <p:nvSpPr>
-            <p:cNvPr id="129" name="tx129"/>
-            <p:cNvSpPr/>
-            <p:nvPr/>
-          </p:nvSpPr>
-          <p:spPr>
-            <a:xfrm>
-              <a:off x="360100" y="3513704"/>
+            <p:cNvPr id="123" name="tx123"/>
+            <p:cNvSpPr/>
+            <p:nvPr/>
+          </p:nvSpPr>
+          <p:spPr>
+            <a:xfrm>
+              <a:off x="360100" y="3462194"/>
               <a:ext cx="162520" cy="85903"/>
             </a:xfrm>
             <a:prstGeom prst="rect">
@@ -8065,13 +7807,13 @@
         </p:sp>
         <p:sp>
           <p:nvSpPr>
-            <p:cNvPr id="130" name="tx130"/>
-            <p:cNvSpPr/>
-            <p:nvPr/>
-          </p:nvSpPr>
-          <p:spPr>
-            <a:xfrm>
-              <a:off x="299140" y="3248662"/>
+            <p:cNvPr id="124" name="tx124"/>
+            <p:cNvSpPr/>
+            <p:nvPr/>
+          </p:nvSpPr>
+          <p:spPr>
+            <a:xfrm>
+              <a:off x="299140" y="3143769"/>
               <a:ext cx="223480" cy="85903"/>
             </a:xfrm>
             <a:prstGeom prst="rect">
@@ -8104,20 +7846,20 @@
                   <a:latin typeface="Times New Roman"/>
                   <a:cs typeface="Times New Roman"/>
                 </a:rPr>
-                <a:t>20%</a:t>
+                <a:t>25%</a:t>
               </a:r>
             </a:p>
           </p:txBody>
         </p:sp>
         <p:sp>
           <p:nvSpPr>
-            <p:cNvPr id="131" name="tx131"/>
-            <p:cNvSpPr/>
-            <p:nvPr/>
-          </p:nvSpPr>
-          <p:spPr>
-            <a:xfrm>
-              <a:off x="299140" y="2983621"/>
+            <p:cNvPr id="125" name="tx125"/>
+            <p:cNvSpPr/>
+            <p:nvPr/>
+          </p:nvSpPr>
+          <p:spPr>
+            <a:xfrm>
+              <a:off x="299140" y="2825345"/>
               <a:ext cx="223480" cy="85903"/>
             </a:xfrm>
             <a:prstGeom prst="rect">
@@ -8150,20 +7892,20 @@
                   <a:latin typeface="Times New Roman"/>
                   <a:cs typeface="Times New Roman"/>
                 </a:rPr>
-                <a:t>40%</a:t>
+                <a:t>50%</a:t>
               </a:r>
             </a:p>
           </p:txBody>
         </p:sp>
         <p:sp>
           <p:nvSpPr>
-            <p:cNvPr id="132" name="tx132"/>
-            <p:cNvSpPr/>
-            <p:nvPr/>
-          </p:nvSpPr>
-          <p:spPr>
-            <a:xfrm>
-              <a:off x="299140" y="2718579"/>
+            <p:cNvPr id="126" name="tx126"/>
+            <p:cNvSpPr/>
+            <p:nvPr/>
+          </p:nvSpPr>
+          <p:spPr>
+            <a:xfrm>
+              <a:off x="299140" y="2506920"/>
               <a:ext cx="223480" cy="85903"/>
             </a:xfrm>
             <a:prstGeom prst="rect">
@@ -8196,60 +7938,14 @@
                   <a:latin typeface="Times New Roman"/>
                   <a:cs typeface="Times New Roman"/>
                 </a:rPr>
-                <a:t>60%</a:t>
+                <a:t>75%</a:t>
               </a:r>
             </a:p>
           </p:txBody>
         </p:sp>
         <p:sp>
           <p:nvSpPr>
-            <p:cNvPr id="133" name="tx133"/>
-            <p:cNvSpPr/>
-            <p:nvPr/>
-          </p:nvSpPr>
-          <p:spPr>
-            <a:xfrm>
-              <a:off x="299140" y="2453537"/>
-              <a:ext cx="223480" cy="85903"/>
-            </a:xfrm>
-            <a:prstGeom prst="rect">
-              <a:avLst/>
-            </a:prstGeom>
-            <a:noFill/>
-          </p:spPr>
-          <p:txBody>
-            <a:bodyPr lIns="0" rIns="0" tIns="0" bIns="0" anchorCtr="1" anchor="ctr" wrap="none"/>
-            <a:lstStyle/>
-            <a:p>
-              <a:pPr algn="l" marL="0" marR="0" indent="0">
-                <a:lnSpc>
-                  <a:spcPts val="960"/>
-                </a:lnSpc>
-                <a:spcBef>
-                  <a:spcPts val="0"/>
-                </a:spcBef>
-                <a:spcAft>
-                  <a:spcPts val="0"/>
-                </a:spcAft>
-              </a:pPr>
-              <a:r>
-                <a:rPr sz="960">
-                  <a:solidFill>
-                    <a:srgbClr val="4D4D4D">
-                      <a:alpha val="100000"/>
-                    </a:srgbClr>
-                  </a:solidFill>
-                  <a:latin typeface="Times New Roman"/>
-                  <a:cs typeface="Times New Roman"/>
-                </a:rPr>
-                <a:t>80%</a:t>
-              </a:r>
-            </a:p>
-          </p:txBody>
-        </p:sp>
-        <p:sp>
-          <p:nvSpPr>
-            <p:cNvPr id="134" name="tx134"/>
+            <p:cNvPr id="127" name="tx127"/>
             <p:cNvSpPr/>
             <p:nvPr/>
           </p:nvSpPr>
@@ -8295,13 +7991,13 @@
         </p:sp>
         <p:sp>
           <p:nvSpPr>
-            <p:cNvPr id="135" name="pl135"/>
-            <p:cNvSpPr/>
-            <p:nvPr/>
-          </p:nvSpPr>
-          <p:spPr>
-            <a:xfrm>
-              <a:off x="550455" y="3559245"/>
+            <p:cNvPr id="128" name="pl128"/>
+            <p:cNvSpPr/>
+            <p:nvPr/>
+          </p:nvSpPr>
+          <p:spPr>
+            <a:xfrm>
+              <a:off x="550455" y="3507735"/>
               <a:ext cx="34794" cy="0"/>
             </a:xfrm>
             <a:custGeom>
@@ -8335,13 +8031,13 @@
         </p:sp>
         <p:sp>
           <p:nvSpPr>
-            <p:cNvPr id="136" name="pl136"/>
-            <p:cNvSpPr/>
-            <p:nvPr/>
-          </p:nvSpPr>
-          <p:spPr>
-            <a:xfrm>
-              <a:off x="550455" y="3294204"/>
+            <p:cNvPr id="129" name="pl129"/>
+            <p:cNvSpPr/>
+            <p:nvPr/>
+          </p:nvSpPr>
+          <p:spPr>
+            <a:xfrm>
+              <a:off x="550455" y="3189311"/>
               <a:ext cx="34794" cy="0"/>
             </a:xfrm>
             <a:custGeom>
@@ -8375,13 +8071,13 @@
         </p:sp>
         <p:sp>
           <p:nvSpPr>
-            <p:cNvPr id="137" name="pl137"/>
-            <p:cNvSpPr/>
-            <p:nvPr/>
-          </p:nvSpPr>
-          <p:spPr>
-            <a:xfrm>
-              <a:off x="550455" y="3029162"/>
+            <p:cNvPr id="130" name="pl130"/>
+            <p:cNvSpPr/>
+            <p:nvPr/>
+          </p:nvSpPr>
+          <p:spPr>
+            <a:xfrm>
+              <a:off x="550455" y="2870886"/>
               <a:ext cx="34794" cy="0"/>
             </a:xfrm>
             <a:custGeom>
@@ -8415,13 +8111,13 @@
         </p:sp>
         <p:sp>
           <p:nvSpPr>
-            <p:cNvPr id="138" name="pl138"/>
-            <p:cNvSpPr/>
-            <p:nvPr/>
-          </p:nvSpPr>
-          <p:spPr>
-            <a:xfrm>
-              <a:off x="550455" y="2764120"/>
+            <p:cNvPr id="131" name="pl131"/>
+            <p:cNvSpPr/>
+            <p:nvPr/>
+          </p:nvSpPr>
+          <p:spPr>
+            <a:xfrm>
+              <a:off x="550455" y="2552462"/>
               <a:ext cx="34794" cy="0"/>
             </a:xfrm>
             <a:custGeom>
@@ -8455,13 +8151,13 @@
         </p:sp>
         <p:sp>
           <p:nvSpPr>
-            <p:cNvPr id="139" name="pl139"/>
-            <p:cNvSpPr/>
-            <p:nvPr/>
-          </p:nvSpPr>
-          <p:spPr>
-            <a:xfrm>
-              <a:off x="550455" y="2499079"/>
+            <p:cNvPr id="132" name="pl132"/>
+            <p:cNvSpPr/>
+            <p:nvPr/>
+          </p:nvSpPr>
+          <p:spPr>
+            <a:xfrm>
+              <a:off x="550455" y="2234037"/>
               <a:ext cx="34794" cy="0"/>
             </a:xfrm>
             <a:custGeom>
@@ -8495,47 +8191,7 @@
         </p:sp>
         <p:sp>
           <p:nvSpPr>
-            <p:cNvPr id="140" name="pl140"/>
-            <p:cNvSpPr/>
-            <p:nvPr/>
-          </p:nvSpPr>
-          <p:spPr>
-            <a:xfrm>
-              <a:off x="550455" y="2234037"/>
-              <a:ext cx="34794" cy="0"/>
-            </a:xfrm>
-            <a:custGeom>
-              <a:avLst/>
-              <a:pathLst>
-                <a:path w="34794" h="0">
-                  <a:moveTo>
-                    <a:pt x="0" y="0"/>
-                  </a:moveTo>
-                  <a:lnTo>
-                    <a:pt x="34794" y="0"/>
-                  </a:lnTo>
-                </a:path>
-              </a:pathLst>
-            </a:custGeom>
-            <a:ln w="13550" cap="flat">
-              <a:solidFill>
-                <a:srgbClr val="333333">
-                  <a:alpha val="100000"/>
-                </a:srgbClr>
-              </a:solidFill>
-              <a:prstDash val="solid"/>
-              <a:round/>
-            </a:ln>
-          </p:spPr>
-          <p:txBody>
-            <a:bodyPr/>
-            <a:lstStyle/>
-            <a:p/>
-          </p:txBody>
-        </p:sp>
-        <p:sp>
-          <p:nvSpPr>
-            <p:cNvPr id="141" name="tx141"/>
+            <p:cNvPr id="133" name="tx133"/>
             <p:cNvSpPr/>
             <p:nvPr/>
           </p:nvSpPr>

--- a/02_Regions/02_Cumulatives/figures/01_Prezygotics.pptx
+++ b/02_Regions/02_Cumulatives/figures/01_Prezygotics.pptx
@@ -7,14 +7,14 @@
   <p:sldIdLst>
     <p:sldId id="256" r:id="rId2"/>
   </p:sldIdLst>
-  <p:sldSz cx="6408738" cy="4103688"/>
+  <p:sldSz cx="6408738" cy="1800225"/>
   <p:notesSz cx="6858000" cy="9144000"/>
   <p:defaultTextStyle>
     <a:defPPr>
-      <a:defRPr lang="es-MX"/>
+      <a:defRPr lang="en-US"/>
     </a:defPPr>
-    <a:lvl1pPr marL="0" algn="l" defTabSz="300655" rtl="0" eaLnBrk="1" latinLnBrk="0" hangingPunct="1">
-      <a:defRPr sz="592" kern="1200">
+    <a:lvl1pPr marL="0" algn="l" defTabSz="457200" rtl="0" eaLnBrk="1" latinLnBrk="0" hangingPunct="1">
+      <a:defRPr sz="1800" kern="1200">
         <a:solidFill>
           <a:schemeClr val="tx1"/>
         </a:solidFill>
@@ -23,8 +23,8 @@
         <a:cs typeface="+mn-cs"/>
       </a:defRPr>
     </a:lvl1pPr>
-    <a:lvl2pPr marL="150327" algn="l" defTabSz="300655" rtl="0" eaLnBrk="1" latinLnBrk="0" hangingPunct="1">
-      <a:defRPr sz="592" kern="1200">
+    <a:lvl2pPr marL="457200" algn="l" defTabSz="457200" rtl="0" eaLnBrk="1" latinLnBrk="0" hangingPunct="1">
+      <a:defRPr sz="1800" kern="1200">
         <a:solidFill>
           <a:schemeClr val="tx1"/>
         </a:solidFill>
@@ -33,8 +33,8 @@
         <a:cs typeface="+mn-cs"/>
       </a:defRPr>
     </a:lvl2pPr>
-    <a:lvl3pPr marL="300655" algn="l" defTabSz="300655" rtl="0" eaLnBrk="1" latinLnBrk="0" hangingPunct="1">
-      <a:defRPr sz="592" kern="1200">
+    <a:lvl3pPr marL="914400" algn="l" defTabSz="457200" rtl="0" eaLnBrk="1" latinLnBrk="0" hangingPunct="1">
+      <a:defRPr sz="1800" kern="1200">
         <a:solidFill>
           <a:schemeClr val="tx1"/>
         </a:solidFill>
@@ -43,8 +43,8 @@
         <a:cs typeface="+mn-cs"/>
       </a:defRPr>
     </a:lvl3pPr>
-    <a:lvl4pPr marL="450982" algn="l" defTabSz="300655" rtl="0" eaLnBrk="1" latinLnBrk="0" hangingPunct="1">
-      <a:defRPr sz="592" kern="1200">
+    <a:lvl4pPr marL="1371600" algn="l" defTabSz="457200" rtl="0" eaLnBrk="1" latinLnBrk="0" hangingPunct="1">
+      <a:defRPr sz="1800" kern="1200">
         <a:solidFill>
           <a:schemeClr val="tx1"/>
         </a:solidFill>
@@ -53,8 +53,8 @@
         <a:cs typeface="+mn-cs"/>
       </a:defRPr>
     </a:lvl4pPr>
-    <a:lvl5pPr marL="601309" algn="l" defTabSz="300655" rtl="0" eaLnBrk="1" latinLnBrk="0" hangingPunct="1">
-      <a:defRPr sz="592" kern="1200">
+    <a:lvl5pPr marL="1828800" algn="l" defTabSz="457200" rtl="0" eaLnBrk="1" latinLnBrk="0" hangingPunct="1">
+      <a:defRPr sz="1800" kern="1200">
         <a:solidFill>
           <a:schemeClr val="tx1"/>
         </a:solidFill>
@@ -63,8 +63,8 @@
         <a:cs typeface="+mn-cs"/>
       </a:defRPr>
     </a:lvl5pPr>
-    <a:lvl6pPr marL="751637" algn="l" defTabSz="300655" rtl="0" eaLnBrk="1" latinLnBrk="0" hangingPunct="1">
-      <a:defRPr sz="592" kern="1200">
+    <a:lvl6pPr marL="2286000" algn="l" defTabSz="457200" rtl="0" eaLnBrk="1" latinLnBrk="0" hangingPunct="1">
+      <a:defRPr sz="1800" kern="1200">
         <a:solidFill>
           <a:schemeClr val="tx1"/>
         </a:solidFill>
@@ -73,8 +73,8 @@
         <a:cs typeface="+mn-cs"/>
       </a:defRPr>
     </a:lvl6pPr>
-    <a:lvl7pPr marL="901964" algn="l" defTabSz="300655" rtl="0" eaLnBrk="1" latinLnBrk="0" hangingPunct="1">
-      <a:defRPr sz="592" kern="1200">
+    <a:lvl7pPr marL="2743200" algn="l" defTabSz="457200" rtl="0" eaLnBrk="1" latinLnBrk="0" hangingPunct="1">
+      <a:defRPr sz="1800" kern="1200">
         <a:solidFill>
           <a:schemeClr val="tx1"/>
         </a:solidFill>
@@ -83,8 +83,8 @@
         <a:cs typeface="+mn-cs"/>
       </a:defRPr>
     </a:lvl7pPr>
-    <a:lvl8pPr marL="1052292" algn="l" defTabSz="300655" rtl="0" eaLnBrk="1" latinLnBrk="0" hangingPunct="1">
-      <a:defRPr sz="592" kern="1200">
+    <a:lvl8pPr marL="3200400" algn="l" defTabSz="457200" rtl="0" eaLnBrk="1" latinLnBrk="0" hangingPunct="1">
+      <a:defRPr sz="1800" kern="1200">
         <a:solidFill>
           <a:schemeClr val="tx1"/>
         </a:solidFill>
@@ -93,8 +93,8 @@
         <a:cs typeface="+mn-cs"/>
       </a:defRPr>
     </a:lvl8pPr>
-    <a:lvl9pPr marL="1202619" algn="l" defTabSz="300655" rtl="0" eaLnBrk="1" latinLnBrk="0" hangingPunct="1">
-      <a:defRPr sz="592" kern="1200">
+    <a:lvl9pPr marL="3657600" algn="l" defTabSz="457200" rtl="0" eaLnBrk="1" latinLnBrk="0" hangingPunct="1">
+      <a:defRPr sz="1800" kern="1200">
         <a:solidFill>
           <a:schemeClr val="tx1"/>
         </a:solidFill>
@@ -141,20 +141,20 @@
         </p:nvSpPr>
         <p:spPr>
           <a:xfrm>
-            <a:off x="801092" y="671599"/>
-            <a:ext cx="4806554" cy="1428691"/>
+            <a:off x="801092" y="294620"/>
+            <a:ext cx="4806554" cy="626745"/>
           </a:xfrm>
         </p:spPr>
         <p:txBody>
           <a:bodyPr anchor="b"/>
           <a:lstStyle>
             <a:lvl1pPr algn="ctr">
-              <a:defRPr sz="3154"/>
+              <a:defRPr sz="1575"/>
             </a:lvl1pPr>
           </a:lstStyle>
           <a:p>
             <a:r>
-              <a:rPr lang="es-ES" smtClean="0"/>
+              <a:rPr lang="es-ES"/>
               <a:t>Haga clic para modificar el estilo de título del patrón</a:t>
             </a:r>
             <a:endParaRPr lang="en-US" dirty="0"/>
@@ -173,8 +173,8 @@
         </p:nvSpPr>
         <p:spPr>
           <a:xfrm>
-            <a:off x="801092" y="2155387"/>
-            <a:ext cx="4806554" cy="990774"/>
+            <a:off x="801092" y="945535"/>
+            <a:ext cx="4806554" cy="434638"/>
           </a:xfrm>
         </p:spPr>
         <p:txBody>
@@ -182,45 +182,45 @@
           <a:lstStyle>
             <a:lvl1pPr marL="0" indent="0" algn="ctr">
               <a:buNone/>
-              <a:defRPr sz="1262"/>
+              <a:defRPr sz="630"/>
             </a:lvl1pPr>
-            <a:lvl2pPr marL="240350" indent="0" algn="ctr">
+            <a:lvl2pPr marL="120015" indent="0" algn="ctr">
               <a:buNone/>
-              <a:defRPr sz="1051"/>
+              <a:defRPr sz="525"/>
             </a:lvl2pPr>
-            <a:lvl3pPr marL="480700" indent="0" algn="ctr">
+            <a:lvl3pPr marL="240030" indent="0" algn="ctr">
               <a:buNone/>
-              <a:defRPr sz="946"/>
+              <a:defRPr sz="472"/>
             </a:lvl3pPr>
-            <a:lvl4pPr marL="721050" indent="0" algn="ctr">
+            <a:lvl4pPr marL="360045" indent="0" algn="ctr">
               <a:buNone/>
-              <a:defRPr sz="841"/>
+              <a:defRPr sz="420"/>
             </a:lvl4pPr>
-            <a:lvl5pPr marL="961400" indent="0" algn="ctr">
+            <a:lvl5pPr marL="480060" indent="0" algn="ctr">
               <a:buNone/>
-              <a:defRPr sz="841"/>
+              <a:defRPr sz="420"/>
             </a:lvl5pPr>
-            <a:lvl6pPr marL="1201750" indent="0" algn="ctr">
+            <a:lvl6pPr marL="600075" indent="0" algn="ctr">
               <a:buNone/>
-              <a:defRPr sz="841"/>
+              <a:defRPr sz="420"/>
             </a:lvl6pPr>
-            <a:lvl7pPr marL="1442100" indent="0" algn="ctr">
+            <a:lvl7pPr marL="720090" indent="0" algn="ctr">
               <a:buNone/>
-              <a:defRPr sz="841"/>
+              <a:defRPr sz="420"/>
             </a:lvl7pPr>
-            <a:lvl8pPr marL="1682450" indent="0" algn="ctr">
+            <a:lvl8pPr marL="840105" indent="0" algn="ctr">
               <a:buNone/>
-              <a:defRPr sz="841"/>
+              <a:defRPr sz="420"/>
             </a:lvl8pPr>
-            <a:lvl9pPr marL="1922800" indent="0" algn="ctr">
+            <a:lvl9pPr marL="960120" indent="0" algn="ctr">
               <a:buNone/>
-              <a:defRPr sz="841"/>
+              <a:defRPr sz="420"/>
             </a:lvl9pPr>
           </a:lstStyle>
           <a:p>
             <a:r>
-              <a:rPr lang="es-ES" smtClean="0"/>
-              <a:t>Haga clic para editar el estilo de subtítulo del patrón</a:t>
+              <a:rPr lang="es-ES"/>
+              <a:t>Haga clic para modificar el estilo de subtítulo del patrón</a:t>
             </a:r>
             <a:endParaRPr lang="en-US" dirty="0"/>
           </a:p>
@@ -243,7 +243,7 @@
           <a:p>
             <a:fld id="{A1626F8F-BADC-42B5-8999-017B7F317904}" type="datetimeFigureOut">
               <a:rPr lang="en-US" smtClean="0"/>
-              <a:t>6/26/2022</a:t>
+              <a:t>4/27/2024</a:t>
             </a:fld>
             <a:endParaRPr lang="en-US"/>
           </a:p>
@@ -294,7 +294,7 @@
     </p:spTree>
     <p:extLst>
       <p:ext uri="{BB962C8B-B14F-4D97-AF65-F5344CB8AC3E}">
-        <p14:creationId xmlns:p14="http://schemas.microsoft.com/office/powerpoint/2010/main" val="3883363414"/>
+        <p14:creationId xmlns:p14="http://schemas.microsoft.com/office/powerpoint/2010/main" val="3021015500"/>
       </p:ext>
     </p:extLst>
   </p:cSld>
@@ -337,7 +337,7 @@
           <a:lstStyle/>
           <a:p>
             <a:r>
-              <a:rPr lang="es-ES" smtClean="0"/>
+              <a:rPr lang="es-ES"/>
               <a:t>Haga clic para modificar el estilo de título del patrón</a:t>
             </a:r>
             <a:endParaRPr lang="en-US" dirty="0"/>
@@ -361,35 +361,35 @@
           <a:p>
             <a:pPr lvl="0"/>
             <a:r>
-              <a:rPr lang="es-ES" smtClean="0"/>
-              <a:t>Editar el estilo de texto del patrón</a:t>
+              <a:rPr lang="es-ES"/>
+              <a:t>Haga clic para modificar los estilos de texto del patrón</a:t>
             </a:r>
           </a:p>
           <a:p>
             <a:pPr lvl="1"/>
             <a:r>
-              <a:rPr lang="es-ES" smtClean="0"/>
+              <a:rPr lang="es-ES"/>
               <a:t>Segundo nivel</a:t>
             </a:r>
           </a:p>
           <a:p>
             <a:pPr lvl="2"/>
             <a:r>
-              <a:rPr lang="es-ES" smtClean="0"/>
+              <a:rPr lang="es-ES"/>
               <a:t>Tercer nivel</a:t>
             </a:r>
           </a:p>
           <a:p>
             <a:pPr lvl="3"/>
             <a:r>
-              <a:rPr lang="es-ES" smtClean="0"/>
+              <a:rPr lang="es-ES"/>
               <a:t>Cuarto nivel</a:t>
             </a:r>
           </a:p>
           <a:p>
             <a:pPr lvl="4"/>
             <a:r>
-              <a:rPr lang="es-ES" smtClean="0"/>
+              <a:rPr lang="es-ES"/>
               <a:t>Quinto nivel</a:t>
             </a:r>
             <a:endParaRPr lang="en-US" dirty="0"/>
@@ -413,7 +413,7 @@
           <a:p>
             <a:fld id="{A1626F8F-BADC-42B5-8999-017B7F317904}" type="datetimeFigureOut">
               <a:rPr lang="en-US" smtClean="0"/>
-              <a:t>6/26/2022</a:t>
+              <a:t>4/27/2024</a:t>
             </a:fld>
             <a:endParaRPr lang="en-US"/>
           </a:p>
@@ -464,7 +464,7 @@
     </p:spTree>
     <p:extLst>
       <p:ext uri="{BB962C8B-B14F-4D97-AF65-F5344CB8AC3E}">
-        <p14:creationId xmlns:p14="http://schemas.microsoft.com/office/powerpoint/2010/main" val="3988793649"/>
+        <p14:creationId xmlns:p14="http://schemas.microsoft.com/office/powerpoint/2010/main" val="1753249666"/>
       </p:ext>
     </p:extLst>
   </p:cSld>
@@ -503,8 +503,8 @@
         </p:nvSpPr>
         <p:spPr>
           <a:xfrm>
-            <a:off x="4586253" y="218483"/>
-            <a:ext cx="1381884" cy="3477686"/>
+            <a:off x="4586253" y="95846"/>
+            <a:ext cx="1381884" cy="1525607"/>
           </a:xfrm>
         </p:spPr>
         <p:txBody>
@@ -512,7 +512,7 @@
           <a:lstStyle/>
           <a:p>
             <a:r>
-              <a:rPr lang="es-ES" smtClean="0"/>
+              <a:rPr lang="es-ES"/>
               <a:t>Haga clic para modificar el estilo de título del patrón</a:t>
             </a:r>
             <a:endParaRPr lang="en-US" dirty="0"/>
@@ -531,8 +531,8 @@
         </p:nvSpPr>
         <p:spPr>
           <a:xfrm>
-            <a:off x="440601" y="218483"/>
-            <a:ext cx="4065543" cy="3477686"/>
+            <a:off x="440601" y="95846"/>
+            <a:ext cx="4065543" cy="1525607"/>
           </a:xfrm>
         </p:spPr>
         <p:txBody>
@@ -541,35 +541,35 @@
           <a:p>
             <a:pPr lvl="0"/>
             <a:r>
-              <a:rPr lang="es-ES" smtClean="0"/>
-              <a:t>Editar el estilo de texto del patrón</a:t>
+              <a:rPr lang="es-ES"/>
+              <a:t>Haga clic para modificar los estilos de texto del patrón</a:t>
             </a:r>
           </a:p>
           <a:p>
             <a:pPr lvl="1"/>
             <a:r>
-              <a:rPr lang="es-ES" smtClean="0"/>
+              <a:rPr lang="es-ES"/>
               <a:t>Segundo nivel</a:t>
             </a:r>
           </a:p>
           <a:p>
             <a:pPr lvl="2"/>
             <a:r>
-              <a:rPr lang="es-ES" smtClean="0"/>
+              <a:rPr lang="es-ES"/>
               <a:t>Tercer nivel</a:t>
             </a:r>
           </a:p>
           <a:p>
             <a:pPr lvl="3"/>
             <a:r>
-              <a:rPr lang="es-ES" smtClean="0"/>
+              <a:rPr lang="es-ES"/>
               <a:t>Cuarto nivel</a:t>
             </a:r>
           </a:p>
           <a:p>
             <a:pPr lvl="4"/>
             <a:r>
-              <a:rPr lang="es-ES" smtClean="0"/>
+              <a:rPr lang="es-ES"/>
               <a:t>Quinto nivel</a:t>
             </a:r>
             <a:endParaRPr lang="en-US" dirty="0"/>
@@ -593,7 +593,7 @@
           <a:p>
             <a:fld id="{A1626F8F-BADC-42B5-8999-017B7F317904}" type="datetimeFigureOut">
               <a:rPr lang="en-US" smtClean="0"/>
-              <a:t>6/26/2022</a:t>
+              <a:t>4/27/2024</a:t>
             </a:fld>
             <a:endParaRPr lang="en-US"/>
           </a:p>
@@ -644,7 +644,7 @@
     </p:spTree>
     <p:extLst>
       <p:ext uri="{BB962C8B-B14F-4D97-AF65-F5344CB8AC3E}">
-        <p14:creationId xmlns:p14="http://schemas.microsoft.com/office/powerpoint/2010/main" val="3925521729"/>
+        <p14:creationId xmlns:p14="http://schemas.microsoft.com/office/powerpoint/2010/main" val="3838882444"/>
       </p:ext>
     </p:extLst>
   </p:cSld>
@@ -687,7 +687,7 @@
           <a:lstStyle/>
           <a:p>
             <a:r>
-              <a:rPr lang="es-ES" smtClean="0"/>
+              <a:rPr lang="es-ES"/>
               <a:t>Haga clic para modificar el estilo de título del patrón</a:t>
             </a:r>
             <a:endParaRPr lang="en-US" dirty="0"/>
@@ -711,35 +711,35 @@
           <a:p>
             <a:pPr lvl="0"/>
             <a:r>
-              <a:rPr lang="es-ES" smtClean="0"/>
-              <a:t>Editar el estilo de texto del patrón</a:t>
+              <a:rPr lang="es-ES"/>
+              <a:t>Haga clic para modificar los estilos de texto del patrón</a:t>
             </a:r>
           </a:p>
           <a:p>
             <a:pPr lvl="1"/>
             <a:r>
-              <a:rPr lang="es-ES" smtClean="0"/>
+              <a:rPr lang="es-ES"/>
               <a:t>Segundo nivel</a:t>
             </a:r>
           </a:p>
           <a:p>
             <a:pPr lvl="2"/>
             <a:r>
-              <a:rPr lang="es-ES" smtClean="0"/>
+              <a:rPr lang="es-ES"/>
               <a:t>Tercer nivel</a:t>
             </a:r>
           </a:p>
           <a:p>
             <a:pPr lvl="3"/>
             <a:r>
-              <a:rPr lang="es-ES" smtClean="0"/>
+              <a:rPr lang="es-ES"/>
               <a:t>Cuarto nivel</a:t>
             </a:r>
           </a:p>
           <a:p>
             <a:pPr lvl="4"/>
             <a:r>
-              <a:rPr lang="es-ES" smtClean="0"/>
+              <a:rPr lang="es-ES"/>
               <a:t>Quinto nivel</a:t>
             </a:r>
             <a:endParaRPr lang="en-US" dirty="0"/>
@@ -763,7 +763,7 @@
           <a:p>
             <a:fld id="{A1626F8F-BADC-42B5-8999-017B7F317904}" type="datetimeFigureOut">
               <a:rPr lang="en-US" smtClean="0"/>
-              <a:t>6/26/2022</a:t>
+              <a:t>4/27/2024</a:t>
             </a:fld>
             <a:endParaRPr lang="en-US"/>
           </a:p>
@@ -814,7 +814,7 @@
     </p:spTree>
     <p:extLst>
       <p:ext uri="{BB962C8B-B14F-4D97-AF65-F5344CB8AC3E}">
-        <p14:creationId xmlns:p14="http://schemas.microsoft.com/office/powerpoint/2010/main" val="1666030160"/>
+        <p14:creationId xmlns:p14="http://schemas.microsoft.com/office/powerpoint/2010/main" val="3902306925"/>
       </p:ext>
     </p:extLst>
   </p:cSld>
@@ -853,20 +853,20 @@
         </p:nvSpPr>
         <p:spPr>
           <a:xfrm>
-            <a:off x="437263" y="1023073"/>
-            <a:ext cx="5527537" cy="1707020"/>
+            <a:off x="437263" y="448807"/>
+            <a:ext cx="5527537" cy="748843"/>
           </a:xfrm>
         </p:spPr>
         <p:txBody>
           <a:bodyPr anchor="b"/>
           <a:lstStyle>
             <a:lvl1pPr>
-              <a:defRPr sz="3154"/>
+              <a:defRPr sz="1575"/>
             </a:lvl1pPr>
           </a:lstStyle>
           <a:p>
             <a:r>
-              <a:rPr lang="es-ES" smtClean="0"/>
+              <a:rPr lang="es-ES"/>
               <a:t>Haga clic para modificar el estilo de título del patrón</a:t>
             </a:r>
             <a:endParaRPr lang="en-US" dirty="0"/>
@@ -885,8 +885,8 @@
         </p:nvSpPr>
         <p:spPr>
           <a:xfrm>
-            <a:off x="437263" y="2746242"/>
-            <a:ext cx="5527537" cy="897681"/>
+            <a:off x="437263" y="1204734"/>
+            <a:ext cx="5527537" cy="393799"/>
           </a:xfrm>
         </p:spPr>
         <p:txBody>
@@ -894,7 +894,7 @@
           <a:lstStyle>
             <a:lvl1pPr marL="0" indent="0">
               <a:buNone/>
-              <a:defRPr sz="1262">
+              <a:defRPr sz="630">
                 <a:solidFill>
                   <a:schemeClr val="tx1">
                     <a:tint val="75000"/>
@@ -902,9 +902,9 @@
                 </a:solidFill>
               </a:defRPr>
             </a:lvl1pPr>
-            <a:lvl2pPr marL="240350" indent="0">
+            <a:lvl2pPr marL="120015" indent="0">
               <a:buNone/>
-              <a:defRPr sz="1051">
+              <a:defRPr sz="525">
                 <a:solidFill>
                   <a:schemeClr val="tx1">
                     <a:tint val="75000"/>
@@ -912,9 +912,9 @@
                 </a:solidFill>
               </a:defRPr>
             </a:lvl2pPr>
-            <a:lvl3pPr marL="480700" indent="0">
+            <a:lvl3pPr marL="240030" indent="0">
               <a:buNone/>
-              <a:defRPr sz="946">
+              <a:defRPr sz="472">
                 <a:solidFill>
                   <a:schemeClr val="tx1">
                     <a:tint val="75000"/>
@@ -922,9 +922,9 @@
                 </a:solidFill>
               </a:defRPr>
             </a:lvl3pPr>
-            <a:lvl4pPr marL="721050" indent="0">
+            <a:lvl4pPr marL="360045" indent="0">
               <a:buNone/>
-              <a:defRPr sz="841">
+              <a:defRPr sz="420">
                 <a:solidFill>
                   <a:schemeClr val="tx1">
                     <a:tint val="75000"/>
@@ -932,9 +932,9 @@
                 </a:solidFill>
               </a:defRPr>
             </a:lvl4pPr>
-            <a:lvl5pPr marL="961400" indent="0">
+            <a:lvl5pPr marL="480060" indent="0">
               <a:buNone/>
-              <a:defRPr sz="841">
+              <a:defRPr sz="420">
                 <a:solidFill>
                   <a:schemeClr val="tx1">
                     <a:tint val="75000"/>
@@ -942,9 +942,9 @@
                 </a:solidFill>
               </a:defRPr>
             </a:lvl5pPr>
-            <a:lvl6pPr marL="1201750" indent="0">
+            <a:lvl6pPr marL="600075" indent="0">
               <a:buNone/>
-              <a:defRPr sz="841">
+              <a:defRPr sz="420">
                 <a:solidFill>
                   <a:schemeClr val="tx1">
                     <a:tint val="75000"/>
@@ -952,9 +952,9 @@
                 </a:solidFill>
               </a:defRPr>
             </a:lvl6pPr>
-            <a:lvl7pPr marL="1442100" indent="0">
+            <a:lvl7pPr marL="720090" indent="0">
               <a:buNone/>
-              <a:defRPr sz="841">
+              <a:defRPr sz="420">
                 <a:solidFill>
                   <a:schemeClr val="tx1">
                     <a:tint val="75000"/>
@@ -962,9 +962,9 @@
                 </a:solidFill>
               </a:defRPr>
             </a:lvl7pPr>
-            <a:lvl8pPr marL="1682450" indent="0">
+            <a:lvl8pPr marL="840105" indent="0">
               <a:buNone/>
-              <a:defRPr sz="841">
+              <a:defRPr sz="420">
                 <a:solidFill>
                   <a:schemeClr val="tx1">
                     <a:tint val="75000"/>
@@ -972,9 +972,9 @@
                 </a:solidFill>
               </a:defRPr>
             </a:lvl8pPr>
-            <a:lvl9pPr marL="1922800" indent="0">
+            <a:lvl9pPr marL="960120" indent="0">
               <a:buNone/>
-              <a:defRPr sz="841">
+              <a:defRPr sz="420">
                 <a:solidFill>
                   <a:schemeClr val="tx1">
                     <a:tint val="75000"/>
@@ -986,8 +986,8 @@
           <a:p>
             <a:pPr lvl="0"/>
             <a:r>
-              <a:rPr lang="es-ES" smtClean="0"/>
-              <a:t>Editar el estilo de texto del patrón</a:t>
+              <a:rPr lang="es-ES"/>
+              <a:t>Haga clic para modificar los estilos de texto del patrón</a:t>
             </a:r>
           </a:p>
         </p:txBody>
@@ -1009,7 +1009,7 @@
           <a:p>
             <a:fld id="{A1626F8F-BADC-42B5-8999-017B7F317904}" type="datetimeFigureOut">
               <a:rPr lang="en-US" smtClean="0"/>
-              <a:t>6/26/2022</a:t>
+              <a:t>4/27/2024</a:t>
             </a:fld>
             <a:endParaRPr lang="en-US"/>
           </a:p>
@@ -1060,7 +1060,7 @@
     </p:spTree>
     <p:extLst>
       <p:ext uri="{BB962C8B-B14F-4D97-AF65-F5344CB8AC3E}">
-        <p14:creationId xmlns:p14="http://schemas.microsoft.com/office/powerpoint/2010/main" val="3037636106"/>
+        <p14:creationId xmlns:p14="http://schemas.microsoft.com/office/powerpoint/2010/main" val="3143787822"/>
       </p:ext>
     </p:extLst>
   </p:cSld>
@@ -1103,7 +1103,7 @@
           <a:lstStyle/>
           <a:p>
             <a:r>
-              <a:rPr lang="es-ES" smtClean="0"/>
+              <a:rPr lang="es-ES"/>
               <a:t>Haga clic para modificar el estilo de título del patrón</a:t>
             </a:r>
             <a:endParaRPr lang="en-US" dirty="0"/>
@@ -1122,8 +1122,8 @@
         </p:nvSpPr>
         <p:spPr>
           <a:xfrm>
-            <a:off x="440601" y="1092417"/>
-            <a:ext cx="2723714" cy="2603752"/>
+            <a:off x="440601" y="479227"/>
+            <a:ext cx="2723714" cy="1142226"/>
           </a:xfrm>
         </p:spPr>
         <p:txBody>
@@ -1132,35 +1132,35 @@
           <a:p>
             <a:pPr lvl="0"/>
             <a:r>
-              <a:rPr lang="es-ES" smtClean="0"/>
-              <a:t>Editar el estilo de texto del patrón</a:t>
+              <a:rPr lang="es-ES"/>
+              <a:t>Haga clic para modificar los estilos de texto del patrón</a:t>
             </a:r>
           </a:p>
           <a:p>
             <a:pPr lvl="1"/>
             <a:r>
-              <a:rPr lang="es-ES" smtClean="0"/>
+              <a:rPr lang="es-ES"/>
               <a:t>Segundo nivel</a:t>
             </a:r>
           </a:p>
           <a:p>
             <a:pPr lvl="2"/>
             <a:r>
-              <a:rPr lang="es-ES" smtClean="0"/>
+              <a:rPr lang="es-ES"/>
               <a:t>Tercer nivel</a:t>
             </a:r>
           </a:p>
           <a:p>
             <a:pPr lvl="3"/>
             <a:r>
-              <a:rPr lang="es-ES" smtClean="0"/>
+              <a:rPr lang="es-ES"/>
               <a:t>Cuarto nivel</a:t>
             </a:r>
           </a:p>
           <a:p>
             <a:pPr lvl="4"/>
             <a:r>
-              <a:rPr lang="es-ES" smtClean="0"/>
+              <a:rPr lang="es-ES"/>
               <a:t>Quinto nivel</a:t>
             </a:r>
             <a:endParaRPr lang="en-US" dirty="0"/>
@@ -1179,8 +1179,8 @@
         </p:nvSpPr>
         <p:spPr>
           <a:xfrm>
-            <a:off x="3244423" y="1092417"/>
-            <a:ext cx="2723714" cy="2603752"/>
+            <a:off x="3244423" y="479227"/>
+            <a:ext cx="2723714" cy="1142226"/>
           </a:xfrm>
         </p:spPr>
         <p:txBody>
@@ -1189,35 +1189,35 @@
           <a:p>
             <a:pPr lvl="0"/>
             <a:r>
-              <a:rPr lang="es-ES" smtClean="0"/>
-              <a:t>Editar el estilo de texto del patrón</a:t>
+              <a:rPr lang="es-ES"/>
+              <a:t>Haga clic para modificar los estilos de texto del patrón</a:t>
             </a:r>
           </a:p>
           <a:p>
             <a:pPr lvl="1"/>
             <a:r>
-              <a:rPr lang="es-ES" smtClean="0"/>
+              <a:rPr lang="es-ES"/>
               <a:t>Segundo nivel</a:t>
             </a:r>
           </a:p>
           <a:p>
             <a:pPr lvl="2"/>
             <a:r>
-              <a:rPr lang="es-ES" smtClean="0"/>
+              <a:rPr lang="es-ES"/>
               <a:t>Tercer nivel</a:t>
             </a:r>
           </a:p>
           <a:p>
             <a:pPr lvl="3"/>
             <a:r>
-              <a:rPr lang="es-ES" smtClean="0"/>
+              <a:rPr lang="es-ES"/>
               <a:t>Cuarto nivel</a:t>
             </a:r>
           </a:p>
           <a:p>
             <a:pPr lvl="4"/>
             <a:r>
-              <a:rPr lang="es-ES" smtClean="0"/>
+              <a:rPr lang="es-ES"/>
               <a:t>Quinto nivel</a:t>
             </a:r>
             <a:endParaRPr lang="en-US" dirty="0"/>
@@ -1241,7 +1241,7 @@
           <a:p>
             <a:fld id="{A1626F8F-BADC-42B5-8999-017B7F317904}" type="datetimeFigureOut">
               <a:rPr lang="en-US" smtClean="0"/>
-              <a:t>6/26/2022</a:t>
+              <a:t>4/27/2024</a:t>
             </a:fld>
             <a:endParaRPr lang="en-US"/>
           </a:p>
@@ -1292,7 +1292,7 @@
     </p:spTree>
     <p:extLst>
       <p:ext uri="{BB962C8B-B14F-4D97-AF65-F5344CB8AC3E}">
-        <p14:creationId xmlns:p14="http://schemas.microsoft.com/office/powerpoint/2010/main" val="3146088577"/>
+        <p14:creationId xmlns:p14="http://schemas.microsoft.com/office/powerpoint/2010/main" val="3902426897"/>
       </p:ext>
     </p:extLst>
   </p:cSld>
@@ -1331,8 +1331,8 @@
         </p:nvSpPr>
         <p:spPr>
           <a:xfrm>
-            <a:off x="441435" y="218484"/>
-            <a:ext cx="5527537" cy="793190"/>
+            <a:off x="441435" y="95846"/>
+            <a:ext cx="5527537" cy="347960"/>
           </a:xfrm>
         </p:spPr>
         <p:txBody>
@@ -1340,7 +1340,7 @@
           <a:lstStyle/>
           <a:p>
             <a:r>
-              <a:rPr lang="es-ES" smtClean="0"/>
+              <a:rPr lang="es-ES"/>
               <a:t>Haga clic para modificar el estilo de título del patrón</a:t>
             </a:r>
             <a:endParaRPr lang="en-US" dirty="0"/>
@@ -1359,8 +1359,8 @@
         </p:nvSpPr>
         <p:spPr>
           <a:xfrm>
-            <a:off x="441436" y="1005974"/>
-            <a:ext cx="2711196" cy="493012"/>
+            <a:off x="441436" y="441305"/>
+            <a:ext cx="2711196" cy="216277"/>
           </a:xfrm>
         </p:spPr>
         <p:txBody>
@@ -1368,46 +1368,46 @@
           <a:lstStyle>
             <a:lvl1pPr marL="0" indent="0">
               <a:buNone/>
-              <a:defRPr sz="1262" b="1"/>
+              <a:defRPr sz="630" b="1"/>
             </a:lvl1pPr>
-            <a:lvl2pPr marL="240350" indent="0">
+            <a:lvl2pPr marL="120015" indent="0">
               <a:buNone/>
-              <a:defRPr sz="1051" b="1"/>
+              <a:defRPr sz="525" b="1"/>
             </a:lvl2pPr>
-            <a:lvl3pPr marL="480700" indent="0">
+            <a:lvl3pPr marL="240030" indent="0">
               <a:buNone/>
-              <a:defRPr sz="946" b="1"/>
+              <a:defRPr sz="472" b="1"/>
             </a:lvl3pPr>
-            <a:lvl4pPr marL="721050" indent="0">
+            <a:lvl4pPr marL="360045" indent="0">
               <a:buNone/>
-              <a:defRPr sz="841" b="1"/>
+              <a:defRPr sz="420" b="1"/>
             </a:lvl4pPr>
-            <a:lvl5pPr marL="961400" indent="0">
+            <a:lvl5pPr marL="480060" indent="0">
               <a:buNone/>
-              <a:defRPr sz="841" b="1"/>
+              <a:defRPr sz="420" b="1"/>
             </a:lvl5pPr>
-            <a:lvl6pPr marL="1201750" indent="0">
+            <a:lvl6pPr marL="600075" indent="0">
               <a:buNone/>
-              <a:defRPr sz="841" b="1"/>
+              <a:defRPr sz="420" b="1"/>
             </a:lvl6pPr>
-            <a:lvl7pPr marL="1442100" indent="0">
+            <a:lvl7pPr marL="720090" indent="0">
               <a:buNone/>
-              <a:defRPr sz="841" b="1"/>
+              <a:defRPr sz="420" b="1"/>
             </a:lvl7pPr>
-            <a:lvl8pPr marL="1682450" indent="0">
+            <a:lvl8pPr marL="840105" indent="0">
               <a:buNone/>
-              <a:defRPr sz="841" b="1"/>
+              <a:defRPr sz="420" b="1"/>
             </a:lvl8pPr>
-            <a:lvl9pPr marL="1922800" indent="0">
+            <a:lvl9pPr marL="960120" indent="0">
               <a:buNone/>
-              <a:defRPr sz="841" b="1"/>
+              <a:defRPr sz="420" b="1"/>
             </a:lvl9pPr>
           </a:lstStyle>
           <a:p>
             <a:pPr lvl="0"/>
             <a:r>
-              <a:rPr lang="es-ES" smtClean="0"/>
-              <a:t>Editar el estilo de texto del patrón</a:t>
+              <a:rPr lang="es-ES"/>
+              <a:t>Haga clic para modificar los estilos de texto del patrón</a:t>
             </a:r>
           </a:p>
         </p:txBody>
@@ -1424,8 +1424,8 @@
         </p:nvSpPr>
         <p:spPr>
           <a:xfrm>
-            <a:off x="441436" y="1498986"/>
-            <a:ext cx="2711196" cy="2204783"/>
+            <a:off x="441436" y="657582"/>
+            <a:ext cx="2711196" cy="967204"/>
           </a:xfrm>
         </p:spPr>
         <p:txBody>
@@ -1434,35 +1434,35 @@
           <a:p>
             <a:pPr lvl="0"/>
             <a:r>
-              <a:rPr lang="es-ES" smtClean="0"/>
-              <a:t>Editar el estilo de texto del patrón</a:t>
+              <a:rPr lang="es-ES"/>
+              <a:t>Haga clic para modificar los estilos de texto del patrón</a:t>
             </a:r>
           </a:p>
           <a:p>
             <a:pPr lvl="1"/>
             <a:r>
-              <a:rPr lang="es-ES" smtClean="0"/>
+              <a:rPr lang="es-ES"/>
               <a:t>Segundo nivel</a:t>
             </a:r>
           </a:p>
           <a:p>
             <a:pPr lvl="2"/>
             <a:r>
-              <a:rPr lang="es-ES" smtClean="0"/>
+              <a:rPr lang="es-ES"/>
               <a:t>Tercer nivel</a:t>
             </a:r>
           </a:p>
           <a:p>
             <a:pPr lvl="3"/>
             <a:r>
-              <a:rPr lang="es-ES" smtClean="0"/>
+              <a:rPr lang="es-ES"/>
               <a:t>Cuarto nivel</a:t>
             </a:r>
           </a:p>
           <a:p>
             <a:pPr lvl="4"/>
             <a:r>
-              <a:rPr lang="es-ES" smtClean="0"/>
+              <a:rPr lang="es-ES"/>
               <a:t>Quinto nivel</a:t>
             </a:r>
             <a:endParaRPr lang="en-US" dirty="0"/>
@@ -1481,8 +1481,8 @@
         </p:nvSpPr>
         <p:spPr>
           <a:xfrm>
-            <a:off x="3244424" y="1005974"/>
-            <a:ext cx="2724548" cy="493012"/>
+            <a:off x="3244424" y="441305"/>
+            <a:ext cx="2724548" cy="216277"/>
           </a:xfrm>
         </p:spPr>
         <p:txBody>
@@ -1490,46 +1490,46 @@
           <a:lstStyle>
             <a:lvl1pPr marL="0" indent="0">
               <a:buNone/>
-              <a:defRPr sz="1262" b="1"/>
+              <a:defRPr sz="630" b="1"/>
             </a:lvl1pPr>
-            <a:lvl2pPr marL="240350" indent="0">
+            <a:lvl2pPr marL="120015" indent="0">
               <a:buNone/>
-              <a:defRPr sz="1051" b="1"/>
+              <a:defRPr sz="525" b="1"/>
             </a:lvl2pPr>
-            <a:lvl3pPr marL="480700" indent="0">
+            <a:lvl3pPr marL="240030" indent="0">
               <a:buNone/>
-              <a:defRPr sz="946" b="1"/>
+              <a:defRPr sz="472" b="1"/>
             </a:lvl3pPr>
-            <a:lvl4pPr marL="721050" indent="0">
+            <a:lvl4pPr marL="360045" indent="0">
               <a:buNone/>
-              <a:defRPr sz="841" b="1"/>
+              <a:defRPr sz="420" b="1"/>
             </a:lvl4pPr>
-            <a:lvl5pPr marL="961400" indent="0">
+            <a:lvl5pPr marL="480060" indent="0">
               <a:buNone/>
-              <a:defRPr sz="841" b="1"/>
+              <a:defRPr sz="420" b="1"/>
             </a:lvl5pPr>
-            <a:lvl6pPr marL="1201750" indent="0">
+            <a:lvl6pPr marL="600075" indent="0">
               <a:buNone/>
-              <a:defRPr sz="841" b="1"/>
+              <a:defRPr sz="420" b="1"/>
             </a:lvl6pPr>
-            <a:lvl7pPr marL="1442100" indent="0">
+            <a:lvl7pPr marL="720090" indent="0">
               <a:buNone/>
-              <a:defRPr sz="841" b="1"/>
+              <a:defRPr sz="420" b="1"/>
             </a:lvl7pPr>
-            <a:lvl8pPr marL="1682450" indent="0">
+            <a:lvl8pPr marL="840105" indent="0">
               <a:buNone/>
-              <a:defRPr sz="841" b="1"/>
+              <a:defRPr sz="420" b="1"/>
             </a:lvl8pPr>
-            <a:lvl9pPr marL="1922800" indent="0">
+            <a:lvl9pPr marL="960120" indent="0">
               <a:buNone/>
-              <a:defRPr sz="841" b="1"/>
+              <a:defRPr sz="420" b="1"/>
             </a:lvl9pPr>
           </a:lstStyle>
           <a:p>
             <a:pPr lvl="0"/>
             <a:r>
-              <a:rPr lang="es-ES" smtClean="0"/>
-              <a:t>Editar el estilo de texto del patrón</a:t>
+              <a:rPr lang="es-ES"/>
+              <a:t>Haga clic para modificar los estilos de texto del patrón</a:t>
             </a:r>
           </a:p>
         </p:txBody>
@@ -1546,8 +1546,8 @@
         </p:nvSpPr>
         <p:spPr>
           <a:xfrm>
-            <a:off x="3244424" y="1498986"/>
-            <a:ext cx="2724548" cy="2204783"/>
+            <a:off x="3244424" y="657582"/>
+            <a:ext cx="2724548" cy="967204"/>
           </a:xfrm>
         </p:spPr>
         <p:txBody>
@@ -1556,35 +1556,35 @@
           <a:p>
             <a:pPr lvl="0"/>
             <a:r>
-              <a:rPr lang="es-ES" smtClean="0"/>
-              <a:t>Editar el estilo de texto del patrón</a:t>
+              <a:rPr lang="es-ES"/>
+              <a:t>Haga clic para modificar los estilos de texto del patrón</a:t>
             </a:r>
           </a:p>
           <a:p>
             <a:pPr lvl="1"/>
             <a:r>
-              <a:rPr lang="es-ES" smtClean="0"/>
+              <a:rPr lang="es-ES"/>
               <a:t>Segundo nivel</a:t>
             </a:r>
           </a:p>
           <a:p>
             <a:pPr lvl="2"/>
             <a:r>
-              <a:rPr lang="es-ES" smtClean="0"/>
+              <a:rPr lang="es-ES"/>
               <a:t>Tercer nivel</a:t>
             </a:r>
           </a:p>
           <a:p>
             <a:pPr lvl="3"/>
             <a:r>
-              <a:rPr lang="es-ES" smtClean="0"/>
+              <a:rPr lang="es-ES"/>
               <a:t>Cuarto nivel</a:t>
             </a:r>
           </a:p>
           <a:p>
             <a:pPr lvl="4"/>
             <a:r>
-              <a:rPr lang="es-ES" smtClean="0"/>
+              <a:rPr lang="es-ES"/>
               <a:t>Quinto nivel</a:t>
             </a:r>
             <a:endParaRPr lang="en-US" dirty="0"/>
@@ -1608,7 +1608,7 @@
           <a:p>
             <a:fld id="{A1626F8F-BADC-42B5-8999-017B7F317904}" type="datetimeFigureOut">
               <a:rPr lang="en-US" smtClean="0"/>
-              <a:t>6/26/2022</a:t>
+              <a:t>4/27/2024</a:t>
             </a:fld>
             <a:endParaRPr lang="en-US"/>
           </a:p>
@@ -1659,7 +1659,7 @@
     </p:spTree>
     <p:extLst>
       <p:ext uri="{BB962C8B-B14F-4D97-AF65-F5344CB8AC3E}">
-        <p14:creationId xmlns:p14="http://schemas.microsoft.com/office/powerpoint/2010/main" val="526542639"/>
+        <p14:creationId xmlns:p14="http://schemas.microsoft.com/office/powerpoint/2010/main" val="3786082688"/>
       </p:ext>
     </p:extLst>
   </p:cSld>
@@ -1702,7 +1702,7 @@
           <a:lstStyle/>
           <a:p>
             <a:r>
-              <a:rPr lang="es-ES" smtClean="0"/>
+              <a:rPr lang="es-ES"/>
               <a:t>Haga clic para modificar el estilo de título del patrón</a:t>
             </a:r>
             <a:endParaRPr lang="en-US" dirty="0"/>
@@ -1726,7 +1726,7 @@
           <a:p>
             <a:fld id="{A1626F8F-BADC-42B5-8999-017B7F317904}" type="datetimeFigureOut">
               <a:rPr lang="en-US" smtClean="0"/>
-              <a:t>6/26/2022</a:t>
+              <a:t>4/27/2024</a:t>
             </a:fld>
             <a:endParaRPr lang="en-US"/>
           </a:p>
@@ -1777,7 +1777,7 @@
     </p:spTree>
     <p:extLst>
       <p:ext uri="{BB962C8B-B14F-4D97-AF65-F5344CB8AC3E}">
-        <p14:creationId xmlns:p14="http://schemas.microsoft.com/office/powerpoint/2010/main" val="1193585261"/>
+        <p14:creationId xmlns:p14="http://schemas.microsoft.com/office/powerpoint/2010/main" val="3070956410"/>
       </p:ext>
     </p:extLst>
   </p:cSld>
@@ -1821,7 +1821,7 @@
           <a:p>
             <a:fld id="{A1626F8F-BADC-42B5-8999-017B7F317904}" type="datetimeFigureOut">
               <a:rPr lang="en-US" smtClean="0"/>
-              <a:t>6/26/2022</a:t>
+              <a:t>4/27/2024</a:t>
             </a:fld>
             <a:endParaRPr lang="en-US"/>
           </a:p>
@@ -1872,7 +1872,7 @@
     </p:spTree>
     <p:extLst>
       <p:ext uri="{BB962C8B-B14F-4D97-AF65-F5344CB8AC3E}">
-        <p14:creationId xmlns:p14="http://schemas.microsoft.com/office/powerpoint/2010/main" val="1881233403"/>
+        <p14:creationId xmlns:p14="http://schemas.microsoft.com/office/powerpoint/2010/main" val="1426209669"/>
       </p:ext>
     </p:extLst>
   </p:cSld>
@@ -1911,20 +1911,20 @@
         </p:nvSpPr>
         <p:spPr>
           <a:xfrm>
-            <a:off x="441436" y="273579"/>
-            <a:ext cx="2066985" cy="957527"/>
+            <a:off x="441436" y="120015"/>
+            <a:ext cx="2066985" cy="420053"/>
           </a:xfrm>
         </p:spPr>
         <p:txBody>
           <a:bodyPr anchor="b"/>
           <a:lstStyle>
             <a:lvl1pPr>
-              <a:defRPr sz="1682"/>
+              <a:defRPr sz="840"/>
             </a:lvl1pPr>
           </a:lstStyle>
           <a:p>
             <a:r>
-              <a:rPr lang="es-ES" smtClean="0"/>
+              <a:rPr lang="es-ES"/>
               <a:t>Haga clic para modificar el estilo de título del patrón</a:t>
             </a:r>
             <a:endParaRPr lang="en-US" dirty="0"/>
@@ -1943,73 +1943,73 @@
         </p:nvSpPr>
         <p:spPr>
           <a:xfrm>
-            <a:off x="2724548" y="590856"/>
-            <a:ext cx="3244424" cy="2916278"/>
+            <a:off x="2724548" y="259199"/>
+            <a:ext cx="3244424" cy="1279327"/>
           </a:xfrm>
         </p:spPr>
         <p:txBody>
           <a:bodyPr/>
           <a:lstStyle>
             <a:lvl1pPr>
-              <a:defRPr sz="1682"/>
+              <a:defRPr sz="840"/>
             </a:lvl1pPr>
             <a:lvl2pPr>
-              <a:defRPr sz="1472"/>
+              <a:defRPr sz="735"/>
             </a:lvl2pPr>
             <a:lvl3pPr>
-              <a:defRPr sz="1262"/>
+              <a:defRPr sz="630"/>
             </a:lvl3pPr>
             <a:lvl4pPr>
-              <a:defRPr sz="1051"/>
+              <a:defRPr sz="525"/>
             </a:lvl4pPr>
             <a:lvl5pPr>
-              <a:defRPr sz="1051"/>
+              <a:defRPr sz="525"/>
             </a:lvl5pPr>
             <a:lvl6pPr>
-              <a:defRPr sz="1051"/>
+              <a:defRPr sz="525"/>
             </a:lvl6pPr>
             <a:lvl7pPr>
-              <a:defRPr sz="1051"/>
+              <a:defRPr sz="525"/>
             </a:lvl7pPr>
             <a:lvl8pPr>
-              <a:defRPr sz="1051"/>
+              <a:defRPr sz="525"/>
             </a:lvl8pPr>
             <a:lvl9pPr>
-              <a:defRPr sz="1051"/>
+              <a:defRPr sz="525"/>
             </a:lvl9pPr>
           </a:lstStyle>
           <a:p>
             <a:pPr lvl="0"/>
             <a:r>
-              <a:rPr lang="es-ES" smtClean="0"/>
-              <a:t>Editar el estilo de texto del patrón</a:t>
+              <a:rPr lang="es-ES"/>
+              <a:t>Haga clic para modificar los estilos de texto del patrón</a:t>
             </a:r>
           </a:p>
           <a:p>
             <a:pPr lvl="1"/>
             <a:r>
-              <a:rPr lang="es-ES" smtClean="0"/>
+              <a:rPr lang="es-ES"/>
               <a:t>Segundo nivel</a:t>
             </a:r>
           </a:p>
           <a:p>
             <a:pPr lvl="2"/>
             <a:r>
-              <a:rPr lang="es-ES" smtClean="0"/>
+              <a:rPr lang="es-ES"/>
               <a:t>Tercer nivel</a:t>
             </a:r>
           </a:p>
           <a:p>
             <a:pPr lvl="3"/>
             <a:r>
-              <a:rPr lang="es-ES" smtClean="0"/>
+              <a:rPr lang="es-ES"/>
               <a:t>Cuarto nivel</a:t>
             </a:r>
           </a:p>
           <a:p>
             <a:pPr lvl="4"/>
             <a:r>
-              <a:rPr lang="es-ES" smtClean="0"/>
+              <a:rPr lang="es-ES"/>
               <a:t>Quinto nivel</a:t>
             </a:r>
             <a:endParaRPr lang="en-US" dirty="0"/>
@@ -2028,8 +2028,8 @@
         </p:nvSpPr>
         <p:spPr>
           <a:xfrm>
-            <a:off x="441436" y="1231106"/>
-            <a:ext cx="2066985" cy="2280777"/>
+            <a:off x="441436" y="540067"/>
+            <a:ext cx="2066985" cy="1000542"/>
           </a:xfrm>
         </p:spPr>
         <p:txBody>
@@ -2037,46 +2037,46 @@
           <a:lstStyle>
             <a:lvl1pPr marL="0" indent="0">
               <a:buNone/>
-              <a:defRPr sz="841"/>
+              <a:defRPr sz="420"/>
             </a:lvl1pPr>
-            <a:lvl2pPr marL="240350" indent="0">
+            <a:lvl2pPr marL="120015" indent="0">
               <a:buNone/>
-              <a:defRPr sz="736"/>
+              <a:defRPr sz="368"/>
             </a:lvl2pPr>
-            <a:lvl3pPr marL="480700" indent="0">
+            <a:lvl3pPr marL="240030" indent="0">
               <a:buNone/>
-              <a:defRPr sz="631"/>
+              <a:defRPr sz="315"/>
             </a:lvl3pPr>
-            <a:lvl4pPr marL="721050" indent="0">
+            <a:lvl4pPr marL="360045" indent="0">
               <a:buNone/>
-              <a:defRPr sz="526"/>
+              <a:defRPr sz="263"/>
             </a:lvl4pPr>
-            <a:lvl5pPr marL="961400" indent="0">
+            <a:lvl5pPr marL="480060" indent="0">
               <a:buNone/>
-              <a:defRPr sz="526"/>
+              <a:defRPr sz="263"/>
             </a:lvl5pPr>
-            <a:lvl6pPr marL="1201750" indent="0">
+            <a:lvl6pPr marL="600075" indent="0">
               <a:buNone/>
-              <a:defRPr sz="526"/>
+              <a:defRPr sz="263"/>
             </a:lvl6pPr>
-            <a:lvl7pPr marL="1442100" indent="0">
+            <a:lvl7pPr marL="720090" indent="0">
               <a:buNone/>
-              <a:defRPr sz="526"/>
+              <a:defRPr sz="263"/>
             </a:lvl7pPr>
-            <a:lvl8pPr marL="1682450" indent="0">
+            <a:lvl8pPr marL="840105" indent="0">
               <a:buNone/>
-              <a:defRPr sz="526"/>
+              <a:defRPr sz="263"/>
             </a:lvl8pPr>
-            <a:lvl9pPr marL="1922800" indent="0">
+            <a:lvl9pPr marL="960120" indent="0">
               <a:buNone/>
-              <a:defRPr sz="526"/>
+              <a:defRPr sz="263"/>
             </a:lvl9pPr>
           </a:lstStyle>
           <a:p>
             <a:pPr lvl="0"/>
             <a:r>
-              <a:rPr lang="es-ES" smtClean="0"/>
-              <a:t>Editar el estilo de texto del patrón</a:t>
+              <a:rPr lang="es-ES"/>
+              <a:t>Haga clic para modificar los estilos de texto del patrón</a:t>
             </a:r>
           </a:p>
         </p:txBody>
@@ -2098,7 +2098,7 @@
           <a:p>
             <a:fld id="{A1626F8F-BADC-42B5-8999-017B7F317904}" type="datetimeFigureOut">
               <a:rPr lang="en-US" smtClean="0"/>
-              <a:t>6/26/2022</a:t>
+              <a:t>4/27/2024</a:t>
             </a:fld>
             <a:endParaRPr lang="en-US"/>
           </a:p>
@@ -2149,7 +2149,7 @@
     </p:spTree>
     <p:extLst>
       <p:ext uri="{BB962C8B-B14F-4D97-AF65-F5344CB8AC3E}">
-        <p14:creationId xmlns:p14="http://schemas.microsoft.com/office/powerpoint/2010/main" val="312306723"/>
+        <p14:creationId xmlns:p14="http://schemas.microsoft.com/office/powerpoint/2010/main" val="3994648040"/>
       </p:ext>
     </p:extLst>
   </p:cSld>
@@ -2188,20 +2188,20 @@
         </p:nvSpPr>
         <p:spPr>
           <a:xfrm>
-            <a:off x="441436" y="273579"/>
-            <a:ext cx="2066985" cy="957527"/>
+            <a:off x="441436" y="120015"/>
+            <a:ext cx="2066985" cy="420053"/>
           </a:xfrm>
         </p:spPr>
         <p:txBody>
           <a:bodyPr anchor="b"/>
           <a:lstStyle>
             <a:lvl1pPr>
-              <a:defRPr sz="1682"/>
+              <a:defRPr sz="840"/>
             </a:lvl1pPr>
           </a:lstStyle>
           <a:p>
             <a:r>
-              <a:rPr lang="es-ES" smtClean="0"/>
+              <a:rPr lang="es-ES"/>
               <a:t>Haga clic para modificar el estilo de título del patrón</a:t>
             </a:r>
             <a:endParaRPr lang="en-US" dirty="0"/>
@@ -2220,8 +2220,8 @@
         </p:nvSpPr>
         <p:spPr>
           <a:xfrm>
-            <a:off x="2724548" y="590856"/>
-            <a:ext cx="3244424" cy="2916278"/>
+            <a:off x="2724548" y="259199"/>
+            <a:ext cx="3244424" cy="1279327"/>
           </a:xfrm>
         </p:spPr>
         <p:txBody>
@@ -2229,44 +2229,44 @@
           <a:lstStyle>
             <a:lvl1pPr marL="0" indent="0">
               <a:buNone/>
-              <a:defRPr sz="1682"/>
+              <a:defRPr sz="840"/>
             </a:lvl1pPr>
-            <a:lvl2pPr marL="240350" indent="0">
+            <a:lvl2pPr marL="120015" indent="0">
               <a:buNone/>
-              <a:defRPr sz="1472"/>
+              <a:defRPr sz="735"/>
             </a:lvl2pPr>
-            <a:lvl3pPr marL="480700" indent="0">
+            <a:lvl3pPr marL="240030" indent="0">
               <a:buNone/>
-              <a:defRPr sz="1262"/>
+              <a:defRPr sz="630"/>
             </a:lvl3pPr>
-            <a:lvl4pPr marL="721050" indent="0">
+            <a:lvl4pPr marL="360045" indent="0">
               <a:buNone/>
-              <a:defRPr sz="1051"/>
+              <a:defRPr sz="525"/>
             </a:lvl4pPr>
-            <a:lvl5pPr marL="961400" indent="0">
+            <a:lvl5pPr marL="480060" indent="0">
               <a:buNone/>
-              <a:defRPr sz="1051"/>
+              <a:defRPr sz="525"/>
             </a:lvl5pPr>
-            <a:lvl6pPr marL="1201750" indent="0">
+            <a:lvl6pPr marL="600075" indent="0">
               <a:buNone/>
-              <a:defRPr sz="1051"/>
+              <a:defRPr sz="525"/>
             </a:lvl6pPr>
-            <a:lvl7pPr marL="1442100" indent="0">
+            <a:lvl7pPr marL="720090" indent="0">
               <a:buNone/>
-              <a:defRPr sz="1051"/>
+              <a:defRPr sz="525"/>
             </a:lvl7pPr>
-            <a:lvl8pPr marL="1682450" indent="0">
+            <a:lvl8pPr marL="840105" indent="0">
               <a:buNone/>
-              <a:defRPr sz="1051"/>
+              <a:defRPr sz="525"/>
             </a:lvl8pPr>
-            <a:lvl9pPr marL="1922800" indent="0">
+            <a:lvl9pPr marL="960120" indent="0">
               <a:buNone/>
-              <a:defRPr sz="1051"/>
+              <a:defRPr sz="525"/>
             </a:lvl9pPr>
           </a:lstStyle>
           <a:p>
             <a:r>
-              <a:rPr lang="es-ES" smtClean="0"/>
+              <a:rPr lang="es-ES"/>
               <a:t>Haga clic en el icono para agregar una imagen</a:t>
             </a:r>
             <a:endParaRPr lang="en-US" dirty="0"/>
@@ -2285,8 +2285,8 @@
         </p:nvSpPr>
         <p:spPr>
           <a:xfrm>
-            <a:off x="441436" y="1231106"/>
-            <a:ext cx="2066985" cy="2280777"/>
+            <a:off x="441436" y="540067"/>
+            <a:ext cx="2066985" cy="1000542"/>
           </a:xfrm>
         </p:spPr>
         <p:txBody>
@@ -2294,46 +2294,46 @@
           <a:lstStyle>
             <a:lvl1pPr marL="0" indent="0">
               <a:buNone/>
-              <a:defRPr sz="841"/>
+              <a:defRPr sz="420"/>
             </a:lvl1pPr>
-            <a:lvl2pPr marL="240350" indent="0">
+            <a:lvl2pPr marL="120015" indent="0">
               <a:buNone/>
-              <a:defRPr sz="736"/>
+              <a:defRPr sz="368"/>
             </a:lvl2pPr>
-            <a:lvl3pPr marL="480700" indent="0">
+            <a:lvl3pPr marL="240030" indent="0">
               <a:buNone/>
-              <a:defRPr sz="631"/>
+              <a:defRPr sz="315"/>
             </a:lvl3pPr>
-            <a:lvl4pPr marL="721050" indent="0">
+            <a:lvl4pPr marL="360045" indent="0">
               <a:buNone/>
-              <a:defRPr sz="526"/>
+              <a:defRPr sz="263"/>
             </a:lvl4pPr>
-            <a:lvl5pPr marL="961400" indent="0">
+            <a:lvl5pPr marL="480060" indent="0">
               <a:buNone/>
-              <a:defRPr sz="526"/>
+              <a:defRPr sz="263"/>
             </a:lvl5pPr>
-            <a:lvl6pPr marL="1201750" indent="0">
+            <a:lvl6pPr marL="600075" indent="0">
               <a:buNone/>
-              <a:defRPr sz="526"/>
+              <a:defRPr sz="263"/>
             </a:lvl6pPr>
-            <a:lvl7pPr marL="1442100" indent="0">
+            <a:lvl7pPr marL="720090" indent="0">
               <a:buNone/>
-              <a:defRPr sz="526"/>
+              <a:defRPr sz="263"/>
             </a:lvl7pPr>
-            <a:lvl8pPr marL="1682450" indent="0">
+            <a:lvl8pPr marL="840105" indent="0">
               <a:buNone/>
-              <a:defRPr sz="526"/>
+              <a:defRPr sz="263"/>
             </a:lvl8pPr>
-            <a:lvl9pPr marL="1922800" indent="0">
+            <a:lvl9pPr marL="960120" indent="0">
               <a:buNone/>
-              <a:defRPr sz="526"/>
+              <a:defRPr sz="263"/>
             </a:lvl9pPr>
           </a:lstStyle>
           <a:p>
             <a:pPr lvl="0"/>
             <a:r>
-              <a:rPr lang="es-ES" smtClean="0"/>
-              <a:t>Editar el estilo de texto del patrón</a:t>
+              <a:rPr lang="es-ES"/>
+              <a:t>Haga clic para modificar los estilos de texto del patrón</a:t>
             </a:r>
           </a:p>
         </p:txBody>
@@ -2355,7 +2355,7 @@
           <a:p>
             <a:fld id="{A1626F8F-BADC-42B5-8999-017B7F317904}" type="datetimeFigureOut">
               <a:rPr lang="en-US" smtClean="0"/>
-              <a:t>6/26/2022</a:t>
+              <a:t>4/27/2024</a:t>
             </a:fld>
             <a:endParaRPr lang="en-US"/>
           </a:p>
@@ -2406,7 +2406,7 @@
     </p:spTree>
     <p:extLst>
       <p:ext uri="{BB962C8B-B14F-4D97-AF65-F5344CB8AC3E}">
-        <p14:creationId xmlns:p14="http://schemas.microsoft.com/office/powerpoint/2010/main" val="2735738534"/>
+        <p14:creationId xmlns:p14="http://schemas.microsoft.com/office/powerpoint/2010/main" val="2513305525"/>
       </p:ext>
     </p:extLst>
   </p:cSld>
@@ -2450,8 +2450,8 @@
         </p:nvSpPr>
         <p:spPr>
           <a:xfrm>
-            <a:off x="440601" y="218484"/>
-            <a:ext cx="5527537" cy="793190"/>
+            <a:off x="440601" y="95846"/>
+            <a:ext cx="5527537" cy="347960"/>
           </a:xfrm>
           <a:prstGeom prst="rect">
             <a:avLst/>
@@ -2464,7 +2464,7 @@
           <a:lstStyle/>
           <a:p>
             <a:r>
-              <a:rPr lang="es-ES" smtClean="0"/>
+              <a:rPr lang="es-ES"/>
               <a:t>Haga clic para modificar el estilo de título del patrón</a:t>
             </a:r>
             <a:endParaRPr lang="en-US" dirty="0"/>
@@ -2483,8 +2483,8 @@
         </p:nvSpPr>
         <p:spPr>
           <a:xfrm>
-            <a:off x="440601" y="1092417"/>
-            <a:ext cx="5527537" cy="2603752"/>
+            <a:off x="440601" y="479227"/>
+            <a:ext cx="5527537" cy="1142226"/>
           </a:xfrm>
           <a:prstGeom prst="rect">
             <a:avLst/>
@@ -2498,35 +2498,35 @@
           <a:p>
             <a:pPr lvl="0"/>
             <a:r>
-              <a:rPr lang="es-ES" smtClean="0"/>
-              <a:t>Editar el estilo de texto del patrón</a:t>
+              <a:rPr lang="es-ES"/>
+              <a:t>Haga clic para modificar los estilos de texto del patrón</a:t>
             </a:r>
           </a:p>
           <a:p>
             <a:pPr lvl="1"/>
             <a:r>
-              <a:rPr lang="es-ES" smtClean="0"/>
+              <a:rPr lang="es-ES"/>
               <a:t>Segundo nivel</a:t>
             </a:r>
           </a:p>
           <a:p>
             <a:pPr lvl="2"/>
             <a:r>
-              <a:rPr lang="es-ES" smtClean="0"/>
+              <a:rPr lang="es-ES"/>
               <a:t>Tercer nivel</a:t>
             </a:r>
           </a:p>
           <a:p>
             <a:pPr lvl="3"/>
             <a:r>
-              <a:rPr lang="es-ES" smtClean="0"/>
+              <a:rPr lang="es-ES"/>
               <a:t>Cuarto nivel</a:t>
             </a:r>
           </a:p>
           <a:p>
             <a:pPr lvl="4"/>
             <a:r>
-              <a:rPr lang="es-ES" smtClean="0"/>
+              <a:rPr lang="es-ES"/>
               <a:t>Quinto nivel</a:t>
             </a:r>
             <a:endParaRPr lang="en-US" dirty="0"/>
@@ -2545,8 +2545,8 @@
         </p:nvSpPr>
         <p:spPr>
           <a:xfrm>
-            <a:off x="440601" y="3803511"/>
-            <a:ext cx="1441966" cy="218483"/>
+            <a:off x="440601" y="1668542"/>
+            <a:ext cx="1441966" cy="95845"/>
           </a:xfrm>
           <a:prstGeom prst="rect">
             <a:avLst/>
@@ -2556,7 +2556,7 @@
           <a:bodyPr vert="horz" lIns="91440" tIns="45720" rIns="91440" bIns="45720" rtlCol="0" anchor="ctr"/>
           <a:lstStyle>
             <a:lvl1pPr algn="l">
-              <a:defRPr sz="631">
+              <a:defRPr sz="315">
                 <a:solidFill>
                   <a:schemeClr val="tx1">
                     <a:tint val="75000"/>
@@ -2568,7 +2568,7 @@
           <a:p>
             <a:fld id="{A1626F8F-BADC-42B5-8999-017B7F317904}" type="datetimeFigureOut">
               <a:rPr lang="en-US" smtClean="0"/>
-              <a:t>6/26/2022</a:t>
+              <a:t>4/27/2024</a:t>
             </a:fld>
             <a:endParaRPr lang="en-US"/>
           </a:p>
@@ -2586,8 +2586,8 @@
         </p:nvSpPr>
         <p:spPr>
           <a:xfrm>
-            <a:off x="2122895" y="3803511"/>
-            <a:ext cx="2162949" cy="218483"/>
+            <a:off x="2122895" y="1668542"/>
+            <a:ext cx="2162949" cy="95845"/>
           </a:xfrm>
           <a:prstGeom prst="rect">
             <a:avLst/>
@@ -2597,7 +2597,7 @@
           <a:bodyPr vert="horz" lIns="91440" tIns="45720" rIns="91440" bIns="45720" rtlCol="0" anchor="ctr"/>
           <a:lstStyle>
             <a:lvl1pPr algn="ctr">
-              <a:defRPr sz="631">
+              <a:defRPr sz="315">
                 <a:solidFill>
                   <a:schemeClr val="tx1">
                     <a:tint val="75000"/>
@@ -2623,8 +2623,8 @@
         </p:nvSpPr>
         <p:spPr>
           <a:xfrm>
-            <a:off x="4526171" y="3803511"/>
-            <a:ext cx="1441966" cy="218483"/>
+            <a:off x="4526171" y="1668542"/>
+            <a:ext cx="1441966" cy="95845"/>
           </a:xfrm>
           <a:prstGeom prst="rect">
             <a:avLst/>
@@ -2634,7 +2634,7 @@
           <a:bodyPr vert="horz" lIns="91440" tIns="45720" rIns="91440" bIns="45720" rtlCol="0" anchor="ctr"/>
           <a:lstStyle>
             <a:lvl1pPr algn="r">
-              <a:defRPr sz="631">
+              <a:defRPr sz="315">
                 <a:solidFill>
                   <a:schemeClr val="tx1">
                     <a:tint val="75000"/>
@@ -2655,7 +2655,7 @@
     </p:spTree>
     <p:extLst>
       <p:ext uri="{BB962C8B-B14F-4D97-AF65-F5344CB8AC3E}">
-        <p14:creationId xmlns:p14="http://schemas.microsoft.com/office/powerpoint/2010/main" val="89541601"/>
+        <p14:creationId xmlns:p14="http://schemas.microsoft.com/office/powerpoint/2010/main" val="4180399713"/>
       </p:ext>
     </p:extLst>
   </p:cSld>
@@ -2675,7 +2675,7 @@
   </p:sldLayoutIdLst>
   <p:txStyles>
     <p:titleStyle>
-      <a:lvl1pPr algn="l" defTabSz="480700" rtl="0" eaLnBrk="1" latinLnBrk="0" hangingPunct="1">
+      <a:lvl1pPr algn="l" defTabSz="240030" rtl="0" eaLnBrk="1" latinLnBrk="0" hangingPunct="1">
         <a:lnSpc>
           <a:spcPct val="90000"/>
         </a:lnSpc>
@@ -2683,7 +2683,7 @@
           <a:spcPct val="0"/>
         </a:spcBef>
         <a:buNone/>
-        <a:defRPr sz="2313" kern="1200">
+        <a:defRPr sz="1155" kern="1200">
           <a:solidFill>
             <a:schemeClr val="tx1"/>
           </a:solidFill>
@@ -2694,16 +2694,16 @@
       </a:lvl1pPr>
     </p:titleStyle>
     <p:bodyStyle>
-      <a:lvl1pPr marL="120175" indent="-120175" algn="l" defTabSz="480700" rtl="0" eaLnBrk="1" latinLnBrk="0" hangingPunct="1">
+      <a:lvl1pPr marL="60008" indent="-60008" algn="l" defTabSz="240030" rtl="0" eaLnBrk="1" latinLnBrk="0" hangingPunct="1">
         <a:lnSpc>
           <a:spcPct val="90000"/>
         </a:lnSpc>
         <a:spcBef>
-          <a:spcPts val="526"/>
+          <a:spcPts val="263"/>
         </a:spcBef>
         <a:buFont typeface="Arial" panose="020B0604020202020204" pitchFamily="34" charset="0"/>
         <a:buChar char="•"/>
-        <a:defRPr sz="1472" kern="1200">
+        <a:defRPr sz="735" kern="1200">
           <a:solidFill>
             <a:schemeClr val="tx1"/>
           </a:solidFill>
@@ -2712,16 +2712,16 @@
           <a:cs typeface="+mn-cs"/>
         </a:defRPr>
       </a:lvl1pPr>
-      <a:lvl2pPr marL="360525" indent="-120175" algn="l" defTabSz="480700" rtl="0" eaLnBrk="1" latinLnBrk="0" hangingPunct="1">
+      <a:lvl2pPr marL="180023" indent="-60008" algn="l" defTabSz="240030" rtl="0" eaLnBrk="1" latinLnBrk="0" hangingPunct="1">
         <a:lnSpc>
           <a:spcPct val="90000"/>
         </a:lnSpc>
         <a:spcBef>
-          <a:spcPts val="263"/>
+          <a:spcPts val="131"/>
         </a:spcBef>
         <a:buFont typeface="Arial" panose="020B0604020202020204" pitchFamily="34" charset="0"/>
         <a:buChar char="•"/>
-        <a:defRPr sz="1262" kern="1200">
+        <a:defRPr sz="630" kern="1200">
           <a:solidFill>
             <a:schemeClr val="tx1"/>
           </a:solidFill>
@@ -2730,16 +2730,16 @@
           <a:cs typeface="+mn-cs"/>
         </a:defRPr>
       </a:lvl2pPr>
-      <a:lvl3pPr marL="600875" indent="-120175" algn="l" defTabSz="480700" rtl="0" eaLnBrk="1" latinLnBrk="0" hangingPunct="1">
+      <a:lvl3pPr marL="300038" indent="-60008" algn="l" defTabSz="240030" rtl="0" eaLnBrk="1" latinLnBrk="0" hangingPunct="1">
         <a:lnSpc>
           <a:spcPct val="90000"/>
         </a:lnSpc>
         <a:spcBef>
-          <a:spcPts val="263"/>
+          <a:spcPts val="131"/>
         </a:spcBef>
         <a:buFont typeface="Arial" panose="020B0604020202020204" pitchFamily="34" charset="0"/>
         <a:buChar char="•"/>
-        <a:defRPr sz="1051" kern="1200">
+        <a:defRPr sz="525" kern="1200">
           <a:solidFill>
             <a:schemeClr val="tx1"/>
           </a:solidFill>
@@ -2748,16 +2748,16 @@
           <a:cs typeface="+mn-cs"/>
         </a:defRPr>
       </a:lvl3pPr>
-      <a:lvl4pPr marL="841225" indent="-120175" algn="l" defTabSz="480700" rtl="0" eaLnBrk="1" latinLnBrk="0" hangingPunct="1">
+      <a:lvl4pPr marL="420053" indent="-60008" algn="l" defTabSz="240030" rtl="0" eaLnBrk="1" latinLnBrk="0" hangingPunct="1">
         <a:lnSpc>
           <a:spcPct val="90000"/>
         </a:lnSpc>
         <a:spcBef>
-          <a:spcPts val="263"/>
+          <a:spcPts val="131"/>
         </a:spcBef>
         <a:buFont typeface="Arial" panose="020B0604020202020204" pitchFamily="34" charset="0"/>
         <a:buChar char="•"/>
-        <a:defRPr sz="946" kern="1200">
+        <a:defRPr sz="472" kern="1200">
           <a:solidFill>
             <a:schemeClr val="tx1"/>
           </a:solidFill>
@@ -2766,16 +2766,16 @@
           <a:cs typeface="+mn-cs"/>
         </a:defRPr>
       </a:lvl4pPr>
-      <a:lvl5pPr marL="1081575" indent="-120175" algn="l" defTabSz="480700" rtl="0" eaLnBrk="1" latinLnBrk="0" hangingPunct="1">
+      <a:lvl5pPr marL="540068" indent="-60008" algn="l" defTabSz="240030" rtl="0" eaLnBrk="1" latinLnBrk="0" hangingPunct="1">
         <a:lnSpc>
           <a:spcPct val="90000"/>
         </a:lnSpc>
         <a:spcBef>
-          <a:spcPts val="263"/>
+          <a:spcPts val="131"/>
         </a:spcBef>
         <a:buFont typeface="Arial" panose="020B0604020202020204" pitchFamily="34" charset="0"/>
         <a:buChar char="•"/>
-        <a:defRPr sz="946" kern="1200">
+        <a:defRPr sz="472" kern="1200">
           <a:solidFill>
             <a:schemeClr val="tx1"/>
           </a:solidFill>
@@ -2784,16 +2784,16 @@
           <a:cs typeface="+mn-cs"/>
         </a:defRPr>
       </a:lvl5pPr>
-      <a:lvl6pPr marL="1321925" indent="-120175" algn="l" defTabSz="480700" rtl="0" eaLnBrk="1" latinLnBrk="0" hangingPunct="1">
+      <a:lvl6pPr marL="660083" indent="-60008" algn="l" defTabSz="240030" rtl="0" eaLnBrk="1" latinLnBrk="0" hangingPunct="1">
         <a:lnSpc>
           <a:spcPct val="90000"/>
         </a:lnSpc>
         <a:spcBef>
-          <a:spcPts val="263"/>
+          <a:spcPts val="131"/>
         </a:spcBef>
         <a:buFont typeface="Arial" panose="020B0604020202020204" pitchFamily="34" charset="0"/>
         <a:buChar char="•"/>
-        <a:defRPr sz="946" kern="1200">
+        <a:defRPr sz="472" kern="1200">
           <a:solidFill>
             <a:schemeClr val="tx1"/>
           </a:solidFill>
@@ -2802,16 +2802,16 @@
           <a:cs typeface="+mn-cs"/>
         </a:defRPr>
       </a:lvl6pPr>
-      <a:lvl7pPr marL="1562275" indent="-120175" algn="l" defTabSz="480700" rtl="0" eaLnBrk="1" latinLnBrk="0" hangingPunct="1">
+      <a:lvl7pPr marL="780098" indent="-60008" algn="l" defTabSz="240030" rtl="0" eaLnBrk="1" latinLnBrk="0" hangingPunct="1">
         <a:lnSpc>
           <a:spcPct val="90000"/>
         </a:lnSpc>
         <a:spcBef>
-          <a:spcPts val="263"/>
+          <a:spcPts val="131"/>
         </a:spcBef>
         <a:buFont typeface="Arial" panose="020B0604020202020204" pitchFamily="34" charset="0"/>
         <a:buChar char="•"/>
-        <a:defRPr sz="946" kern="1200">
+        <a:defRPr sz="472" kern="1200">
           <a:solidFill>
             <a:schemeClr val="tx1"/>
           </a:solidFill>
@@ -2820,16 +2820,16 @@
           <a:cs typeface="+mn-cs"/>
         </a:defRPr>
       </a:lvl7pPr>
-      <a:lvl8pPr marL="1802625" indent="-120175" algn="l" defTabSz="480700" rtl="0" eaLnBrk="1" latinLnBrk="0" hangingPunct="1">
+      <a:lvl8pPr marL="900113" indent="-60008" algn="l" defTabSz="240030" rtl="0" eaLnBrk="1" latinLnBrk="0" hangingPunct="1">
         <a:lnSpc>
           <a:spcPct val="90000"/>
         </a:lnSpc>
         <a:spcBef>
-          <a:spcPts val="263"/>
+          <a:spcPts val="131"/>
         </a:spcBef>
         <a:buFont typeface="Arial" panose="020B0604020202020204" pitchFamily="34" charset="0"/>
         <a:buChar char="•"/>
-        <a:defRPr sz="946" kern="1200">
+        <a:defRPr sz="472" kern="1200">
           <a:solidFill>
             <a:schemeClr val="tx1"/>
           </a:solidFill>
@@ -2838,16 +2838,16 @@
           <a:cs typeface="+mn-cs"/>
         </a:defRPr>
       </a:lvl8pPr>
-      <a:lvl9pPr marL="2042975" indent="-120175" algn="l" defTabSz="480700" rtl="0" eaLnBrk="1" latinLnBrk="0" hangingPunct="1">
+      <a:lvl9pPr marL="1020128" indent="-60008" algn="l" defTabSz="240030" rtl="0" eaLnBrk="1" latinLnBrk="0" hangingPunct="1">
         <a:lnSpc>
           <a:spcPct val="90000"/>
         </a:lnSpc>
         <a:spcBef>
-          <a:spcPts val="263"/>
+          <a:spcPts val="131"/>
         </a:spcBef>
         <a:buFont typeface="Arial" panose="020B0604020202020204" pitchFamily="34" charset="0"/>
         <a:buChar char="•"/>
-        <a:defRPr sz="946" kern="1200">
+        <a:defRPr sz="472" kern="1200">
           <a:solidFill>
             <a:schemeClr val="tx1"/>
           </a:solidFill>
@@ -2861,8 +2861,8 @@
       <a:defPPr>
         <a:defRPr lang="en-US"/>
       </a:defPPr>
-      <a:lvl1pPr marL="0" algn="l" defTabSz="480700" rtl="0" eaLnBrk="1" latinLnBrk="0" hangingPunct="1">
-        <a:defRPr sz="946" kern="1200">
+      <a:lvl1pPr marL="0" algn="l" defTabSz="240030" rtl="0" eaLnBrk="1" latinLnBrk="0" hangingPunct="1">
+        <a:defRPr sz="472" kern="1200">
           <a:solidFill>
             <a:schemeClr val="tx1"/>
           </a:solidFill>
@@ -2871,8 +2871,8 @@
           <a:cs typeface="+mn-cs"/>
         </a:defRPr>
       </a:lvl1pPr>
-      <a:lvl2pPr marL="240350" algn="l" defTabSz="480700" rtl="0" eaLnBrk="1" latinLnBrk="0" hangingPunct="1">
-        <a:defRPr sz="946" kern="1200">
+      <a:lvl2pPr marL="120015" algn="l" defTabSz="240030" rtl="0" eaLnBrk="1" latinLnBrk="0" hangingPunct="1">
+        <a:defRPr sz="472" kern="1200">
           <a:solidFill>
             <a:schemeClr val="tx1"/>
           </a:solidFill>
@@ -2881,8 +2881,8 @@
           <a:cs typeface="+mn-cs"/>
         </a:defRPr>
       </a:lvl2pPr>
-      <a:lvl3pPr marL="480700" algn="l" defTabSz="480700" rtl="0" eaLnBrk="1" latinLnBrk="0" hangingPunct="1">
-        <a:defRPr sz="946" kern="1200">
+      <a:lvl3pPr marL="240030" algn="l" defTabSz="240030" rtl="0" eaLnBrk="1" latinLnBrk="0" hangingPunct="1">
+        <a:defRPr sz="472" kern="1200">
           <a:solidFill>
             <a:schemeClr val="tx1"/>
           </a:solidFill>
@@ -2891,8 +2891,8 @@
           <a:cs typeface="+mn-cs"/>
         </a:defRPr>
       </a:lvl3pPr>
-      <a:lvl4pPr marL="721050" algn="l" defTabSz="480700" rtl="0" eaLnBrk="1" latinLnBrk="0" hangingPunct="1">
-        <a:defRPr sz="946" kern="1200">
+      <a:lvl4pPr marL="360045" algn="l" defTabSz="240030" rtl="0" eaLnBrk="1" latinLnBrk="0" hangingPunct="1">
+        <a:defRPr sz="472" kern="1200">
           <a:solidFill>
             <a:schemeClr val="tx1"/>
           </a:solidFill>
@@ -2901,8 +2901,8 @@
           <a:cs typeface="+mn-cs"/>
         </a:defRPr>
       </a:lvl4pPr>
-      <a:lvl5pPr marL="961400" algn="l" defTabSz="480700" rtl="0" eaLnBrk="1" latinLnBrk="0" hangingPunct="1">
-        <a:defRPr sz="946" kern="1200">
+      <a:lvl5pPr marL="480060" algn="l" defTabSz="240030" rtl="0" eaLnBrk="1" latinLnBrk="0" hangingPunct="1">
+        <a:defRPr sz="472" kern="1200">
           <a:solidFill>
             <a:schemeClr val="tx1"/>
           </a:solidFill>
@@ -2911,8 +2911,8 @@
           <a:cs typeface="+mn-cs"/>
         </a:defRPr>
       </a:lvl5pPr>
-      <a:lvl6pPr marL="1201750" algn="l" defTabSz="480700" rtl="0" eaLnBrk="1" latinLnBrk="0" hangingPunct="1">
-        <a:defRPr sz="946" kern="1200">
+      <a:lvl6pPr marL="600075" algn="l" defTabSz="240030" rtl="0" eaLnBrk="1" latinLnBrk="0" hangingPunct="1">
+        <a:defRPr sz="472" kern="1200">
           <a:solidFill>
             <a:schemeClr val="tx1"/>
           </a:solidFill>
@@ -2921,8 +2921,8 @@
           <a:cs typeface="+mn-cs"/>
         </a:defRPr>
       </a:lvl6pPr>
-      <a:lvl7pPr marL="1442100" algn="l" defTabSz="480700" rtl="0" eaLnBrk="1" latinLnBrk="0" hangingPunct="1">
-        <a:defRPr sz="946" kern="1200">
+      <a:lvl7pPr marL="720090" algn="l" defTabSz="240030" rtl="0" eaLnBrk="1" latinLnBrk="0" hangingPunct="1">
+        <a:defRPr sz="472" kern="1200">
           <a:solidFill>
             <a:schemeClr val="tx1"/>
           </a:solidFill>
@@ -2931,8 +2931,8 @@
           <a:cs typeface="+mn-cs"/>
         </a:defRPr>
       </a:lvl7pPr>
-      <a:lvl8pPr marL="1682450" algn="l" defTabSz="480700" rtl="0" eaLnBrk="1" latinLnBrk="0" hangingPunct="1">
-        <a:defRPr sz="946" kern="1200">
+      <a:lvl8pPr marL="840105" algn="l" defTabSz="240030" rtl="0" eaLnBrk="1" latinLnBrk="0" hangingPunct="1">
+        <a:defRPr sz="472" kern="1200">
           <a:solidFill>
             <a:schemeClr val="tx1"/>
           </a:solidFill>
@@ -2941,8 +2941,8 @@
           <a:cs typeface="+mn-cs"/>
         </a:defRPr>
       </a:lvl8pPr>
-      <a:lvl9pPr marL="1922800" algn="l" defTabSz="480700" rtl="0" eaLnBrk="1" latinLnBrk="0" hangingPunct="1">
-        <a:defRPr sz="946" kern="1200">
+      <a:lvl9pPr marL="960120" algn="l" defTabSz="240030" rtl="0" eaLnBrk="1" latinLnBrk="0" hangingPunct="1">
+        <a:defRPr sz="472" kern="1200">
           <a:solidFill>
             <a:schemeClr val="tx1"/>
           </a:solidFill>
@@ -2982,9 +2982,9 @@
         <p:grpSpPr>
           <a:xfrm rot="0">
             <a:off x="0" y="0"/>
-            <a:ext cx="6408738" cy="4103688"/>
+            <a:ext cx="6408738" cy="1800225"/>
             <a:chOff x="0" y="0"/>
-            <a:chExt cx="6408738" cy="4103688"/>
+            <a:chExt cx="6408738" cy="1800225"/>
           </a:xfrm>
         </p:grpSpPr>
         <p:sp>
@@ -2996,7 +2996,7 @@
           <p:spPr>
             <a:xfrm>
               <a:off x="0" y="0"/>
-              <a:ext cx="6408738" cy="4103688"/>
+              <a:ext cx="6408738" cy="1800225"/>
             </a:xfrm>
             <a:prstGeom prst="rect">
               <a:avLst/>
@@ -3031,7 +3031,7 @@
           <p:spPr>
             <a:xfrm>
               <a:off x="0" y="0"/>
-              <a:ext cx="6408737" cy="4103687"/>
+              <a:ext cx="6408737" cy="1800225"/>
             </a:xfrm>
             <a:prstGeom prst="rect">
               <a:avLst/>
@@ -3066,7 +3066,7 @@
           <p:spPr>
             <a:xfrm>
               <a:off x="585250" y="287968"/>
-              <a:ext cx="2842154" cy="1586008"/>
+              <a:ext cx="2842154" cy="1272999"/>
             </a:xfrm>
             <a:prstGeom prst="rect">
               <a:avLst/>
@@ -3091,7 +3091,7 @@
           </p:nvSpPr>
           <p:spPr>
             <a:xfrm>
-              <a:off x="585250" y="1633758"/>
+              <a:off x="585250" y="1503105"/>
               <a:ext cx="2842154" cy="0"/>
             </a:xfrm>
             <a:custGeom>
@@ -3134,7 +3134,7 @@
           </p:nvSpPr>
           <p:spPr>
             <a:xfrm>
-              <a:off x="585250" y="1315333"/>
+              <a:off x="585250" y="1271650"/>
               <a:ext cx="2842154" cy="0"/>
             </a:xfrm>
             <a:custGeom>
@@ -3177,7 +3177,7 @@
           </p:nvSpPr>
           <p:spPr>
             <a:xfrm>
-              <a:off x="585250" y="996909"/>
+              <a:off x="585250" y="1040195"/>
               <a:ext cx="2842154" cy="0"/>
             </a:xfrm>
             <a:custGeom>
@@ -3220,7 +3220,7 @@
           </p:nvSpPr>
           <p:spPr>
             <a:xfrm>
-              <a:off x="585250" y="678484"/>
+              <a:off x="585250" y="808741"/>
               <a:ext cx="2842154" cy="0"/>
             </a:xfrm>
             <a:custGeom>
@@ -3263,7 +3263,7 @@
           </p:nvSpPr>
           <p:spPr>
             <a:xfrm>
-              <a:off x="585250" y="360060"/>
+              <a:off x="585250" y="577286"/>
               <a:ext cx="2842154" cy="0"/>
             </a:xfrm>
             <a:custGeom>
@@ -3306,7 +3306,50 @@
           </p:nvSpPr>
           <p:spPr>
             <a:xfrm>
-              <a:off x="585250" y="1633758"/>
+              <a:off x="585250" y="345832"/>
+              <a:ext cx="2842154" cy="0"/>
+            </a:xfrm>
+            <a:custGeom>
+              <a:avLst/>
+              <a:pathLst>
+                <a:path w="2842154" h="0">
+                  <a:moveTo>
+                    <a:pt x="0" y="0"/>
+                  </a:moveTo>
+                  <a:lnTo>
+                    <a:pt x="2842154" y="0"/>
+                  </a:lnTo>
+                  <a:lnTo>
+                    <a:pt x="2842154" y="0"/>
+                  </a:lnTo>
+                </a:path>
+              </a:pathLst>
+            </a:custGeom>
+            <a:ln w="13550" cap="flat">
+              <a:solidFill>
+                <a:srgbClr val="BEBEBE">
+                  <a:alpha val="100000"/>
+                </a:srgbClr>
+              </a:solidFill>
+              <a:prstDash val="solid"/>
+              <a:round/>
+            </a:ln>
+          </p:spPr>
+          <p:txBody>
+            <a:bodyPr/>
+            <a:lstStyle/>
+            <a:p/>
+          </p:txBody>
+        </p:sp>
+        <p:sp>
+          <p:nvSpPr>
+            <p:cNvPr id="12" name="pl12"/>
+            <p:cNvSpPr/>
+            <p:nvPr/>
+          </p:nvSpPr>
+          <p:spPr>
+            <a:xfrm>
+              <a:off x="585250" y="1503105"/>
               <a:ext cx="2842154" cy="0"/>
             </a:xfrm>
             <a:custGeom>
@@ -3343,33 +3386,33 @@
         </p:sp>
         <p:sp>
           <p:nvSpPr>
-            <p:cNvPr id="12" name="pl12"/>
-            <p:cNvSpPr/>
-            <p:nvPr/>
-          </p:nvSpPr>
-          <p:spPr>
-            <a:xfrm>
-              <a:off x="913191" y="1535683"/>
-              <a:ext cx="2186272" cy="266202"/>
+            <p:cNvPr id="13" name="pl13"/>
+            <p:cNvSpPr/>
+            <p:nvPr/>
+          </p:nvSpPr>
+          <p:spPr>
+            <a:xfrm>
+              <a:off x="913191" y="345832"/>
+              <a:ext cx="2186272" cy="1004512"/>
             </a:xfrm>
             <a:custGeom>
               <a:avLst/>
               <a:pathLst>
-                <a:path w="2186272" h="266202">
+                <a:path w="2186272" h="1004512">
                   <a:moveTo>
-                    <a:pt x="0" y="91706"/>
+                    <a:pt x="0" y="1004512"/>
                   </a:moveTo>
                   <a:lnTo>
-                    <a:pt x="546568" y="48400"/>
+                    <a:pt x="546568" y="859853"/>
                   </a:lnTo>
                   <a:lnTo>
-                    <a:pt x="1093136" y="0"/>
+                    <a:pt x="1093136" y="590209"/>
                   </a:lnTo>
                   <a:lnTo>
-                    <a:pt x="1639704" y="266202"/>
+                    <a:pt x="1639704" y="55549"/>
                   </a:lnTo>
                   <a:lnTo>
-                    <a:pt x="2186272" y="230539"/>
+                    <a:pt x="2186272" y="0"/>
                   </a:lnTo>
                 </a:path>
               </a:pathLst>
@@ -3392,33 +3435,33 @@
         </p:sp>
         <p:sp>
           <p:nvSpPr>
-            <p:cNvPr id="13" name="pl13"/>
-            <p:cNvSpPr/>
-            <p:nvPr/>
-          </p:nvSpPr>
-          <p:spPr>
-            <a:xfrm>
-              <a:off x="913191" y="781654"/>
-              <a:ext cx="2186272" cy="650859"/>
+            <p:cNvPr id="14" name="pl14"/>
+            <p:cNvSpPr/>
+            <p:nvPr/>
+          </p:nvSpPr>
+          <p:spPr>
+            <a:xfrm>
+              <a:off x="913191" y="971916"/>
+              <a:ext cx="2186272" cy="387686"/>
             </a:xfrm>
             <a:custGeom>
               <a:avLst/>
               <a:pathLst>
-                <a:path w="2186272" h="650859">
+                <a:path w="2186272" h="387686">
                   <a:moveTo>
-                    <a:pt x="0" y="650859"/>
+                    <a:pt x="0" y="387686"/>
                   </a:moveTo>
                   <a:lnTo>
-                    <a:pt x="546568" y="454710"/>
+                    <a:pt x="546568" y="357597"/>
                   </a:lnTo>
                   <a:lnTo>
-                    <a:pt x="1093136" y="403762"/>
+                    <a:pt x="1093136" y="336766"/>
                   </a:lnTo>
                   <a:lnTo>
-                    <a:pt x="1639704" y="0"/>
+                    <a:pt x="1639704" y="165489"/>
                   </a:lnTo>
                   <a:lnTo>
-                    <a:pt x="2186272" y="21652"/>
+                    <a:pt x="2186272" y="0"/>
                   </a:lnTo>
                 </a:path>
               </a:pathLst>
@@ -3441,13 +3484,13 @@
         </p:sp>
         <p:sp>
           <p:nvSpPr>
-            <p:cNvPr id="14" name="pt14"/>
-            <p:cNvSpPr/>
-            <p:nvPr/>
-          </p:nvSpPr>
-          <p:spPr>
-            <a:xfrm>
-              <a:off x="888365" y="1602563"/>
+            <p:cNvPr id="15" name="pt15"/>
+            <p:cNvSpPr/>
+            <p:nvPr/>
+          </p:nvSpPr>
+          <p:spPr>
+            <a:xfrm>
+              <a:off x="888365" y="1325519"/>
               <a:ext cx="49651" cy="49651"/>
             </a:xfrm>
             <a:prstGeom prst="ellipse">
@@ -3476,13 +3519,13 @@
         </p:sp>
         <p:sp>
           <p:nvSpPr>
-            <p:cNvPr id="15" name="pt15"/>
-            <p:cNvSpPr/>
-            <p:nvPr/>
-          </p:nvSpPr>
-          <p:spPr>
-            <a:xfrm>
-              <a:off x="888365" y="1407687"/>
+            <p:cNvPr id="16" name="pt16"/>
+            <p:cNvSpPr/>
+            <p:nvPr/>
+          </p:nvSpPr>
+          <p:spPr>
+            <a:xfrm>
+              <a:off x="888365" y="1334777"/>
               <a:ext cx="49651" cy="49651"/>
             </a:xfrm>
             <a:prstGeom prst="ellipse">
@@ -3511,13 +3554,13 @@
         </p:sp>
         <p:sp>
           <p:nvSpPr>
-            <p:cNvPr id="16" name="pt16"/>
-            <p:cNvSpPr/>
-            <p:nvPr/>
-          </p:nvSpPr>
-          <p:spPr>
-            <a:xfrm>
-              <a:off x="1434933" y="1559258"/>
+            <p:cNvPr id="17" name="pt17"/>
+            <p:cNvSpPr/>
+            <p:nvPr/>
+          </p:nvSpPr>
+          <p:spPr>
+            <a:xfrm>
+              <a:off x="1434933" y="1180859"/>
               <a:ext cx="49651" cy="49651"/>
             </a:xfrm>
             <a:prstGeom prst="ellipse">
@@ -3546,13 +3589,13 @@
         </p:sp>
         <p:sp>
           <p:nvSpPr>
-            <p:cNvPr id="17" name="pt17"/>
-            <p:cNvSpPr/>
-            <p:nvPr/>
-          </p:nvSpPr>
-          <p:spPr>
-            <a:xfrm>
-              <a:off x="1434933" y="1211538"/>
+            <p:cNvPr id="18" name="pt18"/>
+            <p:cNvSpPr/>
+            <p:nvPr/>
+          </p:nvSpPr>
+          <p:spPr>
+            <a:xfrm>
+              <a:off x="1434933" y="1304688"/>
               <a:ext cx="49651" cy="49651"/>
             </a:xfrm>
             <a:prstGeom prst="ellipse">
@@ -3581,13 +3624,13 @@
         </p:sp>
         <p:sp>
           <p:nvSpPr>
-            <p:cNvPr id="18" name="pt18"/>
-            <p:cNvSpPr/>
-            <p:nvPr/>
-          </p:nvSpPr>
-          <p:spPr>
-            <a:xfrm>
-              <a:off x="1981501" y="1510857"/>
+            <p:cNvPr id="19" name="pt19"/>
+            <p:cNvSpPr/>
+            <p:nvPr/>
+          </p:nvSpPr>
+          <p:spPr>
+            <a:xfrm>
+              <a:off x="1981501" y="911215"/>
               <a:ext cx="49651" cy="49651"/>
             </a:xfrm>
             <a:prstGeom prst="ellipse">
@@ -3616,13 +3659,13 @@
         </p:sp>
         <p:sp>
           <p:nvSpPr>
-            <p:cNvPr id="19" name="pt19"/>
-            <p:cNvSpPr/>
-            <p:nvPr/>
-          </p:nvSpPr>
-          <p:spPr>
-            <a:xfrm>
-              <a:off x="1981501" y="1160590"/>
+            <p:cNvPr id="20" name="pt20"/>
+            <p:cNvSpPr/>
+            <p:nvPr/>
+          </p:nvSpPr>
+          <p:spPr>
+            <a:xfrm>
+              <a:off x="1981501" y="1283857"/>
               <a:ext cx="49651" cy="49651"/>
             </a:xfrm>
             <a:prstGeom prst="ellipse">
@@ -3651,13 +3694,13 @@
         </p:sp>
         <p:sp>
           <p:nvSpPr>
-            <p:cNvPr id="20" name="pt20"/>
-            <p:cNvSpPr/>
-            <p:nvPr/>
-          </p:nvSpPr>
-          <p:spPr>
-            <a:xfrm>
-              <a:off x="2528070" y="1777060"/>
+            <p:cNvPr id="21" name="pt21"/>
+            <p:cNvSpPr/>
+            <p:nvPr/>
+          </p:nvSpPr>
+          <p:spPr>
+            <a:xfrm>
+              <a:off x="2528070" y="376555"/>
               <a:ext cx="49651" cy="49651"/>
             </a:xfrm>
             <a:prstGeom prst="ellipse">
@@ -3686,13 +3729,13 @@
         </p:sp>
         <p:sp>
           <p:nvSpPr>
-            <p:cNvPr id="21" name="pt21"/>
-            <p:cNvSpPr/>
-            <p:nvPr/>
-          </p:nvSpPr>
-          <p:spPr>
-            <a:xfrm>
-              <a:off x="2528070" y="756828"/>
+            <p:cNvPr id="22" name="pt22"/>
+            <p:cNvSpPr/>
+            <p:nvPr/>
+          </p:nvSpPr>
+          <p:spPr>
+            <a:xfrm>
+              <a:off x="2528070" y="1112580"/>
               <a:ext cx="49651" cy="49651"/>
             </a:xfrm>
             <a:prstGeom prst="ellipse">
@@ -3721,13 +3764,13 @@
         </p:sp>
         <p:sp>
           <p:nvSpPr>
-            <p:cNvPr id="22" name="pt22"/>
-            <p:cNvSpPr/>
-            <p:nvPr/>
-          </p:nvSpPr>
-          <p:spPr>
-            <a:xfrm>
-              <a:off x="3074638" y="1741396"/>
+            <p:cNvPr id="23" name="pt23"/>
+            <p:cNvSpPr/>
+            <p:nvPr/>
+          </p:nvSpPr>
+          <p:spPr>
+            <a:xfrm>
+              <a:off x="3074638" y="321006"/>
               <a:ext cx="49651" cy="49651"/>
             </a:xfrm>
             <a:prstGeom prst="ellipse">
@@ -3756,13 +3799,13 @@
         </p:sp>
         <p:sp>
           <p:nvSpPr>
-            <p:cNvPr id="23" name="pt23"/>
-            <p:cNvSpPr/>
-            <p:nvPr/>
-          </p:nvSpPr>
-          <p:spPr>
-            <a:xfrm>
-              <a:off x="3074638" y="778481"/>
+            <p:cNvPr id="24" name="pt24"/>
+            <p:cNvSpPr/>
+            <p:nvPr/>
+          </p:nvSpPr>
+          <p:spPr>
+            <a:xfrm>
+              <a:off x="3074638" y="947090"/>
               <a:ext cx="49651" cy="49651"/>
             </a:xfrm>
             <a:prstGeom prst="ellipse">
@@ -3791,14 +3834,14 @@
         </p:sp>
         <p:sp>
           <p:nvSpPr>
-            <p:cNvPr id="24" name="rc24"/>
+            <p:cNvPr id="25" name="rc25"/>
             <p:cNvSpPr/>
             <p:nvPr/>
           </p:nvSpPr>
           <p:spPr>
             <a:xfrm>
               <a:off x="3496994" y="287968"/>
-              <a:ext cx="2842154" cy="1586008"/>
+              <a:ext cx="2842154" cy="1272999"/>
             </a:xfrm>
             <a:prstGeom prst="rect">
               <a:avLst/>
@@ -3817,13 +3860,13 @@
         </p:sp>
         <p:sp>
           <p:nvSpPr>
-            <p:cNvPr id="25" name="pl25"/>
-            <p:cNvSpPr/>
-            <p:nvPr/>
-          </p:nvSpPr>
-          <p:spPr>
-            <a:xfrm>
-              <a:off x="3496994" y="1633758"/>
+            <p:cNvPr id="26" name="pl26"/>
+            <p:cNvSpPr/>
+            <p:nvPr/>
+          </p:nvSpPr>
+          <p:spPr>
+            <a:xfrm>
+              <a:off x="3496994" y="1503105"/>
               <a:ext cx="2842154" cy="0"/>
             </a:xfrm>
             <a:custGeom>
@@ -3860,13 +3903,13 @@
         </p:sp>
         <p:sp>
           <p:nvSpPr>
-            <p:cNvPr id="26" name="pl26"/>
-            <p:cNvSpPr/>
-            <p:nvPr/>
-          </p:nvSpPr>
-          <p:spPr>
-            <a:xfrm>
-              <a:off x="3496994" y="1315333"/>
+            <p:cNvPr id="27" name="pl27"/>
+            <p:cNvSpPr/>
+            <p:nvPr/>
+          </p:nvSpPr>
+          <p:spPr>
+            <a:xfrm>
+              <a:off x="3496994" y="1271650"/>
               <a:ext cx="2842154" cy="0"/>
             </a:xfrm>
             <a:custGeom>
@@ -3903,13 +3946,13 @@
         </p:sp>
         <p:sp>
           <p:nvSpPr>
-            <p:cNvPr id="27" name="pl27"/>
-            <p:cNvSpPr/>
-            <p:nvPr/>
-          </p:nvSpPr>
-          <p:spPr>
-            <a:xfrm>
-              <a:off x="3496994" y="996909"/>
+            <p:cNvPr id="28" name="pl28"/>
+            <p:cNvSpPr/>
+            <p:nvPr/>
+          </p:nvSpPr>
+          <p:spPr>
+            <a:xfrm>
+              <a:off x="3496994" y="1040195"/>
               <a:ext cx="2842154" cy="0"/>
             </a:xfrm>
             <a:custGeom>
@@ -3946,13 +3989,13 @@
         </p:sp>
         <p:sp>
           <p:nvSpPr>
-            <p:cNvPr id="28" name="pl28"/>
-            <p:cNvSpPr/>
-            <p:nvPr/>
-          </p:nvSpPr>
-          <p:spPr>
-            <a:xfrm>
-              <a:off x="3496994" y="678484"/>
+            <p:cNvPr id="29" name="pl29"/>
+            <p:cNvSpPr/>
+            <p:nvPr/>
+          </p:nvSpPr>
+          <p:spPr>
+            <a:xfrm>
+              <a:off x="3496994" y="808741"/>
               <a:ext cx="2842154" cy="0"/>
             </a:xfrm>
             <a:custGeom>
@@ -3989,13 +4032,13 @@
         </p:sp>
         <p:sp>
           <p:nvSpPr>
-            <p:cNvPr id="29" name="pl29"/>
-            <p:cNvSpPr/>
-            <p:nvPr/>
-          </p:nvSpPr>
-          <p:spPr>
-            <a:xfrm>
-              <a:off x="3496994" y="360060"/>
+            <p:cNvPr id="30" name="pl30"/>
+            <p:cNvSpPr/>
+            <p:nvPr/>
+          </p:nvSpPr>
+          <p:spPr>
+            <a:xfrm>
+              <a:off x="3496994" y="577286"/>
               <a:ext cx="2842154" cy="0"/>
             </a:xfrm>
             <a:custGeom>
@@ -4032,13 +4075,56 @@
         </p:sp>
         <p:sp>
           <p:nvSpPr>
-            <p:cNvPr id="30" name="pl30"/>
-            <p:cNvSpPr/>
-            <p:nvPr/>
-          </p:nvSpPr>
-          <p:spPr>
-            <a:xfrm>
-              <a:off x="3496994" y="1633758"/>
+            <p:cNvPr id="31" name="pl31"/>
+            <p:cNvSpPr/>
+            <p:nvPr/>
+          </p:nvSpPr>
+          <p:spPr>
+            <a:xfrm>
+              <a:off x="3496994" y="345832"/>
+              <a:ext cx="2842154" cy="0"/>
+            </a:xfrm>
+            <a:custGeom>
+              <a:avLst/>
+              <a:pathLst>
+                <a:path w="2842154" h="0">
+                  <a:moveTo>
+                    <a:pt x="0" y="0"/>
+                  </a:moveTo>
+                  <a:lnTo>
+                    <a:pt x="2842154" y="0"/>
+                  </a:lnTo>
+                  <a:lnTo>
+                    <a:pt x="2842154" y="0"/>
+                  </a:lnTo>
+                </a:path>
+              </a:pathLst>
+            </a:custGeom>
+            <a:ln w="13550" cap="flat">
+              <a:solidFill>
+                <a:srgbClr val="BEBEBE">
+                  <a:alpha val="100000"/>
+                </a:srgbClr>
+              </a:solidFill>
+              <a:prstDash val="solid"/>
+              <a:round/>
+            </a:ln>
+          </p:spPr>
+          <p:txBody>
+            <a:bodyPr/>
+            <a:lstStyle/>
+            <a:p/>
+          </p:txBody>
+        </p:sp>
+        <p:sp>
+          <p:nvSpPr>
+            <p:cNvPr id="32" name="pl32"/>
+            <p:cNvSpPr/>
+            <p:nvPr/>
+          </p:nvSpPr>
+          <p:spPr>
+            <a:xfrm>
+              <a:off x="3496994" y="1503105"/>
               <a:ext cx="2842154" cy="0"/>
             </a:xfrm>
             <a:custGeom>
@@ -4075,33 +4161,33 @@
         </p:sp>
         <p:sp>
           <p:nvSpPr>
-            <p:cNvPr id="31" name="pl31"/>
-            <p:cNvSpPr/>
-            <p:nvPr/>
-          </p:nvSpPr>
-          <p:spPr>
-            <a:xfrm>
-              <a:off x="3824935" y="1424871"/>
-              <a:ext cx="2186272" cy="312056"/>
+            <p:cNvPr id="33" name="pl33"/>
+            <p:cNvSpPr/>
+            <p:nvPr/>
+          </p:nvSpPr>
+          <p:spPr>
+            <a:xfrm>
+              <a:off x="3824935" y="1327199"/>
+              <a:ext cx="2186272" cy="119199"/>
             </a:xfrm>
             <a:custGeom>
               <a:avLst/>
               <a:pathLst>
-                <a:path w="2186272" h="312056">
+                <a:path w="2186272" h="119199">
                   <a:moveTo>
-                    <a:pt x="0" y="215254"/>
+                    <a:pt x="0" y="28931"/>
                   </a:moveTo>
                   <a:lnTo>
-                    <a:pt x="546568" y="259834"/>
+                    <a:pt x="546568" y="0"/>
                   </a:lnTo>
                   <a:lnTo>
-                    <a:pt x="1093136" y="312056"/>
+                    <a:pt x="1093136" y="82166"/>
                   </a:lnTo>
                   <a:lnTo>
-                    <a:pt x="1639704" y="0"/>
+                    <a:pt x="1639704" y="119199"/>
                   </a:lnTo>
                   <a:lnTo>
-                    <a:pt x="2186272" y="26747"/>
+                    <a:pt x="2186272" y="81009"/>
                   </a:lnTo>
                 </a:path>
               </a:pathLst>
@@ -4124,33 +4210,33 @@
         </p:sp>
         <p:sp>
           <p:nvSpPr>
-            <p:cNvPr id="32" name="pl32"/>
-            <p:cNvSpPr/>
-            <p:nvPr/>
-          </p:nvSpPr>
-          <p:spPr>
-            <a:xfrm>
-              <a:off x="3824935" y="917939"/>
-              <a:ext cx="2186272" cy="775682"/>
+            <p:cNvPr id="34" name="pl34"/>
+            <p:cNvSpPr/>
+            <p:nvPr/>
+          </p:nvSpPr>
+          <p:spPr>
+            <a:xfrm>
+              <a:off x="3824935" y="483547"/>
+              <a:ext cx="2186272" cy="46290"/>
             </a:xfrm>
             <a:custGeom>
               <a:avLst/>
               <a:pathLst>
-                <a:path w="2186272" h="775682">
+                <a:path w="2186272" h="46290">
                   <a:moveTo>
-                    <a:pt x="0" y="775682"/>
+                    <a:pt x="0" y="26617"/>
                   </a:moveTo>
                   <a:lnTo>
-                    <a:pt x="546568" y="641943"/>
+                    <a:pt x="546568" y="0"/>
                   </a:lnTo>
                   <a:lnTo>
-                    <a:pt x="1093136" y="742566"/>
+                    <a:pt x="1093136" y="9258"/>
                   </a:lnTo>
                   <a:lnTo>
-                    <a:pt x="1639704" y="15284"/>
+                    <a:pt x="1639704" y="43976"/>
                   </a:lnTo>
                   <a:lnTo>
-                    <a:pt x="2186272" y="0"/>
+                    <a:pt x="2186272" y="46290"/>
                   </a:lnTo>
                 </a:path>
               </a:pathLst>
@@ -4173,13 +4259,13 @@
         </p:sp>
         <p:sp>
           <p:nvSpPr>
-            <p:cNvPr id="33" name="pt33"/>
-            <p:cNvSpPr/>
-            <p:nvPr/>
-          </p:nvSpPr>
-          <p:spPr>
-            <a:xfrm>
-              <a:off x="3800109" y="1615300"/>
+            <p:cNvPr id="35" name="pt35"/>
+            <p:cNvSpPr/>
+            <p:nvPr/>
+          </p:nvSpPr>
+          <p:spPr>
+            <a:xfrm>
+              <a:off x="3800109" y="1331305"/>
               <a:ext cx="49651" cy="49651"/>
             </a:xfrm>
             <a:prstGeom prst="ellipse">
@@ -4208,13 +4294,13 @@
         </p:sp>
         <p:sp>
           <p:nvSpPr>
-            <p:cNvPr id="34" name="pt34"/>
-            <p:cNvSpPr/>
-            <p:nvPr/>
-          </p:nvSpPr>
-          <p:spPr>
-            <a:xfrm>
-              <a:off x="3800109" y="1668796"/>
+            <p:cNvPr id="36" name="pt36"/>
+            <p:cNvSpPr/>
+            <p:nvPr/>
+          </p:nvSpPr>
+          <p:spPr>
+            <a:xfrm>
+              <a:off x="3800109" y="485339"/>
               <a:ext cx="49651" cy="49651"/>
             </a:xfrm>
             <a:prstGeom prst="ellipse">
@@ -4243,13 +4329,13 @@
         </p:sp>
         <p:sp>
           <p:nvSpPr>
-            <p:cNvPr id="35" name="pt35"/>
-            <p:cNvSpPr/>
-            <p:nvPr/>
-          </p:nvSpPr>
-          <p:spPr>
-            <a:xfrm>
-              <a:off x="4346677" y="1659880"/>
+            <p:cNvPr id="37" name="pt37"/>
+            <p:cNvSpPr/>
+            <p:nvPr/>
+          </p:nvSpPr>
+          <p:spPr>
+            <a:xfrm>
+              <a:off x="4346677" y="1302373"/>
               <a:ext cx="49651" cy="49651"/>
             </a:xfrm>
             <a:prstGeom prst="ellipse">
@@ -4278,13 +4364,13 @@
         </p:sp>
         <p:sp>
           <p:nvSpPr>
-            <p:cNvPr id="36" name="pt36"/>
-            <p:cNvSpPr/>
-            <p:nvPr/>
-          </p:nvSpPr>
-          <p:spPr>
-            <a:xfrm>
-              <a:off x="4346677" y="1535057"/>
+            <p:cNvPr id="38" name="pt38"/>
+            <p:cNvSpPr/>
+            <p:nvPr/>
+          </p:nvSpPr>
+          <p:spPr>
+            <a:xfrm>
+              <a:off x="4346677" y="458721"/>
               <a:ext cx="49651" cy="49651"/>
             </a:xfrm>
             <a:prstGeom prst="ellipse">
@@ -4313,13 +4399,13 @@
         </p:sp>
         <p:sp>
           <p:nvSpPr>
-            <p:cNvPr id="37" name="pt37"/>
-            <p:cNvSpPr/>
-            <p:nvPr/>
-          </p:nvSpPr>
-          <p:spPr>
-            <a:xfrm>
-              <a:off x="4893245" y="1712101"/>
+            <p:cNvPr id="39" name="pt39"/>
+            <p:cNvSpPr/>
+            <p:nvPr/>
+          </p:nvSpPr>
+          <p:spPr>
+            <a:xfrm>
+              <a:off x="4893245" y="1384539"/>
               <a:ext cx="49651" cy="49651"/>
             </a:xfrm>
             <a:prstGeom prst="ellipse">
@@ -4348,13 +4434,13 @@
         </p:sp>
         <p:sp>
           <p:nvSpPr>
-            <p:cNvPr id="38" name="pt38"/>
-            <p:cNvSpPr/>
-            <p:nvPr/>
-          </p:nvSpPr>
-          <p:spPr>
-            <a:xfrm>
-              <a:off x="4893245" y="1635679"/>
+            <p:cNvPr id="40" name="pt40"/>
+            <p:cNvSpPr/>
+            <p:nvPr/>
+          </p:nvSpPr>
+          <p:spPr>
+            <a:xfrm>
+              <a:off x="4893245" y="467980"/>
               <a:ext cx="49651" cy="49651"/>
             </a:xfrm>
             <a:prstGeom prst="ellipse">
@@ -4383,13 +4469,13 @@
         </p:sp>
         <p:sp>
           <p:nvSpPr>
-            <p:cNvPr id="39" name="pt39"/>
-            <p:cNvSpPr/>
-            <p:nvPr/>
-          </p:nvSpPr>
-          <p:spPr>
-            <a:xfrm>
-              <a:off x="5439813" y="1400045"/>
+            <p:cNvPr id="41" name="pt41"/>
+            <p:cNvSpPr/>
+            <p:nvPr/>
+          </p:nvSpPr>
+          <p:spPr>
+            <a:xfrm>
+              <a:off x="5439813" y="1421572"/>
               <a:ext cx="49651" cy="49651"/>
             </a:xfrm>
             <a:prstGeom prst="ellipse">
@@ -4418,13 +4504,13 @@
         </p:sp>
         <p:sp>
           <p:nvSpPr>
-            <p:cNvPr id="40" name="pt40"/>
-            <p:cNvSpPr/>
-            <p:nvPr/>
-          </p:nvSpPr>
-          <p:spPr>
-            <a:xfrm>
-              <a:off x="5439813" y="908398"/>
+            <p:cNvPr id="42" name="pt42"/>
+            <p:cNvSpPr/>
+            <p:nvPr/>
+          </p:nvSpPr>
+          <p:spPr>
+            <a:xfrm>
+              <a:off x="5439813" y="502698"/>
               <a:ext cx="49651" cy="49651"/>
             </a:xfrm>
             <a:prstGeom prst="ellipse">
@@ -4453,13 +4539,13 @@
         </p:sp>
         <p:sp>
           <p:nvSpPr>
-            <p:cNvPr id="41" name="pt41"/>
-            <p:cNvSpPr/>
-            <p:nvPr/>
-          </p:nvSpPr>
-          <p:spPr>
-            <a:xfrm>
-              <a:off x="5986382" y="1426793"/>
+            <p:cNvPr id="43" name="pt43"/>
+            <p:cNvSpPr/>
+            <p:nvPr/>
+          </p:nvSpPr>
+          <p:spPr>
+            <a:xfrm>
+              <a:off x="5986382" y="1383382"/>
               <a:ext cx="49651" cy="49651"/>
             </a:xfrm>
             <a:prstGeom prst="ellipse">
@@ -4488,13 +4574,13 @@
         </p:sp>
         <p:sp>
           <p:nvSpPr>
-            <p:cNvPr id="42" name="pt42"/>
-            <p:cNvSpPr/>
-            <p:nvPr/>
-          </p:nvSpPr>
-          <p:spPr>
-            <a:xfrm>
-              <a:off x="5986382" y="893113"/>
+            <p:cNvPr id="44" name="pt44"/>
+            <p:cNvSpPr/>
+            <p:nvPr/>
+          </p:nvSpPr>
+          <p:spPr>
+            <a:xfrm>
+              <a:off x="5986382" y="505012"/>
               <a:ext cx="49651" cy="49651"/>
             </a:xfrm>
             <a:prstGeom prst="ellipse">
@@ -4523,1471 +4609,7 @@
         </p:sp>
         <p:sp>
           <p:nvSpPr>
-            <p:cNvPr id="43" name="rc43"/>
-            <p:cNvSpPr/>
-            <p:nvPr/>
-          </p:nvSpPr>
-          <p:spPr>
-            <a:xfrm>
-              <a:off x="585250" y="2161946"/>
-              <a:ext cx="2842154" cy="1586008"/>
-            </a:xfrm>
-            <a:prstGeom prst="rect">
-              <a:avLst/>
-            </a:prstGeom>
-            <a:solidFill>
-              <a:srgbClr val="FFFFFF">
-                <a:alpha val="100000"/>
-              </a:srgbClr>
-            </a:solidFill>
-          </p:spPr>
-          <p:txBody>
-            <a:bodyPr/>
-            <a:lstStyle/>
-            <a:p/>
-          </p:txBody>
-        </p:sp>
-        <p:sp>
-          <p:nvSpPr>
-            <p:cNvPr id="44" name="pl44"/>
-            <p:cNvSpPr/>
-            <p:nvPr/>
-          </p:nvSpPr>
-          <p:spPr>
-            <a:xfrm>
-              <a:off x="585250" y="3507735"/>
-              <a:ext cx="2842154" cy="0"/>
-            </a:xfrm>
-            <a:custGeom>
-              <a:avLst/>
-              <a:pathLst>
-                <a:path w="2842154" h="0">
-                  <a:moveTo>
-                    <a:pt x="0" y="0"/>
-                  </a:moveTo>
-                  <a:lnTo>
-                    <a:pt x="2842154" y="0"/>
-                  </a:lnTo>
-                  <a:lnTo>
-                    <a:pt x="2842154" y="0"/>
-                  </a:lnTo>
-                </a:path>
-              </a:pathLst>
-            </a:custGeom>
-            <a:ln w="13550" cap="flat">
-              <a:solidFill>
-                <a:srgbClr val="BEBEBE">
-                  <a:alpha val="100000"/>
-                </a:srgbClr>
-              </a:solidFill>
-              <a:prstDash val="solid"/>
-              <a:round/>
-            </a:ln>
-          </p:spPr>
-          <p:txBody>
-            <a:bodyPr/>
-            <a:lstStyle/>
-            <a:p/>
-          </p:txBody>
-        </p:sp>
-        <p:sp>
-          <p:nvSpPr>
-            <p:cNvPr id="45" name="pl45"/>
-            <p:cNvSpPr/>
-            <p:nvPr/>
-          </p:nvSpPr>
-          <p:spPr>
-            <a:xfrm>
-              <a:off x="585250" y="3189311"/>
-              <a:ext cx="2842154" cy="0"/>
-            </a:xfrm>
-            <a:custGeom>
-              <a:avLst/>
-              <a:pathLst>
-                <a:path w="2842154" h="0">
-                  <a:moveTo>
-                    <a:pt x="0" y="0"/>
-                  </a:moveTo>
-                  <a:lnTo>
-                    <a:pt x="2842154" y="0"/>
-                  </a:lnTo>
-                  <a:lnTo>
-                    <a:pt x="2842154" y="0"/>
-                  </a:lnTo>
-                </a:path>
-              </a:pathLst>
-            </a:custGeom>
-            <a:ln w="13550" cap="flat">
-              <a:solidFill>
-                <a:srgbClr val="BEBEBE">
-                  <a:alpha val="100000"/>
-                </a:srgbClr>
-              </a:solidFill>
-              <a:prstDash val="solid"/>
-              <a:round/>
-            </a:ln>
-          </p:spPr>
-          <p:txBody>
-            <a:bodyPr/>
-            <a:lstStyle/>
-            <a:p/>
-          </p:txBody>
-        </p:sp>
-        <p:sp>
-          <p:nvSpPr>
-            <p:cNvPr id="46" name="pl46"/>
-            <p:cNvSpPr/>
-            <p:nvPr/>
-          </p:nvSpPr>
-          <p:spPr>
-            <a:xfrm>
-              <a:off x="585250" y="2870886"/>
-              <a:ext cx="2842154" cy="0"/>
-            </a:xfrm>
-            <a:custGeom>
-              <a:avLst/>
-              <a:pathLst>
-                <a:path w="2842154" h="0">
-                  <a:moveTo>
-                    <a:pt x="0" y="0"/>
-                  </a:moveTo>
-                  <a:lnTo>
-                    <a:pt x="2842154" y="0"/>
-                  </a:lnTo>
-                  <a:lnTo>
-                    <a:pt x="2842154" y="0"/>
-                  </a:lnTo>
-                </a:path>
-              </a:pathLst>
-            </a:custGeom>
-            <a:ln w="13550" cap="flat">
-              <a:solidFill>
-                <a:srgbClr val="BEBEBE">
-                  <a:alpha val="100000"/>
-                </a:srgbClr>
-              </a:solidFill>
-              <a:prstDash val="solid"/>
-              <a:round/>
-            </a:ln>
-          </p:spPr>
-          <p:txBody>
-            <a:bodyPr/>
-            <a:lstStyle/>
-            <a:p/>
-          </p:txBody>
-        </p:sp>
-        <p:sp>
-          <p:nvSpPr>
-            <p:cNvPr id="47" name="pl47"/>
-            <p:cNvSpPr/>
-            <p:nvPr/>
-          </p:nvSpPr>
-          <p:spPr>
-            <a:xfrm>
-              <a:off x="585250" y="2552462"/>
-              <a:ext cx="2842154" cy="0"/>
-            </a:xfrm>
-            <a:custGeom>
-              <a:avLst/>
-              <a:pathLst>
-                <a:path w="2842154" h="0">
-                  <a:moveTo>
-                    <a:pt x="0" y="0"/>
-                  </a:moveTo>
-                  <a:lnTo>
-                    <a:pt x="2842154" y="0"/>
-                  </a:lnTo>
-                  <a:lnTo>
-                    <a:pt x="2842154" y="0"/>
-                  </a:lnTo>
-                </a:path>
-              </a:pathLst>
-            </a:custGeom>
-            <a:ln w="13550" cap="flat">
-              <a:solidFill>
-                <a:srgbClr val="BEBEBE">
-                  <a:alpha val="100000"/>
-                </a:srgbClr>
-              </a:solidFill>
-              <a:prstDash val="solid"/>
-              <a:round/>
-            </a:ln>
-          </p:spPr>
-          <p:txBody>
-            <a:bodyPr/>
-            <a:lstStyle/>
-            <a:p/>
-          </p:txBody>
-        </p:sp>
-        <p:sp>
-          <p:nvSpPr>
-            <p:cNvPr id="48" name="pl48"/>
-            <p:cNvSpPr/>
-            <p:nvPr/>
-          </p:nvSpPr>
-          <p:spPr>
-            <a:xfrm>
-              <a:off x="585250" y="2234037"/>
-              <a:ext cx="2842154" cy="0"/>
-            </a:xfrm>
-            <a:custGeom>
-              <a:avLst/>
-              <a:pathLst>
-                <a:path w="2842154" h="0">
-                  <a:moveTo>
-                    <a:pt x="0" y="0"/>
-                  </a:moveTo>
-                  <a:lnTo>
-                    <a:pt x="2842154" y="0"/>
-                  </a:lnTo>
-                  <a:lnTo>
-                    <a:pt x="2842154" y="0"/>
-                  </a:lnTo>
-                </a:path>
-              </a:pathLst>
-            </a:custGeom>
-            <a:ln w="13550" cap="flat">
-              <a:solidFill>
-                <a:srgbClr val="BEBEBE">
-                  <a:alpha val="100000"/>
-                </a:srgbClr>
-              </a:solidFill>
-              <a:prstDash val="solid"/>
-              <a:round/>
-            </a:ln>
-          </p:spPr>
-          <p:txBody>
-            <a:bodyPr/>
-            <a:lstStyle/>
-            <a:p/>
-          </p:txBody>
-        </p:sp>
-        <p:sp>
-          <p:nvSpPr>
-            <p:cNvPr id="49" name="pl49"/>
-            <p:cNvSpPr/>
-            <p:nvPr/>
-          </p:nvSpPr>
-          <p:spPr>
-            <a:xfrm>
-              <a:off x="585250" y="3507735"/>
-              <a:ext cx="2842154" cy="0"/>
-            </a:xfrm>
-            <a:custGeom>
-              <a:avLst/>
-              <a:pathLst>
-                <a:path w="2842154" h="0">
-                  <a:moveTo>
-                    <a:pt x="0" y="0"/>
-                  </a:moveTo>
-                  <a:lnTo>
-                    <a:pt x="2842154" y="0"/>
-                  </a:lnTo>
-                  <a:lnTo>
-                    <a:pt x="2842154" y="0"/>
-                  </a:lnTo>
-                </a:path>
-              </a:pathLst>
-            </a:custGeom>
-            <a:ln w="13550" cap="flat">
-              <a:solidFill>
-                <a:srgbClr val="000000">
-                  <a:alpha val="100000"/>
-                </a:srgbClr>
-              </a:solidFill>
-              <a:prstDash val="solid"/>
-              <a:round/>
-            </a:ln>
-          </p:spPr>
-          <p:txBody>
-            <a:bodyPr/>
-            <a:lstStyle/>
-            <a:p/>
-          </p:txBody>
-        </p:sp>
-        <p:sp>
-          <p:nvSpPr>
-            <p:cNvPr id="50" name="pl50"/>
-            <p:cNvSpPr/>
-            <p:nvPr/>
-          </p:nvSpPr>
-          <p:spPr>
-            <a:xfrm>
-              <a:off x="913191" y="2234037"/>
-              <a:ext cx="2186272" cy="1105570"/>
-            </a:xfrm>
-            <a:custGeom>
-              <a:avLst/>
-              <a:pathLst>
-                <a:path w="2186272" h="1105570">
-                  <a:moveTo>
-                    <a:pt x="0" y="1105570"/>
-                  </a:moveTo>
-                  <a:lnTo>
-                    <a:pt x="546568" y="946357"/>
-                  </a:lnTo>
-                  <a:lnTo>
-                    <a:pt x="1093136" y="649586"/>
-                  </a:lnTo>
-                  <a:lnTo>
-                    <a:pt x="1639704" y="61137"/>
-                  </a:lnTo>
-                  <a:lnTo>
-                    <a:pt x="2186272" y="0"/>
-                  </a:lnTo>
-                </a:path>
-              </a:pathLst>
-            </a:custGeom>
-            <a:ln w="13550" cap="flat">
-              <a:solidFill>
-                <a:srgbClr val="7570B3">
-                  <a:alpha val="100000"/>
-                </a:srgbClr>
-              </a:solidFill>
-              <a:prstDash val="solid"/>
-              <a:round/>
-            </a:ln>
-          </p:spPr>
-          <p:txBody>
-            <a:bodyPr/>
-            <a:lstStyle/>
-            <a:p/>
-          </p:txBody>
-        </p:sp>
-        <p:sp>
-          <p:nvSpPr>
-            <p:cNvPr id="51" name="pl51"/>
-            <p:cNvSpPr/>
-            <p:nvPr/>
-          </p:nvSpPr>
-          <p:spPr>
-            <a:xfrm>
-              <a:off x="913191" y="2506609"/>
-              <a:ext cx="2186272" cy="782050"/>
-            </a:xfrm>
-            <a:custGeom>
-              <a:avLst/>
-              <a:pathLst>
-                <a:path w="2186272" h="782050">
-                  <a:moveTo>
-                    <a:pt x="0" y="782050"/>
-                  </a:moveTo>
-                  <a:lnTo>
-                    <a:pt x="546568" y="605006"/>
-                  </a:lnTo>
-                  <a:lnTo>
-                    <a:pt x="1093136" y="597364"/>
-                  </a:lnTo>
-                  <a:lnTo>
-                    <a:pt x="1639704" y="67506"/>
-                  </a:lnTo>
-                  <a:lnTo>
-                    <a:pt x="2186272" y="0"/>
-                  </a:lnTo>
-                </a:path>
-              </a:pathLst>
-            </a:custGeom>
-            <a:ln w="13550" cap="flat">
-              <a:solidFill>
-                <a:srgbClr val="E7298A">
-                  <a:alpha val="100000"/>
-                </a:srgbClr>
-              </a:solidFill>
-              <a:prstDash val="solid"/>
-              <a:round/>
-            </a:ln>
-          </p:spPr>
-          <p:txBody>
-            <a:bodyPr/>
-            <a:lstStyle/>
-            <a:p/>
-          </p:txBody>
-        </p:sp>
-        <p:sp>
-          <p:nvSpPr>
-            <p:cNvPr id="52" name="pt52"/>
-            <p:cNvSpPr/>
-            <p:nvPr/>
-          </p:nvSpPr>
-          <p:spPr>
-            <a:xfrm>
-              <a:off x="888365" y="3314781"/>
-              <a:ext cx="49651" cy="49651"/>
-            </a:xfrm>
-            <a:prstGeom prst="ellipse">
-              <a:avLst/>
-            </a:prstGeom>
-            <a:solidFill>
-              <a:srgbClr val="7570B3">
-                <a:alpha val="100000"/>
-              </a:srgbClr>
-            </a:solidFill>
-            <a:ln w="9000" cap="rnd">
-              <a:solidFill>
-                <a:srgbClr val="7570B3">
-                  <a:alpha val="100000"/>
-                </a:srgbClr>
-              </a:solidFill>
-              <a:prstDash val="solid"/>
-              <a:round/>
-            </a:ln>
-          </p:spPr>
-          <p:txBody>
-            <a:bodyPr/>
-            <a:lstStyle/>
-            <a:p/>
-          </p:txBody>
-        </p:sp>
-        <p:sp>
-          <p:nvSpPr>
-            <p:cNvPr id="53" name="pt53"/>
-            <p:cNvSpPr/>
-            <p:nvPr/>
-          </p:nvSpPr>
-          <p:spPr>
-            <a:xfrm>
-              <a:off x="888365" y="3263833"/>
-              <a:ext cx="49651" cy="49651"/>
-            </a:xfrm>
-            <a:prstGeom prst="ellipse">
-              <a:avLst/>
-            </a:prstGeom>
-            <a:solidFill>
-              <a:srgbClr val="E7298A">
-                <a:alpha val="100000"/>
-              </a:srgbClr>
-            </a:solidFill>
-            <a:ln w="9000" cap="rnd">
-              <a:solidFill>
-                <a:srgbClr val="E7298A">
-                  <a:alpha val="100000"/>
-                </a:srgbClr>
-              </a:solidFill>
-              <a:prstDash val="solid"/>
-              <a:round/>
-            </a:ln>
-          </p:spPr>
-          <p:txBody>
-            <a:bodyPr/>
-            <a:lstStyle/>
-            <a:p/>
-          </p:txBody>
-        </p:sp>
-        <p:sp>
-          <p:nvSpPr>
-            <p:cNvPr id="54" name="pt54"/>
-            <p:cNvSpPr/>
-            <p:nvPr/>
-          </p:nvSpPr>
-          <p:spPr>
-            <a:xfrm>
-              <a:off x="1434933" y="3155569"/>
-              <a:ext cx="49651" cy="49651"/>
-            </a:xfrm>
-            <a:prstGeom prst="ellipse">
-              <a:avLst/>
-            </a:prstGeom>
-            <a:solidFill>
-              <a:srgbClr val="7570B3">
-                <a:alpha val="100000"/>
-              </a:srgbClr>
-            </a:solidFill>
-            <a:ln w="9000" cap="rnd">
-              <a:solidFill>
-                <a:srgbClr val="7570B3">
-                  <a:alpha val="100000"/>
-                </a:srgbClr>
-              </a:solidFill>
-              <a:prstDash val="solid"/>
-              <a:round/>
-            </a:ln>
-          </p:spPr>
-          <p:txBody>
-            <a:bodyPr/>
-            <a:lstStyle/>
-            <a:p/>
-          </p:txBody>
-        </p:sp>
-        <p:sp>
-          <p:nvSpPr>
-            <p:cNvPr id="55" name="pt55"/>
-            <p:cNvSpPr/>
-            <p:nvPr/>
-          </p:nvSpPr>
-          <p:spPr>
-            <a:xfrm>
-              <a:off x="1434933" y="3086789"/>
-              <a:ext cx="49651" cy="49651"/>
-            </a:xfrm>
-            <a:prstGeom prst="ellipse">
-              <a:avLst/>
-            </a:prstGeom>
-            <a:solidFill>
-              <a:srgbClr val="E7298A">
-                <a:alpha val="100000"/>
-              </a:srgbClr>
-            </a:solidFill>
-            <a:ln w="9000" cap="rnd">
-              <a:solidFill>
-                <a:srgbClr val="E7298A">
-                  <a:alpha val="100000"/>
-                </a:srgbClr>
-              </a:solidFill>
-              <a:prstDash val="solid"/>
-              <a:round/>
-            </a:ln>
-          </p:spPr>
-          <p:txBody>
-            <a:bodyPr/>
-            <a:lstStyle/>
-            <a:p/>
-          </p:txBody>
-        </p:sp>
-        <p:sp>
-          <p:nvSpPr>
-            <p:cNvPr id="56" name="pt56"/>
-            <p:cNvSpPr/>
-            <p:nvPr/>
-          </p:nvSpPr>
-          <p:spPr>
-            <a:xfrm>
-              <a:off x="1981501" y="2858797"/>
-              <a:ext cx="49651" cy="49651"/>
-            </a:xfrm>
-            <a:prstGeom prst="ellipse">
-              <a:avLst/>
-            </a:prstGeom>
-            <a:solidFill>
-              <a:srgbClr val="7570B3">
-                <a:alpha val="100000"/>
-              </a:srgbClr>
-            </a:solidFill>
-            <a:ln w="9000" cap="rnd">
-              <a:solidFill>
-                <a:srgbClr val="7570B3">
-                  <a:alpha val="100000"/>
-                </a:srgbClr>
-              </a:solidFill>
-              <a:prstDash val="solid"/>
-              <a:round/>
-            </a:ln>
-          </p:spPr>
-          <p:txBody>
-            <a:bodyPr/>
-            <a:lstStyle/>
-            <a:p/>
-          </p:txBody>
-        </p:sp>
-        <p:sp>
-          <p:nvSpPr>
-            <p:cNvPr id="57" name="pt57"/>
-            <p:cNvSpPr/>
-            <p:nvPr/>
-          </p:nvSpPr>
-          <p:spPr>
-            <a:xfrm>
-              <a:off x="1981501" y="3079147"/>
-              <a:ext cx="49651" cy="49651"/>
-            </a:xfrm>
-            <a:prstGeom prst="ellipse">
-              <a:avLst/>
-            </a:prstGeom>
-            <a:solidFill>
-              <a:srgbClr val="E7298A">
-                <a:alpha val="100000"/>
-              </a:srgbClr>
-            </a:solidFill>
-            <a:ln w="9000" cap="rnd">
-              <a:solidFill>
-                <a:srgbClr val="E7298A">
-                  <a:alpha val="100000"/>
-                </a:srgbClr>
-              </a:solidFill>
-              <a:prstDash val="solid"/>
-              <a:round/>
-            </a:ln>
-          </p:spPr>
-          <p:txBody>
-            <a:bodyPr/>
-            <a:lstStyle/>
-            <a:p/>
-          </p:txBody>
-        </p:sp>
-        <p:sp>
-          <p:nvSpPr>
-            <p:cNvPr id="58" name="pt58"/>
-            <p:cNvSpPr/>
-            <p:nvPr/>
-          </p:nvSpPr>
-          <p:spPr>
-            <a:xfrm>
-              <a:off x="2528070" y="2270349"/>
-              <a:ext cx="49651" cy="49651"/>
-            </a:xfrm>
-            <a:prstGeom prst="ellipse">
-              <a:avLst/>
-            </a:prstGeom>
-            <a:solidFill>
-              <a:srgbClr val="7570B3">
-                <a:alpha val="100000"/>
-              </a:srgbClr>
-            </a:solidFill>
-            <a:ln w="9000" cap="rnd">
-              <a:solidFill>
-                <a:srgbClr val="7570B3">
-                  <a:alpha val="100000"/>
-                </a:srgbClr>
-              </a:solidFill>
-              <a:prstDash val="solid"/>
-              <a:round/>
-            </a:ln>
-          </p:spPr>
-          <p:txBody>
-            <a:bodyPr/>
-            <a:lstStyle/>
-            <a:p/>
-          </p:txBody>
-        </p:sp>
-        <p:sp>
-          <p:nvSpPr>
-            <p:cNvPr id="59" name="pt59"/>
-            <p:cNvSpPr/>
-            <p:nvPr/>
-          </p:nvSpPr>
-          <p:spPr>
-            <a:xfrm>
-              <a:off x="2528070" y="2549289"/>
-              <a:ext cx="49651" cy="49651"/>
-            </a:xfrm>
-            <a:prstGeom prst="ellipse">
-              <a:avLst/>
-            </a:prstGeom>
-            <a:solidFill>
-              <a:srgbClr val="E7298A">
-                <a:alpha val="100000"/>
-              </a:srgbClr>
-            </a:solidFill>
-            <a:ln w="9000" cap="rnd">
-              <a:solidFill>
-                <a:srgbClr val="E7298A">
-                  <a:alpha val="100000"/>
-                </a:srgbClr>
-              </a:solidFill>
-              <a:prstDash val="solid"/>
-              <a:round/>
-            </a:ln>
-          </p:spPr>
-          <p:txBody>
-            <a:bodyPr/>
-            <a:lstStyle/>
-            <a:p/>
-          </p:txBody>
-        </p:sp>
-        <p:sp>
-          <p:nvSpPr>
-            <p:cNvPr id="60" name="pt60"/>
-            <p:cNvSpPr/>
-            <p:nvPr/>
-          </p:nvSpPr>
-          <p:spPr>
-            <a:xfrm>
-              <a:off x="3074638" y="2209211"/>
-              <a:ext cx="49651" cy="49651"/>
-            </a:xfrm>
-            <a:prstGeom prst="ellipse">
-              <a:avLst/>
-            </a:prstGeom>
-            <a:solidFill>
-              <a:srgbClr val="7570B3">
-                <a:alpha val="100000"/>
-              </a:srgbClr>
-            </a:solidFill>
-            <a:ln w="9000" cap="rnd">
-              <a:solidFill>
-                <a:srgbClr val="7570B3">
-                  <a:alpha val="100000"/>
-                </a:srgbClr>
-              </a:solidFill>
-              <a:prstDash val="solid"/>
-              <a:round/>
-            </a:ln>
-          </p:spPr>
-          <p:txBody>
-            <a:bodyPr/>
-            <a:lstStyle/>
-            <a:p/>
-          </p:txBody>
-        </p:sp>
-        <p:sp>
-          <p:nvSpPr>
-            <p:cNvPr id="61" name="pt61"/>
-            <p:cNvSpPr/>
-            <p:nvPr/>
-          </p:nvSpPr>
-          <p:spPr>
-            <a:xfrm>
-              <a:off x="3074638" y="2481783"/>
-              <a:ext cx="49651" cy="49651"/>
-            </a:xfrm>
-            <a:prstGeom prst="ellipse">
-              <a:avLst/>
-            </a:prstGeom>
-            <a:solidFill>
-              <a:srgbClr val="E7298A">
-                <a:alpha val="100000"/>
-              </a:srgbClr>
-            </a:solidFill>
-            <a:ln w="9000" cap="rnd">
-              <a:solidFill>
-                <a:srgbClr val="E7298A">
-                  <a:alpha val="100000"/>
-                </a:srgbClr>
-              </a:solidFill>
-              <a:prstDash val="solid"/>
-              <a:round/>
-            </a:ln>
-          </p:spPr>
-          <p:txBody>
-            <a:bodyPr/>
-            <a:lstStyle/>
-            <a:p/>
-          </p:txBody>
-        </p:sp>
-        <p:sp>
-          <p:nvSpPr>
-            <p:cNvPr id="62" name="rc62"/>
-            <p:cNvSpPr/>
-            <p:nvPr/>
-          </p:nvSpPr>
-          <p:spPr>
-            <a:xfrm>
-              <a:off x="3496994" y="2161946"/>
-              <a:ext cx="2842154" cy="1586008"/>
-            </a:xfrm>
-            <a:prstGeom prst="rect">
-              <a:avLst/>
-            </a:prstGeom>
-            <a:solidFill>
-              <a:srgbClr val="FFFFFF">
-                <a:alpha val="100000"/>
-              </a:srgbClr>
-            </a:solidFill>
-          </p:spPr>
-          <p:txBody>
-            <a:bodyPr/>
-            <a:lstStyle/>
-            <a:p/>
-          </p:txBody>
-        </p:sp>
-        <p:sp>
-          <p:nvSpPr>
-            <p:cNvPr id="63" name="pl63"/>
-            <p:cNvSpPr/>
-            <p:nvPr/>
-          </p:nvSpPr>
-          <p:spPr>
-            <a:xfrm>
-              <a:off x="3496994" y="3507735"/>
-              <a:ext cx="2842154" cy="0"/>
-            </a:xfrm>
-            <a:custGeom>
-              <a:avLst/>
-              <a:pathLst>
-                <a:path w="2842154" h="0">
-                  <a:moveTo>
-                    <a:pt x="0" y="0"/>
-                  </a:moveTo>
-                  <a:lnTo>
-                    <a:pt x="2842154" y="0"/>
-                  </a:lnTo>
-                  <a:lnTo>
-                    <a:pt x="2842154" y="0"/>
-                  </a:lnTo>
-                </a:path>
-              </a:pathLst>
-            </a:custGeom>
-            <a:ln w="13550" cap="flat">
-              <a:solidFill>
-                <a:srgbClr val="BEBEBE">
-                  <a:alpha val="100000"/>
-                </a:srgbClr>
-              </a:solidFill>
-              <a:prstDash val="solid"/>
-              <a:round/>
-            </a:ln>
-          </p:spPr>
-          <p:txBody>
-            <a:bodyPr/>
-            <a:lstStyle/>
-            <a:p/>
-          </p:txBody>
-        </p:sp>
-        <p:sp>
-          <p:nvSpPr>
-            <p:cNvPr id="64" name="pl64"/>
-            <p:cNvSpPr/>
-            <p:nvPr/>
-          </p:nvSpPr>
-          <p:spPr>
-            <a:xfrm>
-              <a:off x="3496994" y="3189311"/>
-              <a:ext cx="2842154" cy="0"/>
-            </a:xfrm>
-            <a:custGeom>
-              <a:avLst/>
-              <a:pathLst>
-                <a:path w="2842154" h="0">
-                  <a:moveTo>
-                    <a:pt x="0" y="0"/>
-                  </a:moveTo>
-                  <a:lnTo>
-                    <a:pt x="2842154" y="0"/>
-                  </a:lnTo>
-                  <a:lnTo>
-                    <a:pt x="2842154" y="0"/>
-                  </a:lnTo>
-                </a:path>
-              </a:pathLst>
-            </a:custGeom>
-            <a:ln w="13550" cap="flat">
-              <a:solidFill>
-                <a:srgbClr val="BEBEBE">
-                  <a:alpha val="100000"/>
-                </a:srgbClr>
-              </a:solidFill>
-              <a:prstDash val="solid"/>
-              <a:round/>
-            </a:ln>
-          </p:spPr>
-          <p:txBody>
-            <a:bodyPr/>
-            <a:lstStyle/>
-            <a:p/>
-          </p:txBody>
-        </p:sp>
-        <p:sp>
-          <p:nvSpPr>
-            <p:cNvPr id="65" name="pl65"/>
-            <p:cNvSpPr/>
-            <p:nvPr/>
-          </p:nvSpPr>
-          <p:spPr>
-            <a:xfrm>
-              <a:off x="3496994" y="2870886"/>
-              <a:ext cx="2842154" cy="0"/>
-            </a:xfrm>
-            <a:custGeom>
-              <a:avLst/>
-              <a:pathLst>
-                <a:path w="2842154" h="0">
-                  <a:moveTo>
-                    <a:pt x="0" y="0"/>
-                  </a:moveTo>
-                  <a:lnTo>
-                    <a:pt x="2842154" y="0"/>
-                  </a:lnTo>
-                  <a:lnTo>
-                    <a:pt x="2842154" y="0"/>
-                  </a:lnTo>
-                </a:path>
-              </a:pathLst>
-            </a:custGeom>
-            <a:ln w="13550" cap="flat">
-              <a:solidFill>
-                <a:srgbClr val="BEBEBE">
-                  <a:alpha val="100000"/>
-                </a:srgbClr>
-              </a:solidFill>
-              <a:prstDash val="solid"/>
-              <a:round/>
-            </a:ln>
-          </p:spPr>
-          <p:txBody>
-            <a:bodyPr/>
-            <a:lstStyle/>
-            <a:p/>
-          </p:txBody>
-        </p:sp>
-        <p:sp>
-          <p:nvSpPr>
-            <p:cNvPr id="66" name="pl66"/>
-            <p:cNvSpPr/>
-            <p:nvPr/>
-          </p:nvSpPr>
-          <p:spPr>
-            <a:xfrm>
-              <a:off x="3496994" y="2552462"/>
-              <a:ext cx="2842154" cy="0"/>
-            </a:xfrm>
-            <a:custGeom>
-              <a:avLst/>
-              <a:pathLst>
-                <a:path w="2842154" h="0">
-                  <a:moveTo>
-                    <a:pt x="0" y="0"/>
-                  </a:moveTo>
-                  <a:lnTo>
-                    <a:pt x="2842154" y="0"/>
-                  </a:lnTo>
-                  <a:lnTo>
-                    <a:pt x="2842154" y="0"/>
-                  </a:lnTo>
-                </a:path>
-              </a:pathLst>
-            </a:custGeom>
-            <a:ln w="13550" cap="flat">
-              <a:solidFill>
-                <a:srgbClr val="BEBEBE">
-                  <a:alpha val="100000"/>
-                </a:srgbClr>
-              </a:solidFill>
-              <a:prstDash val="solid"/>
-              <a:round/>
-            </a:ln>
-          </p:spPr>
-          <p:txBody>
-            <a:bodyPr/>
-            <a:lstStyle/>
-            <a:p/>
-          </p:txBody>
-        </p:sp>
-        <p:sp>
-          <p:nvSpPr>
-            <p:cNvPr id="67" name="pl67"/>
-            <p:cNvSpPr/>
-            <p:nvPr/>
-          </p:nvSpPr>
-          <p:spPr>
-            <a:xfrm>
-              <a:off x="3496994" y="2234037"/>
-              <a:ext cx="2842154" cy="0"/>
-            </a:xfrm>
-            <a:custGeom>
-              <a:avLst/>
-              <a:pathLst>
-                <a:path w="2842154" h="0">
-                  <a:moveTo>
-                    <a:pt x="0" y="0"/>
-                  </a:moveTo>
-                  <a:lnTo>
-                    <a:pt x="2842154" y="0"/>
-                  </a:lnTo>
-                  <a:lnTo>
-                    <a:pt x="2842154" y="0"/>
-                  </a:lnTo>
-                </a:path>
-              </a:pathLst>
-            </a:custGeom>
-            <a:ln w="13550" cap="flat">
-              <a:solidFill>
-                <a:srgbClr val="BEBEBE">
-                  <a:alpha val="100000"/>
-                </a:srgbClr>
-              </a:solidFill>
-              <a:prstDash val="solid"/>
-              <a:round/>
-            </a:ln>
-          </p:spPr>
-          <p:txBody>
-            <a:bodyPr/>
-            <a:lstStyle/>
-            <a:p/>
-          </p:txBody>
-        </p:sp>
-        <p:sp>
-          <p:nvSpPr>
-            <p:cNvPr id="68" name="pl68"/>
-            <p:cNvSpPr/>
-            <p:nvPr/>
-          </p:nvSpPr>
-          <p:spPr>
-            <a:xfrm>
-              <a:off x="3496994" y="3507735"/>
-              <a:ext cx="2842154" cy="0"/>
-            </a:xfrm>
-            <a:custGeom>
-              <a:avLst/>
-              <a:pathLst>
-                <a:path w="2842154" h="0">
-                  <a:moveTo>
-                    <a:pt x="0" y="0"/>
-                  </a:moveTo>
-                  <a:lnTo>
-                    <a:pt x="2842154" y="0"/>
-                  </a:lnTo>
-                  <a:lnTo>
-                    <a:pt x="2842154" y="0"/>
-                  </a:lnTo>
-                </a:path>
-              </a:pathLst>
-            </a:custGeom>
-            <a:ln w="13550" cap="flat">
-              <a:solidFill>
-                <a:srgbClr val="000000">
-                  <a:alpha val="100000"/>
-                </a:srgbClr>
-              </a:solidFill>
-              <a:prstDash val="solid"/>
-              <a:round/>
-            </a:ln>
-          </p:spPr>
-          <p:txBody>
-            <a:bodyPr/>
-            <a:lstStyle/>
-            <a:p/>
-          </p:txBody>
-        </p:sp>
-        <p:sp>
-          <p:nvSpPr>
-            <p:cNvPr id="69" name="pl69"/>
-            <p:cNvSpPr/>
-            <p:nvPr/>
-          </p:nvSpPr>
-          <p:spPr>
-            <a:xfrm>
-              <a:off x="3824935" y="3314133"/>
-              <a:ext cx="2186272" cy="131190"/>
-            </a:xfrm>
-            <a:custGeom>
-              <a:avLst/>
-              <a:pathLst>
-                <a:path w="2186272" h="131190">
-                  <a:moveTo>
-                    <a:pt x="0" y="31842"/>
-                  </a:moveTo>
-                  <a:lnTo>
-                    <a:pt x="546568" y="0"/>
-                  </a:lnTo>
-                  <a:lnTo>
-                    <a:pt x="1093136" y="90432"/>
-                  </a:lnTo>
-                  <a:lnTo>
-                    <a:pt x="1639704" y="131190"/>
-                  </a:lnTo>
-                  <a:lnTo>
-                    <a:pt x="2186272" y="89158"/>
-                  </a:lnTo>
-                </a:path>
-              </a:pathLst>
-            </a:custGeom>
-            <a:ln w="13550" cap="flat">
-              <a:solidFill>
-                <a:srgbClr val="7570B3">
-                  <a:alpha val="100000"/>
-                </a:srgbClr>
-              </a:solidFill>
-              <a:prstDash val="solid"/>
-              <a:round/>
-            </a:ln>
-          </p:spPr>
-          <p:txBody>
-            <a:bodyPr/>
-            <a:lstStyle/>
-            <a:p/>
-          </p:txBody>
-        </p:sp>
-        <p:sp>
-          <p:nvSpPr>
-            <p:cNvPr id="70" name="pl70"/>
-            <p:cNvSpPr/>
-            <p:nvPr/>
-          </p:nvSpPr>
-          <p:spPr>
-            <a:xfrm>
-              <a:off x="3824935" y="2311733"/>
-              <a:ext cx="2186272" cy="92979"/>
-            </a:xfrm>
-            <a:custGeom>
-              <a:avLst/>
-              <a:pathLst>
-                <a:path w="2186272" h="92979">
-                  <a:moveTo>
-                    <a:pt x="0" y="92979"/>
-                  </a:moveTo>
-                  <a:lnTo>
-                    <a:pt x="546568" y="44579"/>
-                  </a:lnTo>
-                  <a:lnTo>
-                    <a:pt x="1093136" y="54769"/>
-                  </a:lnTo>
-                  <a:lnTo>
-                    <a:pt x="1639704" y="0"/>
-                  </a:lnTo>
-                  <a:lnTo>
-                    <a:pt x="2186272" y="2547"/>
-                  </a:lnTo>
-                </a:path>
-              </a:pathLst>
-            </a:custGeom>
-            <a:ln w="13550" cap="flat">
-              <a:solidFill>
-                <a:srgbClr val="E7298A">
-                  <a:alpha val="100000"/>
-                </a:srgbClr>
-              </a:solidFill>
-              <a:prstDash val="solid"/>
-              <a:round/>
-            </a:ln>
-          </p:spPr>
-          <p:txBody>
-            <a:bodyPr/>
-            <a:lstStyle/>
-            <a:p/>
-          </p:txBody>
-        </p:sp>
-        <p:sp>
-          <p:nvSpPr>
-            <p:cNvPr id="71" name="pt71"/>
-            <p:cNvSpPr/>
-            <p:nvPr/>
-          </p:nvSpPr>
-          <p:spPr>
-            <a:xfrm>
-              <a:off x="3800109" y="3321150"/>
-              <a:ext cx="49651" cy="49651"/>
-            </a:xfrm>
-            <a:prstGeom prst="ellipse">
-              <a:avLst/>
-            </a:prstGeom>
-            <a:solidFill>
-              <a:srgbClr val="7570B3">
-                <a:alpha val="100000"/>
-              </a:srgbClr>
-            </a:solidFill>
-            <a:ln w="9000" cap="rnd">
-              <a:solidFill>
-                <a:srgbClr val="7570B3">
-                  <a:alpha val="100000"/>
-                </a:srgbClr>
-              </a:solidFill>
-              <a:prstDash val="solid"/>
-              <a:round/>
-            </a:ln>
-          </p:spPr>
-          <p:txBody>
-            <a:bodyPr/>
-            <a:lstStyle/>
-            <a:p/>
-          </p:txBody>
-        </p:sp>
-        <p:sp>
-          <p:nvSpPr>
-            <p:cNvPr id="72" name="pt72"/>
-            <p:cNvSpPr/>
-            <p:nvPr/>
-          </p:nvSpPr>
-          <p:spPr>
-            <a:xfrm>
-              <a:off x="3800109" y="2379887"/>
-              <a:ext cx="49651" cy="49651"/>
-            </a:xfrm>
-            <a:prstGeom prst="ellipse">
-              <a:avLst/>
-            </a:prstGeom>
-            <a:solidFill>
-              <a:srgbClr val="E7298A">
-                <a:alpha val="100000"/>
-              </a:srgbClr>
-            </a:solidFill>
-            <a:ln w="9000" cap="rnd">
-              <a:solidFill>
-                <a:srgbClr val="E7298A">
-                  <a:alpha val="100000"/>
-                </a:srgbClr>
-              </a:solidFill>
-              <a:prstDash val="solid"/>
-              <a:round/>
-            </a:ln>
-          </p:spPr>
-          <p:txBody>
-            <a:bodyPr/>
-            <a:lstStyle/>
-            <a:p/>
-          </p:txBody>
-        </p:sp>
-        <p:sp>
-          <p:nvSpPr>
-            <p:cNvPr id="73" name="pt73"/>
-            <p:cNvSpPr/>
-            <p:nvPr/>
-          </p:nvSpPr>
-          <p:spPr>
-            <a:xfrm>
-              <a:off x="4346677" y="3289307"/>
-              <a:ext cx="49651" cy="49651"/>
-            </a:xfrm>
-            <a:prstGeom prst="ellipse">
-              <a:avLst/>
-            </a:prstGeom>
-            <a:solidFill>
-              <a:srgbClr val="7570B3">
-                <a:alpha val="100000"/>
-              </a:srgbClr>
-            </a:solidFill>
-            <a:ln w="9000" cap="rnd">
-              <a:solidFill>
-                <a:srgbClr val="7570B3">
-                  <a:alpha val="100000"/>
-                </a:srgbClr>
-              </a:solidFill>
-              <a:prstDash val="solid"/>
-              <a:round/>
-            </a:ln>
-          </p:spPr>
-          <p:txBody>
-            <a:bodyPr/>
-            <a:lstStyle/>
-            <a:p/>
-          </p:txBody>
-        </p:sp>
-        <p:sp>
-          <p:nvSpPr>
-            <p:cNvPr id="74" name="pt74"/>
-            <p:cNvSpPr/>
-            <p:nvPr/>
-          </p:nvSpPr>
-          <p:spPr>
-            <a:xfrm>
-              <a:off x="4346677" y="2331486"/>
-              <a:ext cx="49651" cy="49651"/>
-            </a:xfrm>
-            <a:prstGeom prst="ellipse">
-              <a:avLst/>
-            </a:prstGeom>
-            <a:solidFill>
-              <a:srgbClr val="E7298A">
-                <a:alpha val="100000"/>
-              </a:srgbClr>
-            </a:solidFill>
-            <a:ln w="9000" cap="rnd">
-              <a:solidFill>
-                <a:srgbClr val="E7298A">
-                  <a:alpha val="100000"/>
-                </a:srgbClr>
-              </a:solidFill>
-              <a:prstDash val="solid"/>
-              <a:round/>
-            </a:ln>
-          </p:spPr>
-          <p:txBody>
-            <a:bodyPr/>
-            <a:lstStyle/>
-            <a:p/>
-          </p:txBody>
-        </p:sp>
-        <p:sp>
-          <p:nvSpPr>
-            <p:cNvPr id="75" name="pt75"/>
-            <p:cNvSpPr/>
-            <p:nvPr/>
-          </p:nvSpPr>
-          <p:spPr>
-            <a:xfrm>
-              <a:off x="4893245" y="3379740"/>
-              <a:ext cx="49651" cy="49651"/>
-            </a:xfrm>
-            <a:prstGeom prst="ellipse">
-              <a:avLst/>
-            </a:prstGeom>
-            <a:solidFill>
-              <a:srgbClr val="7570B3">
-                <a:alpha val="100000"/>
-              </a:srgbClr>
-            </a:solidFill>
-            <a:ln w="9000" cap="rnd">
-              <a:solidFill>
-                <a:srgbClr val="7570B3">
-                  <a:alpha val="100000"/>
-                </a:srgbClr>
-              </a:solidFill>
-              <a:prstDash val="solid"/>
-              <a:round/>
-            </a:ln>
-          </p:spPr>
-          <p:txBody>
-            <a:bodyPr/>
-            <a:lstStyle/>
-            <a:p/>
-          </p:txBody>
-        </p:sp>
-        <p:sp>
-          <p:nvSpPr>
-            <p:cNvPr id="76" name="pt76"/>
-            <p:cNvSpPr/>
-            <p:nvPr/>
-          </p:nvSpPr>
-          <p:spPr>
-            <a:xfrm>
-              <a:off x="4893245" y="2341676"/>
-              <a:ext cx="49651" cy="49651"/>
-            </a:xfrm>
-            <a:prstGeom prst="ellipse">
-              <a:avLst/>
-            </a:prstGeom>
-            <a:solidFill>
-              <a:srgbClr val="E7298A">
-                <a:alpha val="100000"/>
-              </a:srgbClr>
-            </a:solidFill>
-            <a:ln w="9000" cap="rnd">
-              <a:solidFill>
-                <a:srgbClr val="E7298A">
-                  <a:alpha val="100000"/>
-                </a:srgbClr>
-              </a:solidFill>
-              <a:prstDash val="solid"/>
-              <a:round/>
-            </a:ln>
-          </p:spPr>
-          <p:txBody>
-            <a:bodyPr/>
-            <a:lstStyle/>
-            <a:p/>
-          </p:txBody>
-        </p:sp>
-        <p:sp>
-          <p:nvSpPr>
-            <p:cNvPr id="77" name="pt77"/>
-            <p:cNvSpPr/>
-            <p:nvPr/>
-          </p:nvSpPr>
-          <p:spPr>
-            <a:xfrm>
-              <a:off x="5439813" y="3420498"/>
-              <a:ext cx="49651" cy="49651"/>
-            </a:xfrm>
-            <a:prstGeom prst="ellipse">
-              <a:avLst/>
-            </a:prstGeom>
-            <a:solidFill>
-              <a:srgbClr val="7570B3">
-                <a:alpha val="100000"/>
-              </a:srgbClr>
-            </a:solidFill>
-            <a:ln w="9000" cap="rnd">
-              <a:solidFill>
-                <a:srgbClr val="7570B3">
-                  <a:alpha val="100000"/>
-                </a:srgbClr>
-              </a:solidFill>
-              <a:prstDash val="solid"/>
-              <a:round/>
-            </a:ln>
-          </p:spPr>
-          <p:txBody>
-            <a:bodyPr/>
-            <a:lstStyle/>
-            <a:p/>
-          </p:txBody>
-        </p:sp>
-        <p:sp>
-          <p:nvSpPr>
-            <p:cNvPr id="78" name="pt78"/>
-            <p:cNvSpPr/>
-            <p:nvPr/>
-          </p:nvSpPr>
-          <p:spPr>
-            <a:xfrm>
-              <a:off x="5439813" y="2286907"/>
-              <a:ext cx="49651" cy="49651"/>
-            </a:xfrm>
-            <a:prstGeom prst="ellipse">
-              <a:avLst/>
-            </a:prstGeom>
-            <a:solidFill>
-              <a:srgbClr val="E7298A">
-                <a:alpha val="100000"/>
-              </a:srgbClr>
-            </a:solidFill>
-            <a:ln w="9000" cap="rnd">
-              <a:solidFill>
-                <a:srgbClr val="E7298A">
-                  <a:alpha val="100000"/>
-                </a:srgbClr>
-              </a:solidFill>
-              <a:prstDash val="solid"/>
-              <a:round/>
-            </a:ln>
-          </p:spPr>
-          <p:txBody>
-            <a:bodyPr/>
-            <a:lstStyle/>
-            <a:p/>
-          </p:txBody>
-        </p:sp>
-        <p:sp>
-          <p:nvSpPr>
-            <p:cNvPr id="79" name="pt79"/>
-            <p:cNvSpPr/>
-            <p:nvPr/>
-          </p:nvSpPr>
-          <p:spPr>
-            <a:xfrm>
-              <a:off x="5986382" y="3378466"/>
-              <a:ext cx="49651" cy="49651"/>
-            </a:xfrm>
-            <a:prstGeom prst="ellipse">
-              <a:avLst/>
-            </a:prstGeom>
-            <a:solidFill>
-              <a:srgbClr val="7570B3">
-                <a:alpha val="100000"/>
-              </a:srgbClr>
-            </a:solidFill>
-            <a:ln w="9000" cap="rnd">
-              <a:solidFill>
-                <a:srgbClr val="7570B3">
-                  <a:alpha val="100000"/>
-                </a:srgbClr>
-              </a:solidFill>
-              <a:prstDash val="solid"/>
-              <a:round/>
-            </a:ln>
-          </p:spPr>
-          <p:txBody>
-            <a:bodyPr/>
-            <a:lstStyle/>
-            <a:p/>
-          </p:txBody>
-        </p:sp>
-        <p:sp>
-          <p:nvSpPr>
-            <p:cNvPr id="80" name="pt80"/>
-            <p:cNvSpPr/>
-            <p:nvPr/>
-          </p:nvSpPr>
-          <p:spPr>
-            <a:xfrm>
-              <a:off x="5986382" y="2289454"/>
-              <a:ext cx="49651" cy="49651"/>
-            </a:xfrm>
-            <a:prstGeom prst="ellipse">
-              <a:avLst/>
-            </a:prstGeom>
-            <a:solidFill>
-              <a:srgbClr val="E7298A">
-                <a:alpha val="100000"/>
-              </a:srgbClr>
-            </a:solidFill>
-            <a:ln w="9000" cap="rnd">
-              <a:solidFill>
-                <a:srgbClr val="E7298A">
-                  <a:alpha val="100000"/>
-                </a:srgbClr>
-              </a:solidFill>
-              <a:prstDash val="solid"/>
-              <a:round/>
-            </a:ln>
-          </p:spPr>
-          <p:txBody>
-            <a:bodyPr/>
-            <a:lstStyle/>
-            <a:p/>
-          </p:txBody>
-        </p:sp>
-        <p:sp>
-          <p:nvSpPr>
-            <p:cNvPr id="81" name="rc81"/>
+            <p:cNvPr id="45" name="rc45"/>
             <p:cNvSpPr/>
             <p:nvPr/>
           </p:nvSpPr>
@@ -6022,175 +4644,13 @@
         </p:sp>
         <p:sp>
           <p:nvSpPr>
-            <p:cNvPr id="82" name="tx82"/>
-            <p:cNvSpPr/>
-            <p:nvPr/>
-          </p:nvSpPr>
-          <p:spPr>
-            <a:xfrm>
-              <a:off x="1576363" y="108174"/>
-              <a:ext cx="859928" cy="110966"/>
-            </a:xfrm>
-            <a:prstGeom prst="rect">
-              <a:avLst/>
-            </a:prstGeom>
-            <a:noFill/>
-          </p:spPr>
-          <p:txBody>
-            <a:bodyPr lIns="0" rIns="0" tIns="0" bIns="0" anchorCtr="1" anchor="ctr" wrap="none"/>
-            <a:lstStyle/>
-            <a:p>
-              <a:pPr algn="l" marL="0" marR="0" indent="0">
-                <a:lnSpc>
-                  <a:spcPts val="960"/>
-                </a:lnSpc>
-                <a:spcBef>
-                  <a:spcPts val="0"/>
-                </a:spcBef>
-                <a:spcAft>
-                  <a:spcPts val="0"/>
-                </a:spcAft>
-              </a:pPr>
-              <a:r>
-                <a:rPr sz="960">
-                  <a:solidFill>
-                    <a:srgbClr val="1A1A1A">
-                      <a:alpha val="100000"/>
-                    </a:srgbClr>
-                  </a:solidFill>
-                  <a:latin typeface="Times New Roman"/>
-                  <a:cs typeface="Times New Roman"/>
-                </a:rPr>
-                <a:t>ElegansXElegans</a:t>
-              </a:r>
-            </a:p>
-          </p:txBody>
-        </p:sp>
-        <p:sp>
-          <p:nvSpPr>
-            <p:cNvPr id="83" name="rc83"/>
-            <p:cNvSpPr/>
-            <p:nvPr/>
-          </p:nvSpPr>
-          <p:spPr>
-            <a:xfrm>
-              <a:off x="3496994" y="69589"/>
-              <a:ext cx="2842154" cy="218379"/>
-            </a:xfrm>
-            <a:prstGeom prst="rect">
-              <a:avLst/>
-            </a:prstGeom>
-            <a:solidFill>
-              <a:srgbClr val="FFFFFF">
-                <a:alpha val="100000"/>
-              </a:srgbClr>
-            </a:solidFill>
-            <a:ln w="27101" cap="rnd">
-              <a:solidFill>
-                <a:srgbClr val="000000">
-                  <a:alpha val="100000"/>
-                </a:srgbClr>
-              </a:solidFill>
-              <a:prstDash val="solid"/>
-              <a:round/>
-            </a:ln>
-          </p:spPr>
-          <p:txBody>
-            <a:bodyPr/>
-            <a:lstStyle/>
-            <a:p/>
-          </p:txBody>
-        </p:sp>
-        <p:sp>
-          <p:nvSpPr>
-            <p:cNvPr id="84" name="tx84"/>
-            <p:cNvSpPr/>
-            <p:nvPr/>
-          </p:nvSpPr>
-          <p:spPr>
-            <a:xfrm>
-              <a:off x="4454233" y="132642"/>
-              <a:ext cx="927675" cy="86498"/>
-            </a:xfrm>
-            <a:prstGeom prst="rect">
-              <a:avLst/>
-            </a:prstGeom>
-            <a:noFill/>
-          </p:spPr>
-          <p:txBody>
-            <a:bodyPr lIns="0" rIns="0" tIns="0" bIns="0" anchorCtr="1" anchor="ctr" wrap="none"/>
-            <a:lstStyle/>
-            <a:p>
-              <a:pPr algn="l" marL="0" marR="0" indent="0">
-                <a:lnSpc>
-                  <a:spcPts val="960"/>
-                </a:lnSpc>
-                <a:spcBef>
-                  <a:spcPts val="0"/>
-                </a:spcBef>
-                <a:spcAft>
-                  <a:spcPts val="0"/>
-                </a:spcAft>
-              </a:pPr>
-              <a:r>
-                <a:rPr sz="960">
-                  <a:solidFill>
-                    <a:srgbClr val="1A1A1A">
-                      <a:alpha val="100000"/>
-                    </a:srgbClr>
-                  </a:solidFill>
-                  <a:latin typeface="Times New Roman"/>
-                  <a:cs typeface="Times New Roman"/>
-                </a:rPr>
-                <a:t>GraellsiiXGraellsii</a:t>
-              </a:r>
-            </a:p>
-          </p:txBody>
-        </p:sp>
-        <p:sp>
-          <p:nvSpPr>
-            <p:cNvPr id="85" name="rc85"/>
-            <p:cNvSpPr/>
-            <p:nvPr/>
-          </p:nvSpPr>
-          <p:spPr>
-            <a:xfrm>
-              <a:off x="585250" y="1943566"/>
-              <a:ext cx="2842154" cy="218379"/>
-            </a:xfrm>
-            <a:prstGeom prst="rect">
-              <a:avLst/>
-            </a:prstGeom>
-            <a:solidFill>
-              <a:srgbClr val="FFFFFF">
-                <a:alpha val="100000"/>
-              </a:srgbClr>
-            </a:solidFill>
-            <a:ln w="27101" cap="rnd">
-              <a:solidFill>
-                <a:srgbClr val="000000">
-                  <a:alpha val="100000"/>
-                </a:srgbClr>
-              </a:solidFill>
-              <a:prstDash val="solid"/>
-              <a:round/>
-            </a:ln>
-          </p:spPr>
-          <p:txBody>
-            <a:bodyPr/>
-            <a:lstStyle/>
-            <a:p/>
-          </p:txBody>
-        </p:sp>
-        <p:sp>
-          <p:nvSpPr>
-            <p:cNvPr id="86" name="tx86"/>
-            <p:cNvSpPr/>
-            <p:nvPr/>
-          </p:nvSpPr>
-          <p:spPr>
-            <a:xfrm>
-              <a:off x="1559426" y="1982152"/>
+            <p:cNvPr id="46" name="tx46"/>
+            <p:cNvSpPr/>
+            <p:nvPr/>
+          </p:nvSpPr>
+          <p:spPr>
+            <a:xfrm>
+              <a:off x="1559426" y="108174"/>
               <a:ext cx="893802" cy="110966"/>
             </a:xfrm>
             <a:prstGeom prst="rect">
@@ -6230,13 +4690,13 @@
         </p:sp>
         <p:sp>
           <p:nvSpPr>
-            <p:cNvPr id="87" name="rc87"/>
-            <p:cNvSpPr/>
-            <p:nvPr/>
-          </p:nvSpPr>
-          <p:spPr>
-            <a:xfrm>
-              <a:off x="3496994" y="1943566"/>
+            <p:cNvPr id="47" name="rc47"/>
+            <p:cNvSpPr/>
+            <p:nvPr/>
+          </p:nvSpPr>
+          <p:spPr>
+            <a:xfrm>
+              <a:off x="3496994" y="69589"/>
               <a:ext cx="2842154" cy="218379"/>
             </a:xfrm>
             <a:prstGeom prst="rect">
@@ -6265,13 +4725,13 @@
         </p:sp>
         <p:sp>
           <p:nvSpPr>
-            <p:cNvPr id="88" name="tx88"/>
-            <p:cNvSpPr/>
-            <p:nvPr/>
-          </p:nvSpPr>
-          <p:spPr>
-            <a:xfrm>
-              <a:off x="4471170" y="1982152"/>
+            <p:cNvPr id="48" name="tx48"/>
+            <p:cNvSpPr/>
+            <p:nvPr/>
+          </p:nvSpPr>
+          <p:spPr>
+            <a:xfrm>
+              <a:off x="4471170" y="108174"/>
               <a:ext cx="893802" cy="110966"/>
             </a:xfrm>
             <a:prstGeom prst="rect">
@@ -6311,13 +4771,13 @@
         </p:sp>
         <p:sp>
           <p:nvSpPr>
-            <p:cNvPr id="89" name="pl89"/>
-            <p:cNvSpPr/>
-            <p:nvPr/>
-          </p:nvSpPr>
-          <p:spPr>
-            <a:xfrm>
-              <a:off x="585250" y="3747955"/>
+            <p:cNvPr id="49" name="pl49"/>
+            <p:cNvSpPr/>
+            <p:nvPr/>
+          </p:nvSpPr>
+          <p:spPr>
+            <a:xfrm>
+              <a:off x="585250" y="1560968"/>
               <a:ext cx="2842154" cy="0"/>
             </a:xfrm>
             <a:custGeom>
@@ -6351,13 +4811,13 @@
         </p:sp>
         <p:sp>
           <p:nvSpPr>
-            <p:cNvPr id="90" name="pl90"/>
-            <p:cNvSpPr/>
-            <p:nvPr/>
-          </p:nvSpPr>
-          <p:spPr>
-            <a:xfrm>
-              <a:off x="913191" y="3747955"/>
+            <p:cNvPr id="50" name="pl50"/>
+            <p:cNvSpPr/>
+            <p:nvPr/>
+          </p:nvSpPr>
+          <p:spPr>
+            <a:xfrm>
+              <a:off x="913191" y="1560968"/>
               <a:ext cx="0" cy="34794"/>
             </a:xfrm>
             <a:custGeom>
@@ -6391,13 +4851,13 @@
         </p:sp>
         <p:sp>
           <p:nvSpPr>
-            <p:cNvPr id="91" name="pl91"/>
-            <p:cNvSpPr/>
-            <p:nvPr/>
-          </p:nvSpPr>
-          <p:spPr>
-            <a:xfrm>
-              <a:off x="1459759" y="3747955"/>
+            <p:cNvPr id="51" name="pl51"/>
+            <p:cNvSpPr/>
+            <p:nvPr/>
+          </p:nvSpPr>
+          <p:spPr>
+            <a:xfrm>
+              <a:off x="1459759" y="1560968"/>
               <a:ext cx="0" cy="34794"/>
             </a:xfrm>
             <a:custGeom>
@@ -6431,13 +4891,13 @@
         </p:sp>
         <p:sp>
           <p:nvSpPr>
-            <p:cNvPr id="92" name="pl92"/>
-            <p:cNvSpPr/>
-            <p:nvPr/>
-          </p:nvSpPr>
-          <p:spPr>
-            <a:xfrm>
-              <a:off x="2006327" y="3747955"/>
+            <p:cNvPr id="52" name="pl52"/>
+            <p:cNvSpPr/>
+            <p:nvPr/>
+          </p:nvSpPr>
+          <p:spPr>
+            <a:xfrm>
+              <a:off x="2006327" y="1560968"/>
               <a:ext cx="0" cy="34794"/>
             </a:xfrm>
             <a:custGeom>
@@ -6471,13 +4931,13 @@
         </p:sp>
         <p:sp>
           <p:nvSpPr>
-            <p:cNvPr id="93" name="pl93"/>
-            <p:cNvSpPr/>
-            <p:nvPr/>
-          </p:nvSpPr>
-          <p:spPr>
-            <a:xfrm>
-              <a:off x="2552896" y="3747955"/>
+            <p:cNvPr id="53" name="pl53"/>
+            <p:cNvSpPr/>
+            <p:nvPr/>
+          </p:nvSpPr>
+          <p:spPr>
+            <a:xfrm>
+              <a:off x="2552896" y="1560968"/>
               <a:ext cx="0" cy="34794"/>
             </a:xfrm>
             <a:custGeom>
@@ -6511,13 +4971,13 @@
         </p:sp>
         <p:sp>
           <p:nvSpPr>
-            <p:cNvPr id="94" name="pl94"/>
-            <p:cNvSpPr/>
-            <p:nvPr/>
-          </p:nvSpPr>
-          <p:spPr>
-            <a:xfrm>
-              <a:off x="3099464" y="3747955"/>
+            <p:cNvPr id="54" name="pl54"/>
+            <p:cNvSpPr/>
+            <p:nvPr/>
+          </p:nvSpPr>
+          <p:spPr>
+            <a:xfrm>
+              <a:off x="3099464" y="1560968"/>
               <a:ext cx="0" cy="34794"/>
             </a:xfrm>
             <a:custGeom>
@@ -6551,14 +5011,14 @@
         </p:sp>
         <p:sp>
           <p:nvSpPr>
-            <p:cNvPr id="95" name="tx95"/>
-            <p:cNvSpPr/>
-            <p:nvPr/>
-          </p:nvSpPr>
-          <p:spPr>
-            <a:xfrm rot="-600000">
-              <a:off x="448358" y="3846589"/>
-              <a:ext cx="473868" cy="71933"/>
+            <p:cNvPr id="55" name="tx55"/>
+            <p:cNvSpPr/>
+            <p:nvPr/>
+          </p:nvSpPr>
+          <p:spPr>
+            <a:xfrm>
+              <a:off x="882711" y="1621931"/>
+              <a:ext cx="60960" cy="82391"/>
             </a:xfrm>
             <a:prstGeom prst="rect">
               <a:avLst/>
@@ -6571,7 +5031,7 @@
             <a:p>
               <a:pPr algn="l" marL="0" marR="0" indent="0">
                 <a:lnSpc>
-                  <a:spcPts val="800"/>
+                  <a:spcPts val="960"/>
                 </a:lnSpc>
                 <a:spcBef>
                   <a:spcPts val="0"/>
@@ -6581,7 +5041,7 @@
                 </a:spcAft>
               </a:pPr>
               <a:r>
-                <a:rPr sz="800">
+                <a:rPr sz="960">
                   <a:solidFill>
                     <a:srgbClr val="4D4D4D">
                       <a:alpha val="100000"/>
@@ -6590,21 +5050,21 @@
                   <a:latin typeface="Times New Roman"/>
                   <a:cs typeface="Times New Roman"/>
                 </a:rPr>
-                <a:t>Mechanical</a:t>
+                <a:t>1</a:t>
               </a:r>
             </a:p>
           </p:txBody>
         </p:sp>
         <p:sp>
           <p:nvSpPr>
-            <p:cNvPr id="96" name="tx96"/>
-            <p:cNvSpPr/>
-            <p:nvPr/>
-          </p:nvSpPr>
-          <p:spPr>
-            <a:xfrm rot="-600000">
-              <a:off x="689832" y="3873282"/>
-              <a:ext cx="781298" cy="71933"/>
+            <p:cNvPr id="56" name="tx56"/>
+            <p:cNvSpPr/>
+            <p:nvPr/>
+          </p:nvSpPr>
+          <p:spPr>
+            <a:xfrm>
+              <a:off x="1429279" y="1621931"/>
+              <a:ext cx="60960" cy="82391"/>
             </a:xfrm>
             <a:prstGeom prst="rect">
               <a:avLst/>
@@ -6617,7 +5077,7 @@
             <a:p>
               <a:pPr algn="l" marL="0" marR="0" indent="0">
                 <a:lnSpc>
-                  <a:spcPts val="800"/>
+                  <a:spcPts val="960"/>
                 </a:lnSpc>
                 <a:spcBef>
                   <a:spcPts val="0"/>
@@ -6627,7 +5087,7 @@
                 </a:spcAft>
               </a:pPr>
               <a:r>
-                <a:rPr sz="800">
+                <a:rPr sz="960">
                   <a:solidFill>
                     <a:srgbClr val="4D4D4D">
                       <a:alpha val="100000"/>
@@ -6636,21 +5096,21 @@
                   <a:latin typeface="Times New Roman"/>
                   <a:cs typeface="Times New Roman"/>
                 </a:rPr>
-                <a:t>Mechanical.Tactile</a:t>
+                <a:t>2</a:t>
               </a:r>
             </a:p>
           </p:txBody>
         </p:sp>
         <p:sp>
           <p:nvSpPr>
-            <p:cNvPr id="97" name="tx97"/>
-            <p:cNvSpPr/>
-            <p:nvPr/>
-          </p:nvSpPr>
-          <p:spPr>
-            <a:xfrm rot="-600000">
-              <a:off x="1533820" y="3826921"/>
-              <a:ext cx="479821" cy="92273"/>
+            <p:cNvPr id="57" name="tx57"/>
+            <p:cNvSpPr/>
+            <p:nvPr/>
+          </p:nvSpPr>
+          <p:spPr>
+            <a:xfrm>
+              <a:off x="1975847" y="1620503"/>
+              <a:ext cx="60960" cy="83820"/>
             </a:xfrm>
             <a:prstGeom prst="rect">
               <a:avLst/>
@@ -6663,7 +5123,7 @@
             <a:p>
               <a:pPr algn="l" marL="0" marR="0" indent="0">
                 <a:lnSpc>
-                  <a:spcPts val="800"/>
+                  <a:spcPts val="960"/>
                 </a:lnSpc>
                 <a:spcBef>
                   <a:spcPts val="0"/>
@@ -6673,7 +5133,7 @@
                 </a:spcAft>
               </a:pPr>
               <a:r>
-                <a:rPr sz="800">
+                <a:rPr sz="960">
                   <a:solidFill>
                     <a:srgbClr val="4D4D4D">
                       <a:alpha val="100000"/>
@@ -6682,21 +5142,21 @@
                   <a:latin typeface="Times New Roman"/>
                   <a:cs typeface="Times New Roman"/>
                 </a:rPr>
-                <a:t>Oviposition</a:t>
+                <a:t>3</a:t>
               </a:r>
             </a:p>
           </p:txBody>
         </p:sp>
         <p:sp>
           <p:nvSpPr>
-            <p:cNvPr id="98" name="tx98"/>
-            <p:cNvSpPr/>
-            <p:nvPr/>
-          </p:nvSpPr>
-          <p:spPr>
-            <a:xfrm rot="-600000">
-              <a:off x="2153284" y="3820345"/>
-              <a:ext cx="406350" cy="92471"/>
+            <p:cNvPr id="58" name="tx58"/>
+            <p:cNvSpPr/>
+            <p:nvPr/>
+          </p:nvSpPr>
+          <p:spPr>
+            <a:xfrm>
+              <a:off x="2522416" y="1621931"/>
+              <a:ext cx="60960" cy="82391"/>
             </a:xfrm>
             <a:prstGeom prst="rect">
               <a:avLst/>
@@ -6709,7 +5169,7 @@
             <a:p>
               <a:pPr algn="l" marL="0" marR="0" indent="0">
                 <a:lnSpc>
-                  <a:spcPts val="800"/>
+                  <a:spcPts val="960"/>
                 </a:lnSpc>
                 <a:spcBef>
                   <a:spcPts val="0"/>
@@ -6719,7 +5179,7 @@
                 </a:spcAft>
               </a:pPr>
               <a:r>
-                <a:rPr sz="800">
+                <a:rPr sz="960">
                   <a:solidFill>
                     <a:srgbClr val="4D4D4D">
                       <a:alpha val="100000"/>
@@ -6728,21 +5188,21 @@
                   <a:latin typeface="Times New Roman"/>
                   <a:cs typeface="Times New Roman"/>
                 </a:rPr>
-                <a:t>Fecundity</a:t>
+                <a:t>4</a:t>
               </a:r>
             </a:p>
           </p:txBody>
         </p:sp>
         <p:sp>
           <p:nvSpPr>
-            <p:cNvPr id="99" name="tx99"/>
-            <p:cNvSpPr/>
-            <p:nvPr/>
-          </p:nvSpPr>
-          <p:spPr>
-            <a:xfrm rot="-600000">
-              <a:off x="2778231" y="3813488"/>
-              <a:ext cx="327372" cy="92471"/>
+            <p:cNvPr id="59" name="tx59"/>
+            <p:cNvSpPr/>
+            <p:nvPr/>
+          </p:nvSpPr>
+          <p:spPr>
+            <a:xfrm>
+              <a:off x="3068984" y="1622170"/>
+              <a:ext cx="60960" cy="82153"/>
             </a:xfrm>
             <a:prstGeom prst="rect">
               <a:avLst/>
@@ -6755,7 +5215,7 @@
             <a:p>
               <a:pPr algn="l" marL="0" marR="0" indent="0">
                 <a:lnSpc>
-                  <a:spcPts val="800"/>
+                  <a:spcPts val="960"/>
                 </a:lnSpc>
                 <a:spcBef>
                   <a:spcPts val="0"/>
@@ -6765,7 +5225,7 @@
                 </a:spcAft>
               </a:pPr>
               <a:r>
-                <a:rPr sz="800">
+                <a:rPr sz="960">
                   <a:solidFill>
                     <a:srgbClr val="4D4D4D">
                       <a:alpha val="100000"/>
@@ -6774,20 +5234,20 @@
                   <a:latin typeface="Times New Roman"/>
                   <a:cs typeface="Times New Roman"/>
                 </a:rPr>
-                <a:t>Fertility</a:t>
+                <a:t>5</a:t>
               </a:r>
             </a:p>
           </p:txBody>
         </p:sp>
         <p:sp>
           <p:nvSpPr>
-            <p:cNvPr id="100" name="pl100"/>
-            <p:cNvSpPr/>
-            <p:nvPr/>
-          </p:nvSpPr>
-          <p:spPr>
-            <a:xfrm>
-              <a:off x="3496994" y="3747955"/>
+            <p:cNvPr id="60" name="pl60"/>
+            <p:cNvSpPr/>
+            <p:nvPr/>
+          </p:nvSpPr>
+          <p:spPr>
+            <a:xfrm>
+              <a:off x="3496994" y="1560968"/>
               <a:ext cx="2842154" cy="0"/>
             </a:xfrm>
             <a:custGeom>
@@ -6821,13 +5281,13 @@
         </p:sp>
         <p:sp>
           <p:nvSpPr>
-            <p:cNvPr id="101" name="pl101"/>
-            <p:cNvSpPr/>
-            <p:nvPr/>
-          </p:nvSpPr>
-          <p:spPr>
-            <a:xfrm>
-              <a:off x="3824935" y="3747955"/>
+            <p:cNvPr id="61" name="pl61"/>
+            <p:cNvSpPr/>
+            <p:nvPr/>
+          </p:nvSpPr>
+          <p:spPr>
+            <a:xfrm>
+              <a:off x="3824935" y="1560968"/>
               <a:ext cx="0" cy="34794"/>
             </a:xfrm>
             <a:custGeom>
@@ -6861,13 +5321,13 @@
         </p:sp>
         <p:sp>
           <p:nvSpPr>
-            <p:cNvPr id="102" name="pl102"/>
-            <p:cNvSpPr/>
-            <p:nvPr/>
-          </p:nvSpPr>
-          <p:spPr>
-            <a:xfrm>
-              <a:off x="4371503" y="3747955"/>
+            <p:cNvPr id="62" name="pl62"/>
+            <p:cNvSpPr/>
+            <p:nvPr/>
+          </p:nvSpPr>
+          <p:spPr>
+            <a:xfrm>
+              <a:off x="4371503" y="1560968"/>
               <a:ext cx="0" cy="34794"/>
             </a:xfrm>
             <a:custGeom>
@@ -6901,13 +5361,13 @@
         </p:sp>
         <p:sp>
           <p:nvSpPr>
-            <p:cNvPr id="103" name="pl103"/>
-            <p:cNvSpPr/>
-            <p:nvPr/>
-          </p:nvSpPr>
-          <p:spPr>
-            <a:xfrm>
-              <a:off x="4918071" y="3747955"/>
+            <p:cNvPr id="63" name="pl63"/>
+            <p:cNvSpPr/>
+            <p:nvPr/>
+          </p:nvSpPr>
+          <p:spPr>
+            <a:xfrm>
+              <a:off x="4918071" y="1560968"/>
               <a:ext cx="0" cy="34794"/>
             </a:xfrm>
             <a:custGeom>
@@ -6941,13 +5401,13 @@
         </p:sp>
         <p:sp>
           <p:nvSpPr>
-            <p:cNvPr id="104" name="pl104"/>
-            <p:cNvSpPr/>
-            <p:nvPr/>
-          </p:nvSpPr>
-          <p:spPr>
-            <a:xfrm>
-              <a:off x="5464639" y="3747955"/>
+            <p:cNvPr id="64" name="pl64"/>
+            <p:cNvSpPr/>
+            <p:nvPr/>
+          </p:nvSpPr>
+          <p:spPr>
+            <a:xfrm>
+              <a:off x="5464639" y="1560968"/>
               <a:ext cx="0" cy="34794"/>
             </a:xfrm>
             <a:custGeom>
@@ -6981,13 +5441,13 @@
         </p:sp>
         <p:sp>
           <p:nvSpPr>
-            <p:cNvPr id="105" name="pl105"/>
-            <p:cNvSpPr/>
-            <p:nvPr/>
-          </p:nvSpPr>
-          <p:spPr>
-            <a:xfrm>
-              <a:off x="6011208" y="3747955"/>
+            <p:cNvPr id="65" name="pl65"/>
+            <p:cNvSpPr/>
+            <p:nvPr/>
+          </p:nvSpPr>
+          <p:spPr>
+            <a:xfrm>
+              <a:off x="6011208" y="1560968"/>
               <a:ext cx="0" cy="34794"/>
             </a:xfrm>
             <a:custGeom>
@@ -7021,14 +5481,14 @@
         </p:sp>
         <p:sp>
           <p:nvSpPr>
-            <p:cNvPr id="106" name="tx106"/>
-            <p:cNvSpPr/>
-            <p:nvPr/>
-          </p:nvSpPr>
-          <p:spPr>
-            <a:xfrm rot="-600000">
-              <a:off x="3360101" y="3846589"/>
-              <a:ext cx="473868" cy="71933"/>
+            <p:cNvPr id="66" name="tx66"/>
+            <p:cNvSpPr/>
+            <p:nvPr/>
+          </p:nvSpPr>
+          <p:spPr>
+            <a:xfrm>
+              <a:off x="3794455" y="1621931"/>
+              <a:ext cx="60960" cy="82391"/>
             </a:xfrm>
             <a:prstGeom prst="rect">
               <a:avLst/>
@@ -7041,7 +5501,7 @@
             <a:p>
               <a:pPr algn="l" marL="0" marR="0" indent="0">
                 <a:lnSpc>
-                  <a:spcPts val="800"/>
+                  <a:spcPts val="960"/>
                 </a:lnSpc>
                 <a:spcBef>
                   <a:spcPts val="0"/>
@@ -7051,7 +5511,7 @@
                 </a:spcAft>
               </a:pPr>
               <a:r>
-                <a:rPr sz="800">
+                <a:rPr sz="960">
                   <a:solidFill>
                     <a:srgbClr val="4D4D4D">
                       <a:alpha val="100000"/>
@@ -7060,21 +5520,21 @@
                   <a:latin typeface="Times New Roman"/>
                   <a:cs typeface="Times New Roman"/>
                 </a:rPr>
-                <a:t>Mechanical</a:t>
+                <a:t>1</a:t>
               </a:r>
             </a:p>
           </p:txBody>
         </p:sp>
         <p:sp>
           <p:nvSpPr>
-            <p:cNvPr id="107" name="tx107"/>
-            <p:cNvSpPr/>
-            <p:nvPr/>
-          </p:nvSpPr>
-          <p:spPr>
-            <a:xfrm rot="-600000">
-              <a:off x="3601575" y="3873282"/>
-              <a:ext cx="781298" cy="71933"/>
+            <p:cNvPr id="67" name="tx67"/>
+            <p:cNvSpPr/>
+            <p:nvPr/>
+          </p:nvSpPr>
+          <p:spPr>
+            <a:xfrm>
+              <a:off x="4341023" y="1621931"/>
+              <a:ext cx="60960" cy="82391"/>
             </a:xfrm>
             <a:prstGeom prst="rect">
               <a:avLst/>
@@ -7087,7 +5547,7 @@
             <a:p>
               <a:pPr algn="l" marL="0" marR="0" indent="0">
                 <a:lnSpc>
-                  <a:spcPts val="800"/>
+                  <a:spcPts val="960"/>
                 </a:lnSpc>
                 <a:spcBef>
                   <a:spcPts val="0"/>
@@ -7097,7 +5557,7 @@
                 </a:spcAft>
               </a:pPr>
               <a:r>
-                <a:rPr sz="800">
+                <a:rPr sz="960">
                   <a:solidFill>
                     <a:srgbClr val="4D4D4D">
                       <a:alpha val="100000"/>
@@ -7106,21 +5566,21 @@
                   <a:latin typeface="Times New Roman"/>
                   <a:cs typeface="Times New Roman"/>
                 </a:rPr>
-                <a:t>Mechanical.Tactile</a:t>
+                <a:t>2</a:t>
               </a:r>
             </a:p>
           </p:txBody>
         </p:sp>
         <p:sp>
           <p:nvSpPr>
-            <p:cNvPr id="108" name="tx108"/>
-            <p:cNvSpPr/>
-            <p:nvPr/>
-          </p:nvSpPr>
-          <p:spPr>
-            <a:xfrm rot="-600000">
-              <a:off x="4445564" y="3826921"/>
-              <a:ext cx="479821" cy="92273"/>
+            <p:cNvPr id="68" name="tx68"/>
+            <p:cNvSpPr/>
+            <p:nvPr/>
+          </p:nvSpPr>
+          <p:spPr>
+            <a:xfrm>
+              <a:off x="4887591" y="1620503"/>
+              <a:ext cx="60960" cy="83820"/>
             </a:xfrm>
             <a:prstGeom prst="rect">
               <a:avLst/>
@@ -7133,7 +5593,7 @@
             <a:p>
               <a:pPr algn="l" marL="0" marR="0" indent="0">
                 <a:lnSpc>
-                  <a:spcPts val="800"/>
+                  <a:spcPts val="960"/>
                 </a:lnSpc>
                 <a:spcBef>
                   <a:spcPts val="0"/>
@@ -7143,7 +5603,7 @@
                 </a:spcAft>
               </a:pPr>
               <a:r>
-                <a:rPr sz="800">
+                <a:rPr sz="960">
                   <a:solidFill>
                     <a:srgbClr val="4D4D4D">
                       <a:alpha val="100000"/>
@@ -7152,21 +5612,21 @@
                   <a:latin typeface="Times New Roman"/>
                   <a:cs typeface="Times New Roman"/>
                 </a:rPr>
-                <a:t>Oviposition</a:t>
+                <a:t>3</a:t>
               </a:r>
             </a:p>
           </p:txBody>
         </p:sp>
         <p:sp>
           <p:nvSpPr>
-            <p:cNvPr id="109" name="tx109"/>
-            <p:cNvSpPr/>
-            <p:nvPr/>
-          </p:nvSpPr>
-          <p:spPr>
-            <a:xfrm rot="-600000">
-              <a:off x="5065028" y="3820345"/>
-              <a:ext cx="406350" cy="92471"/>
+            <p:cNvPr id="69" name="tx69"/>
+            <p:cNvSpPr/>
+            <p:nvPr/>
+          </p:nvSpPr>
+          <p:spPr>
+            <a:xfrm>
+              <a:off x="5434159" y="1621931"/>
+              <a:ext cx="60960" cy="82391"/>
             </a:xfrm>
             <a:prstGeom prst="rect">
               <a:avLst/>
@@ -7179,7 +5639,7 @@
             <a:p>
               <a:pPr algn="l" marL="0" marR="0" indent="0">
                 <a:lnSpc>
-                  <a:spcPts val="800"/>
+                  <a:spcPts val="960"/>
                 </a:lnSpc>
                 <a:spcBef>
                   <a:spcPts val="0"/>
@@ -7189,7 +5649,7 @@
                 </a:spcAft>
               </a:pPr>
               <a:r>
-                <a:rPr sz="800">
+                <a:rPr sz="960">
                   <a:solidFill>
                     <a:srgbClr val="4D4D4D">
                       <a:alpha val="100000"/>
@@ -7198,21 +5658,21 @@
                   <a:latin typeface="Times New Roman"/>
                   <a:cs typeface="Times New Roman"/>
                 </a:rPr>
-                <a:t>Fecundity</a:t>
+                <a:t>4</a:t>
               </a:r>
             </a:p>
           </p:txBody>
         </p:sp>
         <p:sp>
           <p:nvSpPr>
-            <p:cNvPr id="110" name="tx110"/>
-            <p:cNvSpPr/>
-            <p:nvPr/>
-          </p:nvSpPr>
-          <p:spPr>
-            <a:xfrm rot="-600000">
-              <a:off x="5689975" y="3813488"/>
-              <a:ext cx="327372" cy="92471"/>
+            <p:cNvPr id="70" name="tx70"/>
+            <p:cNvSpPr/>
+            <p:nvPr/>
+          </p:nvSpPr>
+          <p:spPr>
+            <a:xfrm>
+              <a:off x="5980728" y="1622170"/>
+              <a:ext cx="60960" cy="82153"/>
             </a:xfrm>
             <a:prstGeom prst="rect">
               <a:avLst/>
@@ -7225,7 +5685,7 @@
             <a:p>
               <a:pPr algn="l" marL="0" marR="0" indent="0">
                 <a:lnSpc>
-                  <a:spcPts val="800"/>
+                  <a:spcPts val="960"/>
                 </a:lnSpc>
                 <a:spcBef>
                   <a:spcPts val="0"/>
@@ -7235,7 +5695,7 @@
                 </a:spcAft>
               </a:pPr>
               <a:r>
-                <a:rPr sz="800">
+                <a:rPr sz="960">
                   <a:solidFill>
                     <a:srgbClr val="4D4D4D">
                       <a:alpha val="100000"/>
@@ -7244,28 +5704,28 @@
                   <a:latin typeface="Times New Roman"/>
                   <a:cs typeface="Times New Roman"/>
                 </a:rPr>
-                <a:t>Fertility</a:t>
+                <a:t>5</a:t>
               </a:r>
             </a:p>
           </p:txBody>
         </p:sp>
         <p:sp>
           <p:nvSpPr>
-            <p:cNvPr id="111" name="pl111"/>
+            <p:cNvPr id="71" name="pl71"/>
             <p:cNvSpPr/>
             <p:nvPr/>
           </p:nvSpPr>
           <p:spPr>
             <a:xfrm>
               <a:off x="585250" y="287968"/>
-              <a:ext cx="0" cy="1586008"/>
+              <a:ext cx="0" cy="1272999"/>
             </a:xfrm>
             <a:custGeom>
               <a:avLst/>
               <a:pathLst>
-                <a:path w="0" h="1586008">
+                <a:path w="0" h="1272999">
                   <a:moveTo>
-                    <a:pt x="0" y="1586008"/>
+                    <a:pt x="0" y="1272999"/>
                   </a:moveTo>
                   <a:lnTo>
                     <a:pt x="0" y="0"/>
@@ -7291,13 +5751,13 @@
         </p:sp>
         <p:sp>
           <p:nvSpPr>
-            <p:cNvPr id="112" name="tx112"/>
-            <p:cNvSpPr/>
-            <p:nvPr/>
-          </p:nvSpPr>
-          <p:spPr>
-            <a:xfrm>
-              <a:off x="360100" y="1588216"/>
+            <p:cNvPr id="72" name="tx72"/>
+            <p:cNvSpPr/>
+            <p:nvPr/>
+          </p:nvSpPr>
+          <p:spPr>
+            <a:xfrm>
+              <a:off x="360100" y="1457563"/>
               <a:ext cx="162520" cy="85903"/>
             </a:xfrm>
             <a:prstGeom prst="rect">
@@ -7337,13 +5797,13 @@
         </p:sp>
         <p:sp>
           <p:nvSpPr>
-            <p:cNvPr id="113" name="tx113"/>
-            <p:cNvSpPr/>
-            <p:nvPr/>
-          </p:nvSpPr>
-          <p:spPr>
-            <a:xfrm>
-              <a:off x="299140" y="1269792"/>
+            <p:cNvPr id="73" name="tx73"/>
+            <p:cNvSpPr/>
+            <p:nvPr/>
+          </p:nvSpPr>
+          <p:spPr>
+            <a:xfrm>
+              <a:off x="299140" y="1226109"/>
               <a:ext cx="223480" cy="85903"/>
             </a:xfrm>
             <a:prstGeom prst="rect">
@@ -7376,20 +5836,20 @@
                   <a:latin typeface="Times New Roman"/>
                   <a:cs typeface="Times New Roman"/>
                 </a:rPr>
-                <a:t>25%</a:t>
+                <a:t>20%</a:t>
               </a:r>
             </a:p>
           </p:txBody>
         </p:sp>
         <p:sp>
           <p:nvSpPr>
-            <p:cNvPr id="114" name="tx114"/>
-            <p:cNvSpPr/>
-            <p:nvPr/>
-          </p:nvSpPr>
-          <p:spPr>
-            <a:xfrm>
-              <a:off x="299140" y="951367"/>
+            <p:cNvPr id="74" name="tx74"/>
+            <p:cNvSpPr/>
+            <p:nvPr/>
+          </p:nvSpPr>
+          <p:spPr>
+            <a:xfrm>
+              <a:off x="299140" y="994654"/>
               <a:ext cx="223480" cy="85903"/>
             </a:xfrm>
             <a:prstGeom prst="rect">
@@ -7422,20 +5882,20 @@
                   <a:latin typeface="Times New Roman"/>
                   <a:cs typeface="Times New Roman"/>
                 </a:rPr>
-                <a:t>50%</a:t>
+                <a:t>40%</a:t>
               </a:r>
             </a:p>
           </p:txBody>
         </p:sp>
         <p:sp>
           <p:nvSpPr>
-            <p:cNvPr id="115" name="tx115"/>
-            <p:cNvSpPr/>
-            <p:nvPr/>
-          </p:nvSpPr>
-          <p:spPr>
-            <a:xfrm>
-              <a:off x="299140" y="632943"/>
+            <p:cNvPr id="75" name="tx75"/>
+            <p:cNvSpPr/>
+            <p:nvPr/>
+          </p:nvSpPr>
+          <p:spPr>
+            <a:xfrm>
+              <a:off x="299140" y="763199"/>
               <a:ext cx="223480" cy="85903"/>
             </a:xfrm>
             <a:prstGeom prst="rect">
@@ -7468,20 +5928,66 @@
                   <a:latin typeface="Times New Roman"/>
                   <a:cs typeface="Times New Roman"/>
                 </a:rPr>
-                <a:t>75%</a:t>
+                <a:t>60%</a:t>
               </a:r>
             </a:p>
           </p:txBody>
         </p:sp>
         <p:sp>
           <p:nvSpPr>
-            <p:cNvPr id="116" name="tx116"/>
-            <p:cNvSpPr/>
-            <p:nvPr/>
-          </p:nvSpPr>
-          <p:spPr>
-            <a:xfrm>
-              <a:off x="238180" y="314518"/>
+            <p:cNvPr id="76" name="tx76"/>
+            <p:cNvSpPr/>
+            <p:nvPr/>
+          </p:nvSpPr>
+          <p:spPr>
+            <a:xfrm>
+              <a:off x="299140" y="531745"/>
+              <a:ext cx="223480" cy="85903"/>
+            </a:xfrm>
+            <a:prstGeom prst="rect">
+              <a:avLst/>
+            </a:prstGeom>
+            <a:noFill/>
+          </p:spPr>
+          <p:txBody>
+            <a:bodyPr lIns="0" rIns="0" tIns="0" bIns="0" anchorCtr="1" anchor="ctr" wrap="none"/>
+            <a:lstStyle/>
+            <a:p>
+              <a:pPr algn="l" marL="0" marR="0" indent="0">
+                <a:lnSpc>
+                  <a:spcPts val="960"/>
+                </a:lnSpc>
+                <a:spcBef>
+                  <a:spcPts val="0"/>
+                </a:spcBef>
+                <a:spcAft>
+                  <a:spcPts val="0"/>
+                </a:spcAft>
+              </a:pPr>
+              <a:r>
+                <a:rPr sz="960">
+                  <a:solidFill>
+                    <a:srgbClr val="4D4D4D">
+                      <a:alpha val="100000"/>
+                    </a:srgbClr>
+                  </a:solidFill>
+                  <a:latin typeface="Times New Roman"/>
+                  <a:cs typeface="Times New Roman"/>
+                </a:rPr>
+                <a:t>80%</a:t>
+              </a:r>
+            </a:p>
+          </p:txBody>
+        </p:sp>
+        <p:sp>
+          <p:nvSpPr>
+            <p:cNvPr id="77" name="tx77"/>
+            <p:cNvSpPr/>
+            <p:nvPr/>
+          </p:nvSpPr>
+          <p:spPr>
+            <a:xfrm>
+              <a:off x="238180" y="300290"/>
               <a:ext cx="284440" cy="85903"/>
             </a:xfrm>
             <a:prstGeom prst="rect">
@@ -7521,13 +6027,13 @@
         </p:sp>
         <p:sp>
           <p:nvSpPr>
-            <p:cNvPr id="117" name="pl117"/>
-            <p:cNvSpPr/>
-            <p:nvPr/>
-          </p:nvSpPr>
-          <p:spPr>
-            <a:xfrm>
-              <a:off x="550455" y="1633758"/>
+            <p:cNvPr id="78" name="pl78"/>
+            <p:cNvSpPr/>
+            <p:nvPr/>
+          </p:nvSpPr>
+          <p:spPr>
+            <a:xfrm>
+              <a:off x="550455" y="1503105"/>
               <a:ext cx="34794" cy="0"/>
             </a:xfrm>
             <a:custGeom>
@@ -7561,13 +6067,13 @@
         </p:sp>
         <p:sp>
           <p:nvSpPr>
-            <p:cNvPr id="118" name="pl118"/>
-            <p:cNvSpPr/>
-            <p:nvPr/>
-          </p:nvSpPr>
-          <p:spPr>
-            <a:xfrm>
-              <a:off x="550455" y="1315333"/>
+            <p:cNvPr id="79" name="pl79"/>
+            <p:cNvSpPr/>
+            <p:nvPr/>
+          </p:nvSpPr>
+          <p:spPr>
+            <a:xfrm>
+              <a:off x="550455" y="1271650"/>
               <a:ext cx="34794" cy="0"/>
             </a:xfrm>
             <a:custGeom>
@@ -7601,13 +6107,13 @@
         </p:sp>
         <p:sp>
           <p:nvSpPr>
-            <p:cNvPr id="119" name="pl119"/>
-            <p:cNvSpPr/>
-            <p:nvPr/>
-          </p:nvSpPr>
-          <p:spPr>
-            <a:xfrm>
-              <a:off x="550455" y="996909"/>
+            <p:cNvPr id="80" name="pl80"/>
+            <p:cNvSpPr/>
+            <p:nvPr/>
+          </p:nvSpPr>
+          <p:spPr>
+            <a:xfrm>
+              <a:off x="550455" y="1040195"/>
               <a:ext cx="34794" cy="0"/>
             </a:xfrm>
             <a:custGeom>
@@ -7641,13 +6147,13 @@
         </p:sp>
         <p:sp>
           <p:nvSpPr>
-            <p:cNvPr id="120" name="pl120"/>
-            <p:cNvSpPr/>
-            <p:nvPr/>
-          </p:nvSpPr>
-          <p:spPr>
-            <a:xfrm>
-              <a:off x="550455" y="678484"/>
+            <p:cNvPr id="81" name="pl81"/>
+            <p:cNvSpPr/>
+            <p:nvPr/>
+          </p:nvSpPr>
+          <p:spPr>
+            <a:xfrm>
+              <a:off x="550455" y="808741"/>
               <a:ext cx="34794" cy="0"/>
             </a:xfrm>
             <a:custGeom>
@@ -7681,13 +6187,13 @@
         </p:sp>
         <p:sp>
           <p:nvSpPr>
-            <p:cNvPr id="121" name="pl121"/>
-            <p:cNvSpPr/>
-            <p:nvPr/>
-          </p:nvSpPr>
-          <p:spPr>
-            <a:xfrm>
-              <a:off x="550455" y="360060"/>
+            <p:cNvPr id="82" name="pl82"/>
+            <p:cNvSpPr/>
+            <p:nvPr/>
+          </p:nvSpPr>
+          <p:spPr>
+            <a:xfrm>
+              <a:off x="550455" y="577286"/>
               <a:ext cx="34794" cy="0"/>
             </a:xfrm>
             <a:custGeom>
@@ -7721,283 +6227,13 @@
         </p:sp>
         <p:sp>
           <p:nvSpPr>
-            <p:cNvPr id="122" name="pl122"/>
-            <p:cNvSpPr/>
-            <p:nvPr/>
-          </p:nvSpPr>
-          <p:spPr>
-            <a:xfrm>
-              <a:off x="585250" y="2161946"/>
-              <a:ext cx="0" cy="1586008"/>
-            </a:xfrm>
-            <a:custGeom>
-              <a:avLst/>
-              <a:pathLst>
-                <a:path w="0" h="1586008">
-                  <a:moveTo>
-                    <a:pt x="0" y="1586008"/>
-                  </a:moveTo>
-                  <a:lnTo>
-                    <a:pt x="0" y="0"/>
-                  </a:lnTo>
-                </a:path>
-              </a:pathLst>
-            </a:custGeom>
-            <a:ln w="13550" cap="flat">
-              <a:solidFill>
-                <a:srgbClr val="000000">
-                  <a:alpha val="100000"/>
-                </a:srgbClr>
-              </a:solidFill>
-              <a:prstDash val="solid"/>
-              <a:round/>
-            </a:ln>
-          </p:spPr>
-          <p:txBody>
-            <a:bodyPr/>
-            <a:lstStyle/>
-            <a:p/>
-          </p:txBody>
-        </p:sp>
-        <p:sp>
-          <p:nvSpPr>
-            <p:cNvPr id="123" name="tx123"/>
-            <p:cNvSpPr/>
-            <p:nvPr/>
-          </p:nvSpPr>
-          <p:spPr>
-            <a:xfrm>
-              <a:off x="360100" y="3462194"/>
-              <a:ext cx="162520" cy="85903"/>
-            </a:xfrm>
-            <a:prstGeom prst="rect">
-              <a:avLst/>
-            </a:prstGeom>
-            <a:noFill/>
-          </p:spPr>
-          <p:txBody>
-            <a:bodyPr lIns="0" rIns="0" tIns="0" bIns="0" anchorCtr="1" anchor="ctr" wrap="none"/>
-            <a:lstStyle/>
-            <a:p>
-              <a:pPr algn="l" marL="0" marR="0" indent="0">
-                <a:lnSpc>
-                  <a:spcPts val="960"/>
-                </a:lnSpc>
-                <a:spcBef>
-                  <a:spcPts val="0"/>
-                </a:spcBef>
-                <a:spcAft>
-                  <a:spcPts val="0"/>
-                </a:spcAft>
-              </a:pPr>
-              <a:r>
-                <a:rPr sz="960">
-                  <a:solidFill>
-                    <a:srgbClr val="4D4D4D">
-                      <a:alpha val="100000"/>
-                    </a:srgbClr>
-                  </a:solidFill>
-                  <a:latin typeface="Times New Roman"/>
-                  <a:cs typeface="Times New Roman"/>
-                </a:rPr>
-                <a:t>0%</a:t>
-              </a:r>
-            </a:p>
-          </p:txBody>
-        </p:sp>
-        <p:sp>
-          <p:nvSpPr>
-            <p:cNvPr id="124" name="tx124"/>
-            <p:cNvSpPr/>
-            <p:nvPr/>
-          </p:nvSpPr>
-          <p:spPr>
-            <a:xfrm>
-              <a:off x="299140" y="3143769"/>
-              <a:ext cx="223480" cy="85903"/>
-            </a:xfrm>
-            <a:prstGeom prst="rect">
-              <a:avLst/>
-            </a:prstGeom>
-            <a:noFill/>
-          </p:spPr>
-          <p:txBody>
-            <a:bodyPr lIns="0" rIns="0" tIns="0" bIns="0" anchorCtr="1" anchor="ctr" wrap="none"/>
-            <a:lstStyle/>
-            <a:p>
-              <a:pPr algn="l" marL="0" marR="0" indent="0">
-                <a:lnSpc>
-                  <a:spcPts val="960"/>
-                </a:lnSpc>
-                <a:spcBef>
-                  <a:spcPts val="0"/>
-                </a:spcBef>
-                <a:spcAft>
-                  <a:spcPts val="0"/>
-                </a:spcAft>
-              </a:pPr>
-              <a:r>
-                <a:rPr sz="960">
-                  <a:solidFill>
-                    <a:srgbClr val="4D4D4D">
-                      <a:alpha val="100000"/>
-                    </a:srgbClr>
-                  </a:solidFill>
-                  <a:latin typeface="Times New Roman"/>
-                  <a:cs typeface="Times New Roman"/>
-                </a:rPr>
-                <a:t>25%</a:t>
-              </a:r>
-            </a:p>
-          </p:txBody>
-        </p:sp>
-        <p:sp>
-          <p:nvSpPr>
-            <p:cNvPr id="125" name="tx125"/>
-            <p:cNvSpPr/>
-            <p:nvPr/>
-          </p:nvSpPr>
-          <p:spPr>
-            <a:xfrm>
-              <a:off x="299140" y="2825345"/>
-              <a:ext cx="223480" cy="85903"/>
-            </a:xfrm>
-            <a:prstGeom prst="rect">
-              <a:avLst/>
-            </a:prstGeom>
-            <a:noFill/>
-          </p:spPr>
-          <p:txBody>
-            <a:bodyPr lIns="0" rIns="0" tIns="0" bIns="0" anchorCtr="1" anchor="ctr" wrap="none"/>
-            <a:lstStyle/>
-            <a:p>
-              <a:pPr algn="l" marL="0" marR="0" indent="0">
-                <a:lnSpc>
-                  <a:spcPts val="960"/>
-                </a:lnSpc>
-                <a:spcBef>
-                  <a:spcPts val="0"/>
-                </a:spcBef>
-                <a:spcAft>
-                  <a:spcPts val="0"/>
-                </a:spcAft>
-              </a:pPr>
-              <a:r>
-                <a:rPr sz="960">
-                  <a:solidFill>
-                    <a:srgbClr val="4D4D4D">
-                      <a:alpha val="100000"/>
-                    </a:srgbClr>
-                  </a:solidFill>
-                  <a:latin typeface="Times New Roman"/>
-                  <a:cs typeface="Times New Roman"/>
-                </a:rPr>
-                <a:t>50%</a:t>
-              </a:r>
-            </a:p>
-          </p:txBody>
-        </p:sp>
-        <p:sp>
-          <p:nvSpPr>
-            <p:cNvPr id="126" name="tx126"/>
-            <p:cNvSpPr/>
-            <p:nvPr/>
-          </p:nvSpPr>
-          <p:spPr>
-            <a:xfrm>
-              <a:off x="299140" y="2506920"/>
-              <a:ext cx="223480" cy="85903"/>
-            </a:xfrm>
-            <a:prstGeom prst="rect">
-              <a:avLst/>
-            </a:prstGeom>
-            <a:noFill/>
-          </p:spPr>
-          <p:txBody>
-            <a:bodyPr lIns="0" rIns="0" tIns="0" bIns="0" anchorCtr="1" anchor="ctr" wrap="none"/>
-            <a:lstStyle/>
-            <a:p>
-              <a:pPr algn="l" marL="0" marR="0" indent="0">
-                <a:lnSpc>
-                  <a:spcPts val="960"/>
-                </a:lnSpc>
-                <a:spcBef>
-                  <a:spcPts val="0"/>
-                </a:spcBef>
-                <a:spcAft>
-                  <a:spcPts val="0"/>
-                </a:spcAft>
-              </a:pPr>
-              <a:r>
-                <a:rPr sz="960">
-                  <a:solidFill>
-                    <a:srgbClr val="4D4D4D">
-                      <a:alpha val="100000"/>
-                    </a:srgbClr>
-                  </a:solidFill>
-                  <a:latin typeface="Times New Roman"/>
-                  <a:cs typeface="Times New Roman"/>
-                </a:rPr>
-                <a:t>75%</a:t>
-              </a:r>
-            </a:p>
-          </p:txBody>
-        </p:sp>
-        <p:sp>
-          <p:nvSpPr>
-            <p:cNvPr id="127" name="tx127"/>
-            <p:cNvSpPr/>
-            <p:nvPr/>
-          </p:nvSpPr>
-          <p:spPr>
-            <a:xfrm>
-              <a:off x="238180" y="2188496"/>
-              <a:ext cx="284440" cy="85903"/>
-            </a:xfrm>
-            <a:prstGeom prst="rect">
-              <a:avLst/>
-            </a:prstGeom>
-            <a:noFill/>
-          </p:spPr>
-          <p:txBody>
-            <a:bodyPr lIns="0" rIns="0" tIns="0" bIns="0" anchorCtr="1" anchor="ctr" wrap="none"/>
-            <a:lstStyle/>
-            <a:p>
-              <a:pPr algn="l" marL="0" marR="0" indent="0">
-                <a:lnSpc>
-                  <a:spcPts val="960"/>
-                </a:lnSpc>
-                <a:spcBef>
-                  <a:spcPts val="0"/>
-                </a:spcBef>
-                <a:spcAft>
-                  <a:spcPts val="0"/>
-                </a:spcAft>
-              </a:pPr>
-              <a:r>
-                <a:rPr sz="960">
-                  <a:solidFill>
-                    <a:srgbClr val="4D4D4D">
-                      <a:alpha val="100000"/>
-                    </a:srgbClr>
-                  </a:solidFill>
-                  <a:latin typeface="Times New Roman"/>
-                  <a:cs typeface="Times New Roman"/>
-                </a:rPr>
-                <a:t>100%</a:t>
-              </a:r>
-            </a:p>
-          </p:txBody>
-        </p:sp>
-        <p:sp>
-          <p:nvSpPr>
-            <p:cNvPr id="128" name="pl128"/>
-            <p:cNvSpPr/>
-            <p:nvPr/>
-          </p:nvSpPr>
-          <p:spPr>
-            <a:xfrm>
-              <a:off x="550455" y="3507735"/>
+            <p:cNvPr id="83" name="pl83"/>
+            <p:cNvSpPr/>
+            <p:nvPr/>
+          </p:nvSpPr>
+          <p:spPr>
+            <a:xfrm>
+              <a:off x="550455" y="345832"/>
               <a:ext cx="34794" cy="0"/>
             </a:xfrm>
             <a:custGeom>
@@ -8031,173 +6267,13 @@
         </p:sp>
         <p:sp>
           <p:nvSpPr>
-            <p:cNvPr id="129" name="pl129"/>
-            <p:cNvSpPr/>
-            <p:nvPr/>
-          </p:nvSpPr>
-          <p:spPr>
-            <a:xfrm>
-              <a:off x="550455" y="3189311"/>
-              <a:ext cx="34794" cy="0"/>
-            </a:xfrm>
-            <a:custGeom>
-              <a:avLst/>
-              <a:pathLst>
-                <a:path w="34794" h="0">
-                  <a:moveTo>
-                    <a:pt x="0" y="0"/>
-                  </a:moveTo>
-                  <a:lnTo>
-                    <a:pt x="34794" y="0"/>
-                  </a:lnTo>
-                </a:path>
-              </a:pathLst>
-            </a:custGeom>
-            <a:ln w="13550" cap="flat">
-              <a:solidFill>
-                <a:srgbClr val="333333">
-                  <a:alpha val="100000"/>
-                </a:srgbClr>
-              </a:solidFill>
-              <a:prstDash val="solid"/>
-              <a:round/>
-            </a:ln>
-          </p:spPr>
-          <p:txBody>
-            <a:bodyPr/>
-            <a:lstStyle/>
-            <a:p/>
-          </p:txBody>
-        </p:sp>
-        <p:sp>
-          <p:nvSpPr>
-            <p:cNvPr id="130" name="pl130"/>
-            <p:cNvSpPr/>
-            <p:nvPr/>
-          </p:nvSpPr>
-          <p:spPr>
-            <a:xfrm>
-              <a:off x="550455" y="2870886"/>
-              <a:ext cx="34794" cy="0"/>
-            </a:xfrm>
-            <a:custGeom>
-              <a:avLst/>
-              <a:pathLst>
-                <a:path w="34794" h="0">
-                  <a:moveTo>
-                    <a:pt x="0" y="0"/>
-                  </a:moveTo>
-                  <a:lnTo>
-                    <a:pt x="34794" y="0"/>
-                  </a:lnTo>
-                </a:path>
-              </a:pathLst>
-            </a:custGeom>
-            <a:ln w="13550" cap="flat">
-              <a:solidFill>
-                <a:srgbClr val="333333">
-                  <a:alpha val="100000"/>
-                </a:srgbClr>
-              </a:solidFill>
-              <a:prstDash val="solid"/>
-              <a:round/>
-            </a:ln>
-          </p:spPr>
-          <p:txBody>
-            <a:bodyPr/>
-            <a:lstStyle/>
-            <a:p/>
-          </p:txBody>
-        </p:sp>
-        <p:sp>
-          <p:nvSpPr>
-            <p:cNvPr id="131" name="pl131"/>
-            <p:cNvSpPr/>
-            <p:nvPr/>
-          </p:nvSpPr>
-          <p:spPr>
-            <a:xfrm>
-              <a:off x="550455" y="2552462"/>
-              <a:ext cx="34794" cy="0"/>
-            </a:xfrm>
-            <a:custGeom>
-              <a:avLst/>
-              <a:pathLst>
-                <a:path w="34794" h="0">
-                  <a:moveTo>
-                    <a:pt x="0" y="0"/>
-                  </a:moveTo>
-                  <a:lnTo>
-                    <a:pt x="34794" y="0"/>
-                  </a:lnTo>
-                </a:path>
-              </a:pathLst>
-            </a:custGeom>
-            <a:ln w="13550" cap="flat">
-              <a:solidFill>
-                <a:srgbClr val="333333">
-                  <a:alpha val="100000"/>
-                </a:srgbClr>
-              </a:solidFill>
-              <a:prstDash val="solid"/>
-              <a:round/>
-            </a:ln>
-          </p:spPr>
-          <p:txBody>
-            <a:bodyPr/>
-            <a:lstStyle/>
-            <a:p/>
-          </p:txBody>
-        </p:sp>
-        <p:sp>
-          <p:nvSpPr>
-            <p:cNvPr id="132" name="pl132"/>
-            <p:cNvSpPr/>
-            <p:nvPr/>
-          </p:nvSpPr>
-          <p:spPr>
-            <a:xfrm>
-              <a:off x="550455" y="2234037"/>
-              <a:ext cx="34794" cy="0"/>
-            </a:xfrm>
-            <a:custGeom>
-              <a:avLst/>
-              <a:pathLst>
-                <a:path w="34794" h="0">
-                  <a:moveTo>
-                    <a:pt x="0" y="0"/>
-                  </a:moveTo>
-                  <a:lnTo>
-                    <a:pt x="34794" y="0"/>
-                  </a:lnTo>
-                </a:path>
-              </a:pathLst>
-            </a:custGeom>
-            <a:ln w="13550" cap="flat">
-              <a:solidFill>
-                <a:srgbClr val="333333">
-                  <a:alpha val="100000"/>
-                </a:srgbClr>
-              </a:solidFill>
-              <a:prstDash val="solid"/>
-              <a:round/>
-            </a:ln>
-          </p:spPr>
-          <p:txBody>
-            <a:bodyPr/>
-            <a:lstStyle/>
-            <a:p/>
-          </p:txBody>
-        </p:sp>
-        <p:sp>
-          <p:nvSpPr>
-            <p:cNvPr id="133" name="tx133"/>
+            <p:cNvPr id="84" name="tx84"/>
             <p:cNvSpPr/>
             <p:nvPr/>
           </p:nvSpPr>
           <p:spPr>
             <a:xfrm rot="-5400000">
-              <a:off x="-969528" y="1948756"/>
+              <a:off x="-969528" y="855263"/>
               <a:ext cx="2141636" cy="138410"/>
             </a:xfrm>
             <a:prstGeom prst="rect">
@@ -8250,9 +6326,9 @@
 </file>
 
 <file path=ppt/theme/theme1.xml><?xml version="1.0" encoding="utf-8"?>
-<a:theme xmlns:a="http://schemas.openxmlformats.org/drawingml/2006/main" name="Tema de Office">
+<a:theme xmlns:a="http://schemas.openxmlformats.org/drawingml/2006/main" name="Office 2013 - Tema de 2022">
   <a:themeElements>
-    <a:clrScheme name="Tema de Office">
+    <a:clrScheme name="Office 2013 - Tema de 2022">
       <a:dk1>
         <a:sysClr val="windowText" lastClr="000000"/>
       </a:dk1>
@@ -8266,7 +6342,7 @@
         <a:srgbClr val="E7E6E6"/>
       </a:lt2>
       <a:accent1>
-        <a:srgbClr val="5B9BD5"/>
+        <a:srgbClr val="4472C4"/>
       </a:accent1>
       <a:accent2>
         <a:srgbClr val="ED7D31"/>
@@ -8278,7 +6354,7 @@
         <a:srgbClr val="FFC000"/>
       </a:accent4>
       <a:accent5>
-        <a:srgbClr val="4472C4"/>
+        <a:srgbClr val="5B9BD5"/>
       </a:accent5>
       <a:accent6>
         <a:srgbClr val="70AD47"/>
@@ -8290,7 +6366,7 @@
         <a:srgbClr val="954F72"/>
       </a:folHlink>
     </a:clrScheme>
-    <a:fontScheme name="Tema de Office">
+    <a:fontScheme name="Office 2013 - Tema de 2022">
       <a:majorFont>
         <a:latin typeface="Calibri Light" panose="020F0302020204030204"/>
         <a:ea typeface=""/>
@@ -8362,7 +6438,7 @@
         <a:font script="Geor" typeface="Sylfaen"/>
       </a:minorFont>
     </a:fontScheme>
-    <a:fmtScheme name="Tema de Office">
+    <a:fmtScheme name="Office 2013 - Tema de 2022">
       <a:fillStyleLst>
         <a:solidFill>
           <a:schemeClr val="phClr"/>
@@ -8504,7 +6580,7 @@
   <a:extraClrSchemeLst/>
   <a:extLst>
     <a:ext uri="{05A4C25C-085E-4340-85A3-A5531E510DB2}">
-      <thm15:themeFamily xmlns:thm15="http://schemas.microsoft.com/office/thememl/2012/main" name="Office Theme" id="{62F939B6-93AF-4DB8-9C6B-D6C7DFDC589F}" vid="{4A3C46E8-61CC-4603-A589-7422A47A8E4A}"/>
+      <thm15:themeFamily xmlns:thm15="http://schemas.microsoft.com/office/thememl/2012/main" name="Office 2013 - 2022 Theme" id="{62F939B6-93AF-4DB8-9C6B-D6C7DFDC589F}" vid="{4A3C46E8-61CC-4603-A589-7422A47A8E4A}"/>
     </a:ext>
   </a:extLst>
 </a:theme>
